--- a/course_material/week_17/week_17_presentation.pptx
+++ b/course_material/week_17/week_17_presentation.pptx
@@ -5,15 +5,25 @@
     <p:sldMasterId id="2147483696" r:id="rId1"/>
   </p:sldMasterIdLst>
   <p:notesMasterIdLst>
-    <p:notesMasterId r:id="rId8"/>
+    <p:notesMasterId r:id="rId18"/>
   </p:notesMasterIdLst>
   <p:sldIdLst>
     <p:sldId id="256" r:id="rId2"/>
     <p:sldId id="274" r:id="rId3"/>
     <p:sldId id="259" r:id="rId4"/>
     <p:sldId id="318" r:id="rId5"/>
-    <p:sldId id="311" r:id="rId6"/>
-    <p:sldId id="271" r:id="rId7"/>
+    <p:sldId id="319" r:id="rId6"/>
+    <p:sldId id="320" r:id="rId7"/>
+    <p:sldId id="321" r:id="rId8"/>
+    <p:sldId id="323" r:id="rId9"/>
+    <p:sldId id="324" r:id="rId10"/>
+    <p:sldId id="327" r:id="rId11"/>
+    <p:sldId id="325" r:id="rId12"/>
+    <p:sldId id="326" r:id="rId13"/>
+    <p:sldId id="328" r:id="rId14"/>
+    <p:sldId id="311" r:id="rId15"/>
+    <p:sldId id="322" r:id="rId16"/>
+    <p:sldId id="271" r:id="rId17"/>
   </p:sldIdLst>
   <p:sldSz cx="12192000" cy="6858000"/>
   <p:notesSz cx="6858000" cy="9144000"/>
@@ -1746,6 +1756,2795 @@
 </pc:chgInfo>
 </file>
 
+<file path=ppt/diagrams/colors1.xml><?xml version="1.0" encoding="utf-8"?>
+<dgm:colorsDef xmlns:dgm="http://schemas.openxmlformats.org/drawingml/2006/diagram" xmlns:a="http://schemas.openxmlformats.org/drawingml/2006/main" uniqueId="urn:microsoft.com/office/officeart/2018/5/colors/Iconchunking_neutralbg_colorful1">
+  <dgm:title val=""/>
+  <dgm:desc val=""/>
+  <dgm:catLst>
+    <dgm:cat type="colorful" pri="10100"/>
+  </dgm:catLst>
+  <dgm:styleLbl name="node0">
+    <dgm:fillClrLst meth="repeat">
+      <a:schemeClr val="accent1"/>
+    </dgm:fillClrLst>
+    <dgm:linClrLst meth="repeat">
+      <a:schemeClr val="lt1"/>
+    </dgm:linClrLst>
+    <dgm:effectClrLst/>
+    <dgm:txLinClrLst/>
+    <dgm:txFillClrLst/>
+    <dgm:txEffectClrLst/>
+  </dgm:styleLbl>
+  <dgm:styleLbl name="node1">
+    <dgm:fillClrLst meth="repeat">
+      <a:schemeClr val="accent2"/>
+      <a:schemeClr val="accent3"/>
+      <a:schemeClr val="accent4"/>
+      <a:schemeClr val="accent5"/>
+      <a:schemeClr val="accent6"/>
+    </dgm:fillClrLst>
+    <dgm:linClrLst meth="repeat">
+      <a:schemeClr val="lt1">
+        <a:alpha val="0"/>
+      </a:schemeClr>
+    </dgm:linClrLst>
+    <dgm:effectClrLst/>
+    <dgm:txLinClrLst/>
+    <dgm:txFillClrLst/>
+    <dgm:txEffectClrLst/>
+  </dgm:styleLbl>
+  <dgm:styleLbl name="alignNode1">
+    <dgm:fillClrLst meth="repeat">
+      <a:schemeClr val="accent2"/>
+      <a:schemeClr val="accent3"/>
+      <a:schemeClr val="accent4"/>
+      <a:schemeClr val="accent5"/>
+      <a:schemeClr val="accent6"/>
+    </dgm:fillClrLst>
+    <dgm:linClrLst meth="repeat">
+      <a:schemeClr val="accent2"/>
+      <a:schemeClr val="accent3"/>
+      <a:schemeClr val="accent4"/>
+      <a:schemeClr val="accent5"/>
+      <a:schemeClr val="accent6"/>
+    </dgm:linClrLst>
+    <dgm:effectClrLst/>
+    <dgm:txLinClrLst/>
+    <dgm:txFillClrLst/>
+    <dgm:txEffectClrLst/>
+  </dgm:styleLbl>
+  <dgm:styleLbl name="lnNode1">
+    <dgm:fillClrLst meth="repeat">
+      <a:schemeClr val="accent2"/>
+      <a:schemeClr val="accent3"/>
+      <a:schemeClr val="accent4"/>
+      <a:schemeClr val="accent5"/>
+      <a:schemeClr val="accent6"/>
+    </dgm:fillClrLst>
+    <dgm:linClrLst meth="repeat">
+      <a:schemeClr val="lt1"/>
+    </dgm:linClrLst>
+    <dgm:effectClrLst/>
+    <dgm:txLinClrLst/>
+    <dgm:txFillClrLst/>
+    <dgm:txEffectClrLst/>
+  </dgm:styleLbl>
+  <dgm:styleLbl name="vennNode1">
+    <dgm:fillClrLst meth="repeat">
+      <a:schemeClr val="accent2">
+        <a:alpha val="50000"/>
+      </a:schemeClr>
+      <a:schemeClr val="accent3">
+        <a:alpha val="50000"/>
+      </a:schemeClr>
+      <a:schemeClr val="accent4">
+        <a:alpha val="50000"/>
+      </a:schemeClr>
+      <a:schemeClr val="accent5">
+        <a:alpha val="50000"/>
+      </a:schemeClr>
+      <a:schemeClr val="accent6">
+        <a:alpha val="50000"/>
+      </a:schemeClr>
+    </dgm:fillClrLst>
+    <dgm:linClrLst meth="repeat">
+      <a:schemeClr val="lt1"/>
+    </dgm:linClrLst>
+    <dgm:effectClrLst/>
+    <dgm:txLinClrLst/>
+    <dgm:txFillClrLst/>
+    <dgm:txEffectClrLst/>
+  </dgm:styleLbl>
+  <dgm:styleLbl name="node2">
+    <dgm:fillClrLst>
+      <a:schemeClr val="accent2"/>
+    </dgm:fillClrLst>
+    <dgm:linClrLst meth="repeat">
+      <a:schemeClr val="lt1"/>
+    </dgm:linClrLst>
+    <dgm:effectClrLst/>
+    <dgm:txLinClrLst/>
+    <dgm:txFillClrLst/>
+    <dgm:txEffectClrLst/>
+  </dgm:styleLbl>
+  <dgm:styleLbl name="node3">
+    <dgm:fillClrLst>
+      <a:schemeClr val="accent3"/>
+    </dgm:fillClrLst>
+    <dgm:linClrLst meth="repeat">
+      <a:schemeClr val="lt1"/>
+    </dgm:linClrLst>
+    <dgm:effectClrLst/>
+    <dgm:txLinClrLst/>
+    <dgm:txFillClrLst/>
+    <dgm:txEffectClrLst/>
+  </dgm:styleLbl>
+  <dgm:styleLbl name="node4">
+    <dgm:fillClrLst>
+      <a:schemeClr val="accent4"/>
+    </dgm:fillClrLst>
+    <dgm:linClrLst meth="repeat">
+      <a:schemeClr val="lt1"/>
+    </dgm:linClrLst>
+    <dgm:effectClrLst/>
+    <dgm:txLinClrLst/>
+    <dgm:txFillClrLst/>
+    <dgm:txEffectClrLst/>
+  </dgm:styleLbl>
+  <dgm:styleLbl name="fgImgPlace1">
+    <dgm:fillClrLst meth="repeat">
+      <a:schemeClr val="accent2">
+        <a:tint val="50000"/>
+      </a:schemeClr>
+      <a:schemeClr val="accent3">
+        <a:tint val="50000"/>
+      </a:schemeClr>
+      <a:schemeClr val="accent4">
+        <a:tint val="50000"/>
+      </a:schemeClr>
+      <a:schemeClr val="accent5">
+        <a:tint val="50000"/>
+      </a:schemeClr>
+      <a:schemeClr val="accent6">
+        <a:tint val="50000"/>
+      </a:schemeClr>
+    </dgm:fillClrLst>
+    <dgm:linClrLst meth="repeat">
+      <a:schemeClr val="lt1"/>
+    </dgm:linClrLst>
+    <dgm:effectClrLst/>
+    <dgm:txLinClrLst/>
+    <dgm:txFillClrLst meth="repeat">
+      <a:schemeClr val="lt1"/>
+    </dgm:txFillClrLst>
+    <dgm:txEffectClrLst/>
+  </dgm:styleLbl>
+  <dgm:styleLbl name="alignImgPlace1">
+    <dgm:fillClrLst>
+      <a:schemeClr val="accent1">
+        <a:tint val="50000"/>
+      </a:schemeClr>
+      <a:schemeClr val="accent2">
+        <a:tint val="20000"/>
+      </a:schemeClr>
+    </dgm:fillClrLst>
+    <dgm:linClrLst meth="repeat">
+      <a:schemeClr val="lt1"/>
+    </dgm:linClrLst>
+    <dgm:effectClrLst/>
+    <dgm:txLinClrLst/>
+    <dgm:txFillClrLst meth="repeat">
+      <a:schemeClr val="lt1"/>
+    </dgm:txFillClrLst>
+    <dgm:txEffectClrLst/>
+  </dgm:styleLbl>
+  <dgm:styleLbl name="bgImgPlace1">
+    <dgm:fillClrLst>
+      <a:schemeClr val="accent1">
+        <a:tint val="50000"/>
+      </a:schemeClr>
+      <a:schemeClr val="accent2">
+        <a:tint val="20000"/>
+      </a:schemeClr>
+    </dgm:fillClrLst>
+    <dgm:linClrLst meth="repeat">
+      <a:schemeClr val="lt1"/>
+    </dgm:linClrLst>
+    <dgm:effectClrLst/>
+    <dgm:txLinClrLst/>
+    <dgm:txFillClrLst meth="repeat">
+      <a:schemeClr val="lt1"/>
+    </dgm:txFillClrLst>
+    <dgm:txEffectClrLst/>
+  </dgm:styleLbl>
+  <dgm:styleLbl name="sibTrans2D1">
+    <dgm:fillClrLst meth="repeat">
+      <a:schemeClr val="accent2"/>
+      <a:schemeClr val="accent3"/>
+      <a:schemeClr val="accent4"/>
+      <a:schemeClr val="accent5"/>
+      <a:schemeClr val="accent6"/>
+    </dgm:fillClrLst>
+    <dgm:linClrLst meth="cycle">
+      <a:schemeClr val="lt1"/>
+    </dgm:linClrLst>
+    <dgm:effectClrLst/>
+    <dgm:txLinClrLst/>
+    <dgm:txFillClrLst/>
+    <dgm:txEffectClrLst/>
+  </dgm:styleLbl>
+  <dgm:styleLbl name="fgSibTrans2D1">
+    <dgm:fillClrLst meth="repeat">
+      <a:schemeClr val="accent2"/>
+      <a:schemeClr val="accent3"/>
+      <a:schemeClr val="accent4"/>
+      <a:schemeClr val="accent5"/>
+      <a:schemeClr val="accent6"/>
+    </dgm:fillClrLst>
+    <dgm:linClrLst meth="cycle">
+      <a:schemeClr val="lt1"/>
+    </dgm:linClrLst>
+    <dgm:effectClrLst/>
+    <dgm:txLinClrLst/>
+    <dgm:txFillClrLst meth="repeat">
+      <a:schemeClr val="lt1"/>
+    </dgm:txFillClrLst>
+    <dgm:txEffectClrLst/>
+  </dgm:styleLbl>
+  <dgm:styleLbl name="bgSibTrans2D1">
+    <dgm:fillClrLst meth="repeat">
+      <a:schemeClr val="accent2"/>
+      <a:schemeClr val="accent3"/>
+      <a:schemeClr val="accent4"/>
+      <a:schemeClr val="accent5"/>
+      <a:schemeClr val="accent6"/>
+    </dgm:fillClrLst>
+    <dgm:linClrLst meth="cycle">
+      <a:schemeClr val="lt1"/>
+    </dgm:linClrLst>
+    <dgm:effectClrLst/>
+    <dgm:txLinClrLst/>
+    <dgm:txFillClrLst meth="repeat">
+      <a:schemeClr val="lt1"/>
+    </dgm:txFillClrLst>
+    <dgm:txEffectClrLst/>
+  </dgm:styleLbl>
+  <dgm:styleLbl name="sibTrans1D1">
+    <dgm:fillClrLst meth="repeat">
+      <a:schemeClr val="accent2"/>
+      <a:schemeClr val="accent3"/>
+      <a:schemeClr val="accent4"/>
+      <a:schemeClr val="accent5"/>
+      <a:schemeClr val="accent6"/>
+    </dgm:fillClrLst>
+    <dgm:linClrLst meth="repeat">
+      <a:schemeClr val="accent2"/>
+      <a:schemeClr val="accent3"/>
+      <a:schemeClr val="accent4"/>
+      <a:schemeClr val="accent5"/>
+      <a:schemeClr val="accent6"/>
+    </dgm:linClrLst>
+    <dgm:effectClrLst/>
+    <dgm:txLinClrLst/>
+    <dgm:txFillClrLst meth="repeat">
+      <a:schemeClr val="tx1"/>
+    </dgm:txFillClrLst>
+    <dgm:txEffectClrLst/>
+  </dgm:styleLbl>
+  <dgm:styleLbl name="callout">
+    <dgm:fillClrLst meth="repeat">
+      <a:schemeClr val="accent2"/>
+    </dgm:fillClrLst>
+    <dgm:linClrLst meth="repeat">
+      <a:schemeClr val="accent2">
+        <a:tint val="50000"/>
+      </a:schemeClr>
+    </dgm:linClrLst>
+    <dgm:effectClrLst/>
+    <dgm:txLinClrLst/>
+    <dgm:txFillClrLst meth="repeat">
+      <a:schemeClr val="tx1"/>
+    </dgm:txFillClrLst>
+    <dgm:txEffectClrLst/>
+  </dgm:styleLbl>
+  <dgm:styleLbl name="asst0">
+    <dgm:fillClrLst meth="repeat">
+      <a:schemeClr val="accent1"/>
+    </dgm:fillClrLst>
+    <dgm:linClrLst meth="repeat">
+      <a:schemeClr val="lt1"/>
+    </dgm:linClrLst>
+    <dgm:effectClrLst/>
+    <dgm:txLinClrLst/>
+    <dgm:txFillClrLst/>
+    <dgm:txEffectClrLst/>
+  </dgm:styleLbl>
+  <dgm:styleLbl name="asst1">
+    <dgm:fillClrLst meth="repeat">
+      <a:schemeClr val="accent2"/>
+    </dgm:fillClrLst>
+    <dgm:linClrLst meth="repeat">
+      <a:schemeClr val="lt1"/>
+    </dgm:linClrLst>
+    <dgm:effectClrLst/>
+    <dgm:txLinClrLst/>
+    <dgm:txFillClrLst/>
+    <dgm:txEffectClrLst/>
+  </dgm:styleLbl>
+  <dgm:styleLbl name="asst2">
+    <dgm:fillClrLst>
+      <a:schemeClr val="accent3"/>
+    </dgm:fillClrLst>
+    <dgm:linClrLst meth="repeat">
+      <a:schemeClr val="lt1"/>
+    </dgm:linClrLst>
+    <dgm:effectClrLst/>
+    <dgm:txLinClrLst/>
+    <dgm:txFillClrLst/>
+    <dgm:txEffectClrLst/>
+  </dgm:styleLbl>
+  <dgm:styleLbl name="asst3">
+    <dgm:fillClrLst>
+      <a:schemeClr val="accent4"/>
+    </dgm:fillClrLst>
+    <dgm:linClrLst meth="repeat">
+      <a:schemeClr val="lt1"/>
+    </dgm:linClrLst>
+    <dgm:effectClrLst/>
+    <dgm:txLinClrLst/>
+    <dgm:txFillClrLst/>
+    <dgm:txEffectClrLst/>
+  </dgm:styleLbl>
+  <dgm:styleLbl name="asst4">
+    <dgm:fillClrLst>
+      <a:schemeClr val="accent5"/>
+    </dgm:fillClrLst>
+    <dgm:linClrLst meth="repeat">
+      <a:schemeClr val="lt1"/>
+    </dgm:linClrLst>
+    <dgm:effectClrLst/>
+    <dgm:txLinClrLst/>
+    <dgm:txFillClrLst/>
+    <dgm:txEffectClrLst/>
+  </dgm:styleLbl>
+  <dgm:styleLbl name="parChTrans2D1">
+    <dgm:fillClrLst meth="repeat">
+      <a:schemeClr val="accent2"/>
+    </dgm:fillClrLst>
+    <dgm:linClrLst meth="repeat">
+      <a:schemeClr val="lt1"/>
+    </dgm:linClrLst>
+    <dgm:effectClrLst/>
+    <dgm:txLinClrLst/>
+    <dgm:txFillClrLst meth="repeat">
+      <a:schemeClr val="lt1"/>
+    </dgm:txFillClrLst>
+    <dgm:txEffectClrLst/>
+  </dgm:styleLbl>
+  <dgm:styleLbl name="parChTrans2D2">
+    <dgm:fillClrLst meth="repeat">
+      <a:schemeClr val="accent3"/>
+    </dgm:fillClrLst>
+    <dgm:linClrLst meth="repeat">
+      <a:schemeClr val="lt1"/>
+    </dgm:linClrLst>
+    <dgm:effectClrLst/>
+    <dgm:txLinClrLst/>
+    <dgm:txFillClrLst/>
+    <dgm:txEffectClrLst/>
+  </dgm:styleLbl>
+  <dgm:styleLbl name="parChTrans2D3">
+    <dgm:fillClrLst meth="repeat">
+      <a:schemeClr val="accent4"/>
+    </dgm:fillClrLst>
+    <dgm:linClrLst meth="repeat">
+      <a:schemeClr val="lt1"/>
+    </dgm:linClrLst>
+    <dgm:effectClrLst/>
+    <dgm:txLinClrLst/>
+    <dgm:txFillClrLst/>
+    <dgm:txEffectClrLst/>
+  </dgm:styleLbl>
+  <dgm:styleLbl name="parChTrans2D4">
+    <dgm:fillClrLst meth="repeat">
+      <a:schemeClr val="accent5"/>
+    </dgm:fillClrLst>
+    <dgm:linClrLst meth="repeat">
+      <a:schemeClr val="lt1"/>
+    </dgm:linClrLst>
+    <dgm:effectClrLst/>
+    <dgm:txLinClrLst/>
+    <dgm:txFillClrLst meth="repeat">
+      <a:schemeClr val="lt1"/>
+    </dgm:txFillClrLst>
+    <dgm:txEffectClrLst/>
+  </dgm:styleLbl>
+  <dgm:styleLbl name="parChTrans1D1">
+    <dgm:fillClrLst meth="repeat">
+      <a:schemeClr val="accent2"/>
+    </dgm:fillClrLst>
+    <dgm:linClrLst meth="repeat">
+      <a:schemeClr val="accent1"/>
+    </dgm:linClrLst>
+    <dgm:effectClrLst/>
+    <dgm:txLinClrLst/>
+    <dgm:txFillClrLst meth="repeat">
+      <a:schemeClr val="tx1"/>
+    </dgm:txFillClrLst>
+    <dgm:txEffectClrLst/>
+  </dgm:styleLbl>
+  <dgm:styleLbl name="parChTrans1D2">
+    <dgm:fillClrLst meth="repeat">
+      <a:schemeClr val="accent3">
+        <a:tint val="90000"/>
+      </a:schemeClr>
+    </dgm:fillClrLst>
+    <dgm:linClrLst meth="repeat">
+      <a:schemeClr val="accent2"/>
+    </dgm:linClrLst>
+    <dgm:effectClrLst/>
+    <dgm:txLinClrLst/>
+    <dgm:txFillClrLst meth="repeat">
+      <a:schemeClr val="tx1"/>
+    </dgm:txFillClrLst>
+    <dgm:txEffectClrLst/>
+  </dgm:styleLbl>
+  <dgm:styleLbl name="parChTrans1D3">
+    <dgm:fillClrLst meth="repeat">
+      <a:schemeClr val="accent4">
+        <a:tint val="70000"/>
+      </a:schemeClr>
+    </dgm:fillClrLst>
+    <dgm:linClrLst meth="repeat">
+      <a:schemeClr val="accent3"/>
+    </dgm:linClrLst>
+    <dgm:effectClrLst/>
+    <dgm:txLinClrLst/>
+    <dgm:txFillClrLst meth="repeat">
+      <a:schemeClr val="tx1"/>
+    </dgm:txFillClrLst>
+    <dgm:txEffectClrLst/>
+  </dgm:styleLbl>
+  <dgm:styleLbl name="parChTrans1D4">
+    <dgm:fillClrLst meth="repeat">
+      <a:schemeClr val="accent5">
+        <a:tint val="50000"/>
+      </a:schemeClr>
+    </dgm:fillClrLst>
+    <dgm:linClrLst meth="repeat">
+      <a:schemeClr val="accent4"/>
+    </dgm:linClrLst>
+    <dgm:effectClrLst/>
+    <dgm:txLinClrLst/>
+    <dgm:txFillClrLst meth="repeat">
+      <a:schemeClr val="tx1"/>
+    </dgm:txFillClrLst>
+    <dgm:txEffectClrLst/>
+  </dgm:styleLbl>
+  <dgm:styleLbl name="fgAcc1">
+    <dgm:fillClrLst meth="repeat">
+      <a:schemeClr val="lt1">
+        <a:alpha val="90000"/>
+      </a:schemeClr>
+    </dgm:fillClrLst>
+    <dgm:linClrLst meth="repeat">
+      <a:schemeClr val="accent2"/>
+      <a:schemeClr val="accent3"/>
+      <a:schemeClr val="accent4"/>
+      <a:schemeClr val="accent5"/>
+      <a:schemeClr val="accent6"/>
+    </dgm:linClrLst>
+    <dgm:effectClrLst/>
+    <dgm:txLinClrLst/>
+    <dgm:txFillClrLst meth="repeat">
+      <a:schemeClr val="dk1"/>
+    </dgm:txFillClrLst>
+    <dgm:txEffectClrLst/>
+  </dgm:styleLbl>
+  <dgm:styleLbl name="conFgAcc1">
+    <dgm:fillClrLst meth="repeat">
+      <a:schemeClr val="lt1">
+        <a:alpha val="90000"/>
+      </a:schemeClr>
+    </dgm:fillClrLst>
+    <dgm:linClrLst meth="repeat">
+      <a:schemeClr val="accent2"/>
+      <a:schemeClr val="accent3"/>
+      <a:schemeClr val="accent4"/>
+      <a:schemeClr val="accent5"/>
+      <a:schemeClr val="accent6"/>
+    </dgm:linClrLst>
+    <dgm:effectClrLst/>
+    <dgm:txLinClrLst/>
+    <dgm:txFillClrLst meth="repeat">
+      <a:schemeClr val="dk1"/>
+    </dgm:txFillClrLst>
+    <dgm:txEffectClrLst/>
+  </dgm:styleLbl>
+  <dgm:styleLbl name="alignAcc1">
+    <dgm:fillClrLst meth="repeat">
+      <a:schemeClr val="lt1">
+        <a:alpha val="90000"/>
+      </a:schemeClr>
+    </dgm:fillClrLst>
+    <dgm:linClrLst meth="repeat">
+      <a:schemeClr val="accent2"/>
+      <a:schemeClr val="accent3"/>
+      <a:schemeClr val="accent4"/>
+      <a:schemeClr val="accent5"/>
+      <a:schemeClr val="accent6"/>
+    </dgm:linClrLst>
+    <dgm:effectClrLst/>
+    <dgm:txLinClrLst/>
+    <dgm:txFillClrLst meth="repeat">
+      <a:schemeClr val="dk1"/>
+    </dgm:txFillClrLst>
+    <dgm:txEffectClrLst/>
+  </dgm:styleLbl>
+  <dgm:styleLbl name="trAlignAcc1">
+    <dgm:fillClrLst meth="repeat">
+      <a:schemeClr val="lt1">
+        <a:alpha val="40000"/>
+      </a:schemeClr>
+    </dgm:fillClrLst>
+    <dgm:linClrLst meth="repeat">
+      <a:schemeClr val="accent1"/>
+    </dgm:linClrLst>
+    <dgm:effectClrLst/>
+    <dgm:txLinClrLst/>
+    <dgm:txFillClrLst meth="repeat">
+      <a:schemeClr val="dk1"/>
+    </dgm:txFillClrLst>
+    <dgm:txEffectClrLst/>
+  </dgm:styleLbl>
+  <dgm:styleLbl name="bgAcc1">
+    <dgm:fillClrLst meth="repeat">
+      <a:schemeClr val="lt1">
+        <a:alpha val="90000"/>
+      </a:schemeClr>
+    </dgm:fillClrLst>
+    <dgm:linClrLst meth="repeat">
+      <a:schemeClr val="accent2"/>
+      <a:schemeClr val="accent3"/>
+      <a:schemeClr val="accent4"/>
+      <a:schemeClr val="accent5"/>
+      <a:schemeClr val="accent6"/>
+    </dgm:linClrLst>
+    <dgm:effectClrLst/>
+    <dgm:txLinClrLst/>
+    <dgm:txFillClrLst meth="repeat">
+      <a:schemeClr val="dk1"/>
+    </dgm:txFillClrLst>
+    <dgm:txEffectClrLst/>
+  </dgm:styleLbl>
+  <dgm:styleLbl name="solidFgAcc1">
+    <dgm:fillClrLst meth="repeat">
+      <a:schemeClr val="lt1"/>
+    </dgm:fillClrLst>
+    <dgm:linClrLst meth="repeat">
+      <a:schemeClr val="accent2"/>
+      <a:schemeClr val="accent3"/>
+      <a:schemeClr val="accent4"/>
+      <a:schemeClr val="accent5"/>
+      <a:schemeClr val="accent6"/>
+    </dgm:linClrLst>
+    <dgm:effectClrLst/>
+    <dgm:txLinClrLst/>
+    <dgm:txFillClrLst meth="repeat">
+      <a:schemeClr val="dk1"/>
+    </dgm:txFillClrLst>
+    <dgm:txEffectClrLst/>
+  </dgm:styleLbl>
+  <dgm:styleLbl name="solidAlignAcc1">
+    <dgm:fillClrLst meth="repeat">
+      <a:schemeClr val="lt1"/>
+    </dgm:fillClrLst>
+    <dgm:linClrLst meth="repeat">
+      <a:schemeClr val="accent2"/>
+      <a:schemeClr val="accent3"/>
+      <a:schemeClr val="accent4"/>
+      <a:schemeClr val="accent5"/>
+      <a:schemeClr val="accent6"/>
+    </dgm:linClrLst>
+    <dgm:effectClrLst/>
+    <dgm:txLinClrLst/>
+    <dgm:txFillClrLst meth="repeat">
+      <a:schemeClr val="dk1"/>
+    </dgm:txFillClrLst>
+    <dgm:txEffectClrLst/>
+  </dgm:styleLbl>
+  <dgm:styleLbl name="solidBgAcc1">
+    <dgm:fillClrLst meth="repeat">
+      <a:schemeClr val="lt1"/>
+    </dgm:fillClrLst>
+    <dgm:linClrLst meth="repeat">
+      <a:schemeClr val="accent2"/>
+      <a:schemeClr val="accent3"/>
+      <a:schemeClr val="accent4"/>
+      <a:schemeClr val="accent5"/>
+      <a:schemeClr val="accent6"/>
+    </dgm:linClrLst>
+    <dgm:effectClrLst/>
+    <dgm:txLinClrLst/>
+    <dgm:txFillClrLst meth="repeat">
+      <a:schemeClr val="dk1"/>
+    </dgm:txFillClrLst>
+    <dgm:txEffectClrLst/>
+  </dgm:styleLbl>
+  <dgm:styleLbl name="fgAccFollowNode1">
+    <dgm:fillClrLst meth="repeat">
+      <a:schemeClr val="accent2">
+        <a:tint val="40000"/>
+        <a:alpha val="90000"/>
+      </a:schemeClr>
+      <a:schemeClr val="accent3">
+        <a:tint val="40000"/>
+        <a:alpha val="90000"/>
+      </a:schemeClr>
+      <a:schemeClr val="accent4">
+        <a:tint val="40000"/>
+        <a:alpha val="90000"/>
+      </a:schemeClr>
+      <a:schemeClr val="accent5">
+        <a:tint val="40000"/>
+        <a:alpha val="90000"/>
+      </a:schemeClr>
+      <a:schemeClr val="accent6">
+        <a:tint val="40000"/>
+        <a:alpha val="90000"/>
+      </a:schemeClr>
+    </dgm:fillClrLst>
+    <dgm:linClrLst meth="repeat">
+      <a:schemeClr val="accent2">
+        <a:tint val="40000"/>
+        <a:alpha val="90000"/>
+      </a:schemeClr>
+      <a:schemeClr val="accent3">
+        <a:tint val="40000"/>
+        <a:alpha val="90000"/>
+      </a:schemeClr>
+      <a:schemeClr val="accent4">
+        <a:tint val="40000"/>
+        <a:alpha val="90000"/>
+      </a:schemeClr>
+      <a:schemeClr val="accent5">
+        <a:tint val="40000"/>
+        <a:alpha val="90000"/>
+      </a:schemeClr>
+      <a:schemeClr val="accent6">
+        <a:tint val="40000"/>
+        <a:alpha val="90000"/>
+      </a:schemeClr>
+    </dgm:linClrLst>
+    <dgm:effectClrLst/>
+    <dgm:txLinClrLst/>
+    <dgm:txFillClrLst meth="repeat">
+      <a:schemeClr val="dk1"/>
+    </dgm:txFillClrLst>
+    <dgm:txEffectClrLst/>
+  </dgm:styleLbl>
+  <dgm:styleLbl name="alignAccFollowNode1">
+    <dgm:fillClrLst meth="repeat">
+      <a:schemeClr val="accent2">
+        <a:tint val="40000"/>
+        <a:alpha val="90000"/>
+      </a:schemeClr>
+      <a:schemeClr val="accent3">
+        <a:tint val="40000"/>
+        <a:alpha val="90000"/>
+      </a:schemeClr>
+      <a:schemeClr val="accent4">
+        <a:tint val="40000"/>
+        <a:alpha val="90000"/>
+      </a:schemeClr>
+      <a:schemeClr val="accent5">
+        <a:tint val="40000"/>
+        <a:alpha val="90000"/>
+      </a:schemeClr>
+      <a:schemeClr val="accent6">
+        <a:tint val="40000"/>
+        <a:alpha val="90000"/>
+      </a:schemeClr>
+    </dgm:fillClrLst>
+    <dgm:linClrLst meth="repeat">
+      <a:schemeClr val="accent2">
+        <a:tint val="40000"/>
+        <a:alpha val="90000"/>
+      </a:schemeClr>
+      <a:schemeClr val="accent3">
+        <a:tint val="40000"/>
+        <a:alpha val="90000"/>
+      </a:schemeClr>
+      <a:schemeClr val="accent4">
+        <a:tint val="40000"/>
+        <a:alpha val="90000"/>
+      </a:schemeClr>
+      <a:schemeClr val="accent5">
+        <a:tint val="40000"/>
+        <a:alpha val="90000"/>
+      </a:schemeClr>
+      <a:schemeClr val="accent6">
+        <a:tint val="40000"/>
+        <a:alpha val="90000"/>
+      </a:schemeClr>
+    </dgm:linClrLst>
+    <dgm:effectClrLst/>
+    <dgm:txLinClrLst/>
+    <dgm:txFillClrLst meth="repeat">
+      <a:schemeClr val="dk1"/>
+    </dgm:txFillClrLst>
+    <dgm:txEffectClrLst/>
+  </dgm:styleLbl>
+  <dgm:styleLbl name="bgAccFollowNode1">
+    <dgm:fillClrLst meth="repeat">
+      <a:schemeClr val="accent2">
+        <a:tint val="40000"/>
+        <a:alpha val="90000"/>
+      </a:schemeClr>
+      <a:schemeClr val="accent3">
+        <a:tint val="40000"/>
+        <a:alpha val="90000"/>
+      </a:schemeClr>
+      <a:schemeClr val="accent4">
+        <a:tint val="40000"/>
+        <a:alpha val="90000"/>
+      </a:schemeClr>
+      <a:schemeClr val="accent5">
+        <a:tint val="40000"/>
+        <a:alpha val="90000"/>
+      </a:schemeClr>
+      <a:schemeClr val="accent6">
+        <a:tint val="40000"/>
+        <a:alpha val="90000"/>
+      </a:schemeClr>
+    </dgm:fillClrLst>
+    <dgm:linClrLst meth="repeat">
+      <a:schemeClr val="accent2">
+        <a:tint val="40000"/>
+        <a:alpha val="90000"/>
+      </a:schemeClr>
+      <a:schemeClr val="accent3">
+        <a:tint val="40000"/>
+        <a:alpha val="90000"/>
+      </a:schemeClr>
+      <a:schemeClr val="accent4">
+        <a:tint val="40000"/>
+        <a:alpha val="90000"/>
+      </a:schemeClr>
+      <a:schemeClr val="accent5">
+        <a:tint val="40000"/>
+        <a:alpha val="90000"/>
+      </a:schemeClr>
+      <a:schemeClr val="accent6">
+        <a:tint val="40000"/>
+        <a:alpha val="90000"/>
+      </a:schemeClr>
+    </dgm:linClrLst>
+    <dgm:effectClrLst/>
+    <dgm:txLinClrLst/>
+    <dgm:txFillClrLst meth="repeat">
+      <a:schemeClr val="dk1"/>
+    </dgm:txFillClrLst>
+    <dgm:txEffectClrLst/>
+  </dgm:styleLbl>
+  <dgm:styleLbl name="fgAcc0">
+    <dgm:fillClrLst meth="repeat">
+      <a:schemeClr val="lt1">
+        <a:alpha val="90000"/>
+      </a:schemeClr>
+    </dgm:fillClrLst>
+    <dgm:linClrLst>
+      <a:schemeClr val="accent1"/>
+    </dgm:linClrLst>
+    <dgm:effectClrLst/>
+    <dgm:txLinClrLst/>
+    <dgm:txFillClrLst meth="repeat">
+      <a:schemeClr val="dk1"/>
+    </dgm:txFillClrLst>
+    <dgm:txEffectClrLst/>
+  </dgm:styleLbl>
+  <dgm:styleLbl name="fgAcc2">
+    <dgm:fillClrLst meth="repeat">
+      <a:schemeClr val="lt1">
+        <a:alpha val="90000"/>
+      </a:schemeClr>
+    </dgm:fillClrLst>
+    <dgm:linClrLst>
+      <a:schemeClr val="accent2"/>
+    </dgm:linClrLst>
+    <dgm:effectClrLst/>
+    <dgm:txLinClrLst/>
+    <dgm:txFillClrLst meth="repeat">
+      <a:schemeClr val="dk1"/>
+    </dgm:txFillClrLst>
+    <dgm:txEffectClrLst/>
+  </dgm:styleLbl>
+  <dgm:styleLbl name="fgAcc3">
+    <dgm:fillClrLst meth="repeat">
+      <a:schemeClr val="lt1">
+        <a:alpha val="90000"/>
+      </a:schemeClr>
+    </dgm:fillClrLst>
+    <dgm:linClrLst>
+      <a:schemeClr val="accent3"/>
+    </dgm:linClrLst>
+    <dgm:effectClrLst/>
+    <dgm:txLinClrLst/>
+    <dgm:txFillClrLst meth="repeat">
+      <a:schemeClr val="dk1"/>
+    </dgm:txFillClrLst>
+    <dgm:txEffectClrLst/>
+  </dgm:styleLbl>
+  <dgm:styleLbl name="fgAcc4">
+    <dgm:fillClrLst meth="repeat">
+      <a:schemeClr val="lt1">
+        <a:alpha val="90000"/>
+      </a:schemeClr>
+    </dgm:fillClrLst>
+    <dgm:linClrLst>
+      <a:schemeClr val="accent4"/>
+    </dgm:linClrLst>
+    <dgm:effectClrLst/>
+    <dgm:txLinClrLst/>
+    <dgm:txFillClrLst meth="repeat">
+      <a:schemeClr val="dk1"/>
+    </dgm:txFillClrLst>
+    <dgm:txEffectClrLst/>
+  </dgm:styleLbl>
+  <dgm:styleLbl name="bgShp">
+    <dgm:fillClrLst meth="repeat">
+      <a:schemeClr val="bg1">
+        <a:lumMod val="95000"/>
+      </a:schemeClr>
+    </dgm:fillClrLst>
+    <dgm:linClrLst meth="repeat">
+      <a:schemeClr val="dk1"/>
+    </dgm:linClrLst>
+    <dgm:effectClrLst/>
+    <dgm:txLinClrLst/>
+    <dgm:txFillClrLst meth="repeat">
+      <a:schemeClr val="dk1"/>
+    </dgm:txFillClrLst>
+    <dgm:txEffectClrLst/>
+  </dgm:styleLbl>
+  <dgm:styleLbl name="dkBgShp">
+    <dgm:fillClrLst meth="repeat">
+      <a:schemeClr val="accent2">
+        <a:shade val="90000"/>
+      </a:schemeClr>
+    </dgm:fillClrLst>
+    <dgm:linClrLst meth="repeat">
+      <a:schemeClr val="dk1"/>
+    </dgm:linClrLst>
+    <dgm:effectClrLst/>
+    <dgm:txLinClrLst/>
+    <dgm:txFillClrLst meth="repeat">
+      <a:schemeClr val="lt1"/>
+    </dgm:txFillClrLst>
+    <dgm:txEffectClrLst/>
+  </dgm:styleLbl>
+  <dgm:styleLbl name="trBgShp">
+    <dgm:fillClrLst meth="repeat">
+      <a:schemeClr val="accent1">
+        <a:tint val="50000"/>
+        <a:alpha val="40000"/>
+      </a:schemeClr>
+    </dgm:fillClrLst>
+    <dgm:linClrLst meth="repeat">
+      <a:schemeClr val="accent2"/>
+    </dgm:linClrLst>
+    <dgm:effectClrLst/>
+    <dgm:txLinClrLst/>
+    <dgm:txFillClrLst meth="repeat">
+      <a:schemeClr val="lt1"/>
+    </dgm:txFillClrLst>
+    <dgm:txEffectClrLst/>
+  </dgm:styleLbl>
+  <dgm:styleLbl name="fgShp">
+    <dgm:fillClrLst meth="repeat">
+      <a:schemeClr val="accent2">
+        <a:tint val="40000"/>
+      </a:schemeClr>
+    </dgm:fillClrLst>
+    <dgm:linClrLst meth="repeat">
+      <a:schemeClr val="lt1"/>
+    </dgm:linClrLst>
+    <dgm:effectClrLst/>
+    <dgm:txLinClrLst/>
+    <dgm:txFillClrLst meth="repeat">
+      <a:schemeClr val="dk1"/>
+    </dgm:txFillClrLst>
+    <dgm:txEffectClrLst/>
+  </dgm:styleLbl>
+  <dgm:styleLbl name="revTx">
+    <dgm:fillClrLst meth="repeat">
+      <a:schemeClr val="lt1">
+        <a:alpha val="0"/>
+      </a:schemeClr>
+    </dgm:fillClrLst>
+    <dgm:linClrLst meth="repeat">
+      <a:schemeClr val="dk1">
+        <a:alpha val="0"/>
+      </a:schemeClr>
+    </dgm:linClrLst>
+    <dgm:effectClrLst/>
+    <dgm:txLinClrLst/>
+    <dgm:txFillClrLst meth="repeat">
+      <a:schemeClr val="tx1"/>
+    </dgm:txFillClrLst>
+    <dgm:txEffectClrLst/>
+  </dgm:styleLbl>
+</dgm:colorsDef>
+</file>
+
+<file path=ppt/diagrams/data1.xml><?xml version="1.0" encoding="utf-8"?>
+<dgm:dataModel xmlns:dgm="http://schemas.openxmlformats.org/drawingml/2006/diagram" xmlns:a="http://schemas.openxmlformats.org/drawingml/2006/main">
+  <dgm:ptLst>
+    <dgm:pt modelId="{E13219A0-4809-4D74-B164-68A0E4101550}" type="doc">
+      <dgm:prSet loTypeId="urn:microsoft.com/office/officeart/2018/2/layout/IconVerticalSolidList" loCatId="icon" qsTypeId="urn:microsoft.com/office/officeart/2005/8/quickstyle/simple1" qsCatId="simple" csTypeId="urn:microsoft.com/office/officeart/2018/5/colors/Iconchunking_neutralbg_colorful1" csCatId="colorful" phldr="1"/>
+      <dgm:spPr/>
+      <dgm:t>
+        <a:bodyPr/>
+        <a:lstStyle/>
+        <a:p>
+          <a:endParaRPr lang="en-US"/>
+        </a:p>
+      </dgm:t>
+    </dgm:pt>
+    <dgm:pt modelId="{66A88CF0-3466-417C-BEC5-7CB1BE0F8B89}">
+      <dgm:prSet/>
+      <dgm:spPr/>
+      <dgm:t>
+        <a:bodyPr/>
+        <a:lstStyle/>
+        <a:p>
+          <a:r>
+            <a:rPr lang="en-US"/>
+            <a:t>Averaging!</a:t>
+          </a:r>
+        </a:p>
+      </dgm:t>
+    </dgm:pt>
+    <dgm:pt modelId="{F6FDB54C-F993-40AB-8C7D-E7EFE61C2400}" type="parTrans" cxnId="{DD19E7AA-37A1-4C5A-8189-75E62C298AAD}">
+      <dgm:prSet/>
+      <dgm:spPr/>
+      <dgm:t>
+        <a:bodyPr/>
+        <a:lstStyle/>
+        <a:p>
+          <a:endParaRPr lang="en-US"/>
+        </a:p>
+      </dgm:t>
+    </dgm:pt>
+    <dgm:pt modelId="{99DBDBFE-9045-4CEF-99C9-AA05881F3126}" type="sibTrans" cxnId="{DD19E7AA-37A1-4C5A-8189-75E62C298AAD}">
+      <dgm:prSet/>
+      <dgm:spPr/>
+      <dgm:t>
+        <a:bodyPr/>
+        <a:lstStyle/>
+        <a:p>
+          <a:endParaRPr lang="en-US"/>
+        </a:p>
+      </dgm:t>
+    </dgm:pt>
+    <dgm:pt modelId="{0BD2AF98-A1AF-457B-9DA6-B9DDC3D89D3D}">
+      <dgm:prSet/>
+      <dgm:spPr/>
+      <dgm:t>
+        <a:bodyPr/>
+        <a:lstStyle/>
+        <a:p>
+          <a:r>
+            <a:rPr lang="en-US" dirty="0"/>
+            <a:t>But, there begs the question: if we only have one training set where do multiple models come from?</a:t>
+          </a:r>
+        </a:p>
+      </dgm:t>
+    </dgm:pt>
+    <dgm:pt modelId="{8B763A00-8145-4560-9356-7C6EBB5AE5D2}" type="parTrans" cxnId="{2E72BCA6-7FD0-4F07-B5A3-BF7E56D789EC}">
+      <dgm:prSet/>
+      <dgm:spPr/>
+      <dgm:t>
+        <a:bodyPr/>
+        <a:lstStyle/>
+        <a:p>
+          <a:endParaRPr lang="en-US"/>
+        </a:p>
+      </dgm:t>
+    </dgm:pt>
+    <dgm:pt modelId="{B8154274-8EF5-4089-9EA8-2E10578F4D43}" type="sibTrans" cxnId="{2E72BCA6-7FD0-4F07-B5A3-BF7E56D789EC}">
+      <dgm:prSet/>
+      <dgm:spPr/>
+      <dgm:t>
+        <a:bodyPr/>
+        <a:lstStyle/>
+        <a:p>
+          <a:endParaRPr lang="en-US"/>
+        </a:p>
+      </dgm:t>
+    </dgm:pt>
+    <dgm:pt modelId="{727266BF-56E7-4964-8F41-CD590153931F}" type="pres">
+      <dgm:prSet presAssocID="{E13219A0-4809-4D74-B164-68A0E4101550}" presName="root" presStyleCnt="0">
+        <dgm:presLayoutVars>
+          <dgm:dir/>
+          <dgm:resizeHandles val="exact"/>
+        </dgm:presLayoutVars>
+      </dgm:prSet>
+      <dgm:spPr/>
+    </dgm:pt>
+    <dgm:pt modelId="{810AC1BC-1B45-4182-9707-168E2A45A40F}" type="pres">
+      <dgm:prSet presAssocID="{66A88CF0-3466-417C-BEC5-7CB1BE0F8B89}" presName="compNode" presStyleCnt="0"/>
+      <dgm:spPr/>
+    </dgm:pt>
+    <dgm:pt modelId="{4089E84B-0B00-4A51-8498-419A17F53FED}" type="pres">
+      <dgm:prSet presAssocID="{66A88CF0-3466-417C-BEC5-7CB1BE0F8B89}" presName="bgRect" presStyleLbl="bgShp" presStyleIdx="0" presStyleCnt="2"/>
+      <dgm:spPr/>
+    </dgm:pt>
+    <dgm:pt modelId="{EC166178-9101-491A-8C63-C0287ABBB9E5}" type="pres">
+      <dgm:prSet presAssocID="{66A88CF0-3466-417C-BEC5-7CB1BE0F8B89}" presName="iconRect" presStyleLbl="node1" presStyleIdx="0" presStyleCnt="2"/>
+      <dgm:spPr>
+        <a:blipFill>
+          <a:blip xmlns:r="http://schemas.openxmlformats.org/officeDocument/2006/relationships" r:embed="rId1">
+            <a:extLst>
+              <a:ext uri="{28A0092B-C50C-407E-A947-70E740481C1C}">
+                <a14:useLocalDpi xmlns:a14="http://schemas.microsoft.com/office/drawing/2010/main" val="0"/>
+              </a:ext>
+              <a:ext uri="{96DAC541-7B7A-43D3-8B79-37D633B846F1}">
+                <asvg:svgBlip xmlns:asvg="http://schemas.microsoft.com/office/drawing/2016/SVG/main" r:embed="rId2"/>
+              </a:ext>
+            </a:extLst>
+          </a:blip>
+          <a:stretch>
+            <a:fillRect/>
+          </a:stretch>
+        </a:blipFill>
+        <a:ln>
+          <a:noFill/>
+        </a:ln>
+      </dgm:spPr>
+      <dgm:extLst>
+        <a:ext uri="{E40237B7-FDA0-4F09-8148-C483321AD2D9}">
+          <dgm14:cNvPr xmlns:dgm14="http://schemas.microsoft.com/office/drawing/2010/diagram" id="0" name="" descr="Bar Graph with Downward Trend"/>
+        </a:ext>
+      </dgm:extLst>
+    </dgm:pt>
+    <dgm:pt modelId="{125C1760-0AFE-48B0-8222-C49131FD76A2}" type="pres">
+      <dgm:prSet presAssocID="{66A88CF0-3466-417C-BEC5-7CB1BE0F8B89}" presName="spaceRect" presStyleCnt="0"/>
+      <dgm:spPr/>
+    </dgm:pt>
+    <dgm:pt modelId="{A171EDA9-91AF-4373-B7E1-D82897116183}" type="pres">
+      <dgm:prSet presAssocID="{66A88CF0-3466-417C-BEC5-7CB1BE0F8B89}" presName="parTx" presStyleLbl="revTx" presStyleIdx="0" presStyleCnt="2">
+        <dgm:presLayoutVars>
+          <dgm:chMax val="0"/>
+          <dgm:chPref val="0"/>
+        </dgm:presLayoutVars>
+      </dgm:prSet>
+      <dgm:spPr/>
+    </dgm:pt>
+    <dgm:pt modelId="{C6CDE5A5-0C78-4537-A3F4-4A4CFE7E356A}" type="pres">
+      <dgm:prSet presAssocID="{99DBDBFE-9045-4CEF-99C9-AA05881F3126}" presName="sibTrans" presStyleCnt="0"/>
+      <dgm:spPr/>
+    </dgm:pt>
+    <dgm:pt modelId="{B8140FA9-C0DE-40C7-8F44-795A0A8FF508}" type="pres">
+      <dgm:prSet presAssocID="{0BD2AF98-A1AF-457B-9DA6-B9DDC3D89D3D}" presName="compNode" presStyleCnt="0"/>
+      <dgm:spPr/>
+    </dgm:pt>
+    <dgm:pt modelId="{14CA8428-F952-4B51-81E6-E413A211A851}" type="pres">
+      <dgm:prSet presAssocID="{0BD2AF98-A1AF-457B-9DA6-B9DDC3D89D3D}" presName="bgRect" presStyleLbl="bgShp" presStyleIdx="1" presStyleCnt="2"/>
+      <dgm:spPr/>
+    </dgm:pt>
+    <dgm:pt modelId="{5A2A180D-88EA-45B7-B9E1-B830480A57A5}" type="pres">
+      <dgm:prSet presAssocID="{0BD2AF98-A1AF-457B-9DA6-B9DDC3D89D3D}" presName="iconRect" presStyleLbl="node1" presStyleIdx="1" presStyleCnt="2"/>
+      <dgm:spPr>
+        <a:blipFill>
+          <a:blip xmlns:r="http://schemas.openxmlformats.org/officeDocument/2006/relationships" r:embed="rId3">
+            <a:extLst>
+              <a:ext uri="{28A0092B-C50C-407E-A947-70E740481C1C}">
+                <a14:useLocalDpi xmlns:a14="http://schemas.microsoft.com/office/drawing/2010/main" val="0"/>
+              </a:ext>
+              <a:ext uri="{96DAC541-7B7A-43D3-8B79-37D633B846F1}">
+                <asvg:svgBlip xmlns:asvg="http://schemas.microsoft.com/office/drawing/2016/SVG/main" r:embed="rId4"/>
+              </a:ext>
+            </a:extLst>
+          </a:blip>
+          <a:stretch>
+            <a:fillRect/>
+          </a:stretch>
+        </a:blipFill>
+        <a:ln>
+          <a:noFill/>
+        </a:ln>
+      </dgm:spPr>
+      <dgm:extLst>
+        <a:ext uri="{E40237B7-FDA0-4F09-8148-C483321AD2D9}">
+          <dgm14:cNvPr xmlns:dgm14="http://schemas.microsoft.com/office/drawing/2010/diagram" id="0" name="" descr="Question mark"/>
+        </a:ext>
+      </dgm:extLst>
+    </dgm:pt>
+    <dgm:pt modelId="{8C0433A2-C89E-4E44-8304-D0B2E6960D5A}" type="pres">
+      <dgm:prSet presAssocID="{0BD2AF98-A1AF-457B-9DA6-B9DDC3D89D3D}" presName="spaceRect" presStyleCnt="0"/>
+      <dgm:spPr/>
+    </dgm:pt>
+    <dgm:pt modelId="{AA9FB8A2-6253-435F-8D0E-6855C6F23089}" type="pres">
+      <dgm:prSet presAssocID="{0BD2AF98-A1AF-457B-9DA6-B9DDC3D89D3D}" presName="parTx" presStyleLbl="revTx" presStyleIdx="1" presStyleCnt="2">
+        <dgm:presLayoutVars>
+          <dgm:chMax val="0"/>
+          <dgm:chPref val="0"/>
+        </dgm:presLayoutVars>
+      </dgm:prSet>
+      <dgm:spPr/>
+    </dgm:pt>
+  </dgm:ptLst>
+  <dgm:cxnLst>
+    <dgm:cxn modelId="{D1A77B15-E435-4EFB-AF25-9DF754CF4D6A}" type="presOf" srcId="{0BD2AF98-A1AF-457B-9DA6-B9DDC3D89D3D}" destId="{AA9FB8A2-6253-435F-8D0E-6855C6F23089}" srcOrd="0" destOrd="0" presId="urn:microsoft.com/office/officeart/2018/2/layout/IconVerticalSolidList"/>
+    <dgm:cxn modelId="{208A778B-700E-4550-8106-ACBCEB821EC3}" type="presOf" srcId="{66A88CF0-3466-417C-BEC5-7CB1BE0F8B89}" destId="{A171EDA9-91AF-4373-B7E1-D82897116183}" srcOrd="0" destOrd="0" presId="urn:microsoft.com/office/officeart/2018/2/layout/IconVerticalSolidList"/>
+    <dgm:cxn modelId="{2E72BCA6-7FD0-4F07-B5A3-BF7E56D789EC}" srcId="{E13219A0-4809-4D74-B164-68A0E4101550}" destId="{0BD2AF98-A1AF-457B-9DA6-B9DDC3D89D3D}" srcOrd="1" destOrd="0" parTransId="{8B763A00-8145-4560-9356-7C6EBB5AE5D2}" sibTransId="{B8154274-8EF5-4089-9EA8-2E10578F4D43}"/>
+    <dgm:cxn modelId="{DD19E7AA-37A1-4C5A-8189-75E62C298AAD}" srcId="{E13219A0-4809-4D74-B164-68A0E4101550}" destId="{66A88CF0-3466-417C-BEC5-7CB1BE0F8B89}" srcOrd="0" destOrd="0" parTransId="{F6FDB54C-F993-40AB-8C7D-E7EFE61C2400}" sibTransId="{99DBDBFE-9045-4CEF-99C9-AA05881F3126}"/>
+    <dgm:cxn modelId="{21613ABB-F966-4881-821C-20D053659F6D}" type="presOf" srcId="{E13219A0-4809-4D74-B164-68A0E4101550}" destId="{727266BF-56E7-4964-8F41-CD590153931F}" srcOrd="0" destOrd="0" presId="urn:microsoft.com/office/officeart/2018/2/layout/IconVerticalSolidList"/>
+    <dgm:cxn modelId="{20FABA9B-C250-4317-A490-AD302A35A247}" type="presParOf" srcId="{727266BF-56E7-4964-8F41-CD590153931F}" destId="{810AC1BC-1B45-4182-9707-168E2A45A40F}" srcOrd="0" destOrd="0" presId="urn:microsoft.com/office/officeart/2018/2/layout/IconVerticalSolidList"/>
+    <dgm:cxn modelId="{DD93F3C9-B68C-412B-8542-02A69A446666}" type="presParOf" srcId="{810AC1BC-1B45-4182-9707-168E2A45A40F}" destId="{4089E84B-0B00-4A51-8498-419A17F53FED}" srcOrd="0" destOrd="0" presId="urn:microsoft.com/office/officeart/2018/2/layout/IconVerticalSolidList"/>
+    <dgm:cxn modelId="{6E9F27E0-E051-437A-9C2C-74DC67F11910}" type="presParOf" srcId="{810AC1BC-1B45-4182-9707-168E2A45A40F}" destId="{EC166178-9101-491A-8C63-C0287ABBB9E5}" srcOrd="1" destOrd="0" presId="urn:microsoft.com/office/officeart/2018/2/layout/IconVerticalSolidList"/>
+    <dgm:cxn modelId="{0A4FCF64-04D9-4F25-BABB-21ACF0F5D8B9}" type="presParOf" srcId="{810AC1BC-1B45-4182-9707-168E2A45A40F}" destId="{125C1760-0AFE-48B0-8222-C49131FD76A2}" srcOrd="2" destOrd="0" presId="urn:microsoft.com/office/officeart/2018/2/layout/IconVerticalSolidList"/>
+    <dgm:cxn modelId="{9F7D6BD7-9C84-460B-BE62-7B4AFD326E4C}" type="presParOf" srcId="{810AC1BC-1B45-4182-9707-168E2A45A40F}" destId="{A171EDA9-91AF-4373-B7E1-D82897116183}" srcOrd="3" destOrd="0" presId="urn:microsoft.com/office/officeart/2018/2/layout/IconVerticalSolidList"/>
+    <dgm:cxn modelId="{14DAEF65-4D15-4F4A-8455-937A6DFBEA2C}" type="presParOf" srcId="{727266BF-56E7-4964-8F41-CD590153931F}" destId="{C6CDE5A5-0C78-4537-A3F4-4A4CFE7E356A}" srcOrd="1" destOrd="0" presId="urn:microsoft.com/office/officeart/2018/2/layout/IconVerticalSolidList"/>
+    <dgm:cxn modelId="{93934730-631B-4C25-9D8B-06DAB1D03823}" type="presParOf" srcId="{727266BF-56E7-4964-8F41-CD590153931F}" destId="{B8140FA9-C0DE-40C7-8F44-795A0A8FF508}" srcOrd="2" destOrd="0" presId="urn:microsoft.com/office/officeart/2018/2/layout/IconVerticalSolidList"/>
+    <dgm:cxn modelId="{91FE2461-C313-4381-892E-9658ABA96D03}" type="presParOf" srcId="{B8140FA9-C0DE-40C7-8F44-795A0A8FF508}" destId="{14CA8428-F952-4B51-81E6-E413A211A851}" srcOrd="0" destOrd="0" presId="urn:microsoft.com/office/officeart/2018/2/layout/IconVerticalSolidList"/>
+    <dgm:cxn modelId="{0284A34E-CC09-4124-A8B9-E8F86A8C1FD3}" type="presParOf" srcId="{B8140FA9-C0DE-40C7-8F44-795A0A8FF508}" destId="{5A2A180D-88EA-45B7-B9E1-B830480A57A5}" srcOrd="1" destOrd="0" presId="urn:microsoft.com/office/officeart/2018/2/layout/IconVerticalSolidList"/>
+    <dgm:cxn modelId="{7542959F-D41E-4A36-AB3F-B282EB8439D9}" type="presParOf" srcId="{B8140FA9-C0DE-40C7-8F44-795A0A8FF508}" destId="{8C0433A2-C89E-4E44-8304-D0B2E6960D5A}" srcOrd="2" destOrd="0" presId="urn:microsoft.com/office/officeart/2018/2/layout/IconVerticalSolidList"/>
+    <dgm:cxn modelId="{2B4600C0-B7CB-4D66-B130-E85F71B9326E}" type="presParOf" srcId="{B8140FA9-C0DE-40C7-8F44-795A0A8FF508}" destId="{AA9FB8A2-6253-435F-8D0E-6855C6F23089}" srcOrd="3" destOrd="0" presId="urn:microsoft.com/office/officeart/2018/2/layout/IconVerticalSolidList"/>
+  </dgm:cxnLst>
+  <dgm:bg/>
+  <dgm:whole/>
+  <dgm:extLst>
+    <a:ext uri="http://schemas.microsoft.com/office/drawing/2008/diagram">
+      <dsp:dataModelExt xmlns:dsp="http://schemas.microsoft.com/office/drawing/2008/diagram" relId="rId7" minVer="http://schemas.openxmlformats.org/drawingml/2006/diagram"/>
+    </a:ext>
+  </dgm:extLst>
+</dgm:dataModel>
+</file>
+
+<file path=ppt/diagrams/drawing1.xml><?xml version="1.0" encoding="utf-8"?>
+<dsp:drawing xmlns:dgm="http://schemas.openxmlformats.org/drawingml/2006/diagram" xmlns:dsp="http://schemas.microsoft.com/office/drawing/2008/diagram" xmlns:a="http://schemas.openxmlformats.org/drawingml/2006/main">
+  <dsp:spTree>
+    <dsp:nvGrpSpPr>
+      <dsp:cNvPr id="0" name=""/>
+      <dsp:cNvGrpSpPr/>
+    </dsp:nvGrpSpPr>
+    <dsp:grpSpPr/>
+    <dsp:sp modelId="{4089E84B-0B00-4A51-8498-419A17F53FED}">
+      <dsp:nvSpPr>
+        <dsp:cNvPr id="0" name=""/>
+        <dsp:cNvSpPr/>
+      </dsp:nvSpPr>
+      <dsp:spPr>
+        <a:xfrm>
+          <a:off x="0" y="682740"/>
+          <a:ext cx="8785735" cy="1260443"/>
+        </a:xfrm>
+        <a:prstGeom prst="roundRect">
+          <a:avLst>
+            <a:gd name="adj" fmla="val 10000"/>
+          </a:avLst>
+        </a:prstGeom>
+        <a:solidFill>
+          <a:schemeClr val="bg1">
+            <a:lumMod val="95000"/>
+            <a:hueOff val="0"/>
+            <a:satOff val="0"/>
+            <a:lumOff val="0"/>
+            <a:alphaOff val="0"/>
+          </a:schemeClr>
+        </a:solidFill>
+        <a:ln>
+          <a:noFill/>
+        </a:ln>
+        <a:effectLst/>
+      </dsp:spPr>
+      <dsp:style>
+        <a:lnRef idx="0">
+          <a:scrgbClr r="0" g="0" b="0"/>
+        </a:lnRef>
+        <a:fillRef idx="1">
+          <a:scrgbClr r="0" g="0" b="0"/>
+        </a:fillRef>
+        <a:effectRef idx="0">
+          <a:scrgbClr r="0" g="0" b="0"/>
+        </a:effectRef>
+        <a:fontRef idx="minor"/>
+      </dsp:style>
+    </dsp:sp>
+    <dsp:sp modelId="{EC166178-9101-491A-8C63-C0287ABBB9E5}">
+      <dsp:nvSpPr>
+        <dsp:cNvPr id="0" name=""/>
+        <dsp:cNvSpPr/>
+      </dsp:nvSpPr>
+      <dsp:spPr>
+        <a:xfrm>
+          <a:off x="381284" y="966339"/>
+          <a:ext cx="693243" cy="693243"/>
+        </a:xfrm>
+        <a:prstGeom prst="rect">
+          <a:avLst/>
+        </a:prstGeom>
+        <a:blipFill>
+          <a:blip xmlns:r="http://schemas.openxmlformats.org/officeDocument/2006/relationships" r:embed="rId1">
+            <a:extLst>
+              <a:ext uri="{28A0092B-C50C-407E-A947-70E740481C1C}">
+                <a14:useLocalDpi xmlns:a14="http://schemas.microsoft.com/office/drawing/2010/main" val="0"/>
+              </a:ext>
+              <a:ext uri="{96DAC541-7B7A-43D3-8B79-37D633B846F1}">
+                <asvg:svgBlip xmlns:asvg="http://schemas.microsoft.com/office/drawing/2016/SVG/main" r:embed="rId2"/>
+              </a:ext>
+            </a:extLst>
+          </a:blip>
+          <a:stretch>
+            <a:fillRect/>
+          </a:stretch>
+        </a:blipFill>
+        <a:ln w="13970" cap="flat" cmpd="sng" algn="ctr">
+          <a:noFill/>
+          <a:prstDash val="solid"/>
+        </a:ln>
+        <a:effectLst/>
+      </dsp:spPr>
+      <dsp:style>
+        <a:lnRef idx="2">
+          <a:scrgbClr r="0" g="0" b="0"/>
+        </a:lnRef>
+        <a:fillRef idx="1">
+          <a:scrgbClr r="0" g="0" b="0"/>
+        </a:fillRef>
+        <a:effectRef idx="0">
+          <a:scrgbClr r="0" g="0" b="0"/>
+        </a:effectRef>
+        <a:fontRef idx="minor">
+          <a:schemeClr val="lt1"/>
+        </a:fontRef>
+      </dsp:style>
+    </dsp:sp>
+    <dsp:sp modelId="{A171EDA9-91AF-4373-B7E1-D82897116183}">
+      <dsp:nvSpPr>
+        <dsp:cNvPr id="0" name=""/>
+        <dsp:cNvSpPr/>
+      </dsp:nvSpPr>
+      <dsp:spPr>
+        <a:xfrm>
+          <a:off x="1455812" y="682740"/>
+          <a:ext cx="7329922" cy="1260443"/>
+        </a:xfrm>
+        <a:prstGeom prst="rect">
+          <a:avLst/>
+        </a:prstGeom>
+        <a:noFill/>
+        <a:ln>
+          <a:noFill/>
+        </a:ln>
+        <a:effectLst/>
+      </dsp:spPr>
+      <dsp:style>
+        <a:lnRef idx="0">
+          <a:scrgbClr r="0" g="0" b="0"/>
+        </a:lnRef>
+        <a:fillRef idx="0">
+          <a:scrgbClr r="0" g="0" b="0"/>
+        </a:fillRef>
+        <a:effectRef idx="0">
+          <a:scrgbClr r="0" g="0" b="0"/>
+        </a:effectRef>
+        <a:fontRef idx="minor"/>
+      </dsp:style>
+      <dsp:txBody>
+        <a:bodyPr spcFirstLastPara="0" vert="horz" wrap="square" lIns="133397" tIns="133397" rIns="133397" bIns="133397" numCol="1" spcCol="1270" anchor="ctr" anchorCtr="0">
+          <a:noAutofit/>
+        </a:bodyPr>
+        <a:lstStyle/>
+        <a:p>
+          <a:pPr marL="0" lvl="0" indent="0" algn="l" defTabSz="1066800">
+            <a:lnSpc>
+              <a:spcPct val="90000"/>
+            </a:lnSpc>
+            <a:spcBef>
+              <a:spcPct val="0"/>
+            </a:spcBef>
+            <a:spcAft>
+              <a:spcPct val="35000"/>
+            </a:spcAft>
+            <a:buNone/>
+          </a:pPr>
+          <a:r>
+            <a:rPr lang="en-US" sz="2400" kern="1200"/>
+            <a:t>Averaging!</a:t>
+          </a:r>
+        </a:p>
+      </dsp:txBody>
+      <dsp:txXfrm>
+        <a:off x="1455812" y="682740"/>
+        <a:ext cx="7329922" cy="1260443"/>
+      </dsp:txXfrm>
+    </dsp:sp>
+    <dsp:sp modelId="{14CA8428-F952-4B51-81E6-E413A211A851}">
+      <dsp:nvSpPr>
+        <dsp:cNvPr id="0" name=""/>
+        <dsp:cNvSpPr/>
+      </dsp:nvSpPr>
+      <dsp:spPr>
+        <a:xfrm>
+          <a:off x="0" y="2258294"/>
+          <a:ext cx="8785735" cy="1260443"/>
+        </a:xfrm>
+        <a:prstGeom prst="roundRect">
+          <a:avLst>
+            <a:gd name="adj" fmla="val 10000"/>
+          </a:avLst>
+        </a:prstGeom>
+        <a:solidFill>
+          <a:schemeClr val="bg1">
+            <a:lumMod val="95000"/>
+            <a:hueOff val="0"/>
+            <a:satOff val="0"/>
+            <a:lumOff val="0"/>
+            <a:alphaOff val="0"/>
+          </a:schemeClr>
+        </a:solidFill>
+        <a:ln>
+          <a:noFill/>
+        </a:ln>
+        <a:effectLst/>
+      </dsp:spPr>
+      <dsp:style>
+        <a:lnRef idx="0">
+          <a:scrgbClr r="0" g="0" b="0"/>
+        </a:lnRef>
+        <a:fillRef idx="1">
+          <a:scrgbClr r="0" g="0" b="0"/>
+        </a:fillRef>
+        <a:effectRef idx="0">
+          <a:scrgbClr r="0" g="0" b="0"/>
+        </a:effectRef>
+        <a:fontRef idx="minor"/>
+      </dsp:style>
+    </dsp:sp>
+    <dsp:sp modelId="{5A2A180D-88EA-45B7-B9E1-B830480A57A5}">
+      <dsp:nvSpPr>
+        <dsp:cNvPr id="0" name=""/>
+        <dsp:cNvSpPr/>
+      </dsp:nvSpPr>
+      <dsp:spPr>
+        <a:xfrm>
+          <a:off x="381284" y="2541894"/>
+          <a:ext cx="693243" cy="693243"/>
+        </a:xfrm>
+        <a:prstGeom prst="rect">
+          <a:avLst/>
+        </a:prstGeom>
+        <a:blipFill>
+          <a:blip xmlns:r="http://schemas.openxmlformats.org/officeDocument/2006/relationships" r:embed="rId3">
+            <a:extLst>
+              <a:ext uri="{28A0092B-C50C-407E-A947-70E740481C1C}">
+                <a14:useLocalDpi xmlns:a14="http://schemas.microsoft.com/office/drawing/2010/main" val="0"/>
+              </a:ext>
+              <a:ext uri="{96DAC541-7B7A-43D3-8B79-37D633B846F1}">
+                <asvg:svgBlip xmlns:asvg="http://schemas.microsoft.com/office/drawing/2016/SVG/main" r:embed="rId4"/>
+              </a:ext>
+            </a:extLst>
+          </a:blip>
+          <a:stretch>
+            <a:fillRect/>
+          </a:stretch>
+        </a:blipFill>
+        <a:ln w="13970" cap="flat" cmpd="sng" algn="ctr">
+          <a:noFill/>
+          <a:prstDash val="solid"/>
+        </a:ln>
+        <a:effectLst/>
+      </dsp:spPr>
+      <dsp:style>
+        <a:lnRef idx="2">
+          <a:scrgbClr r="0" g="0" b="0"/>
+        </a:lnRef>
+        <a:fillRef idx="1">
+          <a:scrgbClr r="0" g="0" b="0"/>
+        </a:fillRef>
+        <a:effectRef idx="0">
+          <a:scrgbClr r="0" g="0" b="0"/>
+        </a:effectRef>
+        <a:fontRef idx="minor">
+          <a:schemeClr val="lt1"/>
+        </a:fontRef>
+      </dsp:style>
+    </dsp:sp>
+    <dsp:sp modelId="{AA9FB8A2-6253-435F-8D0E-6855C6F23089}">
+      <dsp:nvSpPr>
+        <dsp:cNvPr id="0" name=""/>
+        <dsp:cNvSpPr/>
+      </dsp:nvSpPr>
+      <dsp:spPr>
+        <a:xfrm>
+          <a:off x="1455812" y="2258294"/>
+          <a:ext cx="7329922" cy="1260443"/>
+        </a:xfrm>
+        <a:prstGeom prst="rect">
+          <a:avLst/>
+        </a:prstGeom>
+        <a:noFill/>
+        <a:ln>
+          <a:noFill/>
+        </a:ln>
+        <a:effectLst/>
+      </dsp:spPr>
+      <dsp:style>
+        <a:lnRef idx="0">
+          <a:scrgbClr r="0" g="0" b="0"/>
+        </a:lnRef>
+        <a:fillRef idx="0">
+          <a:scrgbClr r="0" g="0" b="0"/>
+        </a:fillRef>
+        <a:effectRef idx="0">
+          <a:scrgbClr r="0" g="0" b="0"/>
+        </a:effectRef>
+        <a:fontRef idx="minor"/>
+      </dsp:style>
+      <dsp:txBody>
+        <a:bodyPr spcFirstLastPara="0" vert="horz" wrap="square" lIns="133397" tIns="133397" rIns="133397" bIns="133397" numCol="1" spcCol="1270" anchor="ctr" anchorCtr="0">
+          <a:noAutofit/>
+        </a:bodyPr>
+        <a:lstStyle/>
+        <a:p>
+          <a:pPr marL="0" lvl="0" indent="0" algn="l" defTabSz="1066800">
+            <a:lnSpc>
+              <a:spcPct val="90000"/>
+            </a:lnSpc>
+            <a:spcBef>
+              <a:spcPct val="0"/>
+            </a:spcBef>
+            <a:spcAft>
+              <a:spcPct val="35000"/>
+            </a:spcAft>
+            <a:buNone/>
+          </a:pPr>
+          <a:r>
+            <a:rPr lang="en-US" sz="2400" kern="1200" dirty="0"/>
+            <a:t>But, there begs the question: if we only have one training set where do multiple models come from?</a:t>
+          </a:r>
+        </a:p>
+      </dsp:txBody>
+      <dsp:txXfrm>
+        <a:off x="1455812" y="2258294"/>
+        <a:ext cx="7329922" cy="1260443"/>
+      </dsp:txXfrm>
+    </dsp:sp>
+  </dsp:spTree>
+</dsp:drawing>
+</file>
+
+<file path=ppt/diagrams/layout1.xml><?xml version="1.0" encoding="utf-8"?>
+<dgm:layoutDef xmlns:dgm="http://schemas.openxmlformats.org/drawingml/2006/diagram" xmlns:a="http://schemas.openxmlformats.org/drawingml/2006/main" uniqueId="urn:microsoft.com/office/officeart/2018/2/layout/IconVerticalSolidList">
+  <dgm:title val="Icon Vertical Solid List"/>
+  <dgm:desc val="Use to show a series of visuals from top to bottom with Level 1 or Level 1 and Level 2 text grouped in a shape. Works best with icons or small pictures with lengthier descriptions."/>
+  <dgm:catLst>
+    <dgm:cat type="icon" pri="500"/>
+  </dgm:catLst>
+  <dgm:sampData useDef="1">
+    <dgm:dataModel>
+      <dgm:ptLst/>
+      <dgm:bg/>
+      <dgm:whole/>
+    </dgm:dataModel>
+  </dgm:sampData>
+  <dgm:styleData useDef="1">
+    <dgm:dataModel>
+      <dgm:ptLst/>
+      <dgm:bg/>
+      <dgm:whole/>
+    </dgm:dataModel>
+  </dgm:styleData>
+  <dgm:clrData useDef="1">
+    <dgm:dataModel>
+      <dgm:ptLst/>
+      <dgm:bg/>
+      <dgm:whole/>
+    </dgm:dataModel>
+  </dgm:clrData>
+  <dgm:layoutNode name="root">
+    <dgm:varLst>
+      <dgm:dir/>
+      <dgm:resizeHandles val="exact"/>
+    </dgm:varLst>
+    <dgm:choose name="Name0">
+      <dgm:if name="Name1" axis="self" func="var" arg="dir" op="equ" val="norm">
+        <dgm:alg type="lin">
+          <dgm:param type="linDir" val="fromT"/>
+          <dgm:param type="nodeHorzAlign" val="l"/>
+        </dgm:alg>
+      </dgm:if>
+      <dgm:else name="Name2">
+        <dgm:alg type="lin">
+          <dgm:param type="linDir" val="fromT"/>
+          <dgm:param type="nodeHorzAlign" val="r"/>
+        </dgm:alg>
+      </dgm:else>
+    </dgm:choose>
+    <dgm:shape xmlns:r="http://schemas.openxmlformats.org/officeDocument/2006/relationships" r:blip="">
+      <dgm:adjLst/>
+    </dgm:shape>
+    <dgm:presOf/>
+    <dgm:choose name="Name3">
+      <dgm:if name="Name4" axis="ch" ptType="node" func="cnt" op="lte" val="3">
+        <dgm:constrLst>
+          <dgm:constr type="h" for="ch" forName="compNode" refType="h" fact="0.3"/>
+          <dgm:constr type="w" for="ch" forName="compNode" refType="w"/>
+          <dgm:constr type="h" for="ch" forName="sibTrans" refType="h" refFor="ch" refForName="compNode" fact="0.25"/>
+          <dgm:constr type="primFontSz" for="des" forName="parTx" val="25"/>
+          <dgm:constr type="primFontSz" for="des" forName="desTx" refType="primFontSz" refFor="des" refForName="parTx" op="lte" fact="0.75"/>
+          <dgm:constr type="h" for="des" forName="compNode" op="equ"/>
+          <dgm:constr type="h" for="des" forName="bgRect" op="equ"/>
+          <dgm:constr type="h" for="des" forName="iconRect" op="equ"/>
+          <dgm:constr type="w" for="des" forName="iconRect" op="equ"/>
+          <dgm:constr type="h" for="des" forName="spaceRect" op="equ"/>
+          <dgm:constr type="h" for="des" forName="parTx" op="equ"/>
+          <dgm:constr type="h" for="des" forName="desTx" op="equ"/>
+        </dgm:constrLst>
+      </dgm:if>
+      <dgm:if name="Name5" axis="ch" ptType="node" func="cnt" op="lte" val="4">
+        <dgm:constrLst>
+          <dgm:constr type="h" for="ch" forName="compNode" refType="h" fact="0.3"/>
+          <dgm:constr type="w" for="ch" forName="compNode" refType="w"/>
+          <dgm:constr type="h" for="ch" forName="sibTrans" refType="h" refFor="ch" refForName="compNode" fact="0.25"/>
+          <dgm:constr type="primFontSz" for="des" forName="parTx" val="22"/>
+          <dgm:constr type="primFontSz" for="des" forName="desTx" refType="primFontSz" refFor="des" refForName="parTx" op="lte" fact="0.75"/>
+          <dgm:constr type="h" for="des" forName="compNode" op="equ"/>
+          <dgm:constr type="h" for="des" forName="bgRect" op="equ"/>
+          <dgm:constr type="h" for="des" forName="iconRect" op="equ"/>
+          <dgm:constr type="w" for="des" forName="iconRect" op="equ"/>
+          <dgm:constr type="h" for="des" forName="spaceRect" op="equ"/>
+          <dgm:constr type="h" for="des" forName="parTx" op="equ"/>
+          <dgm:constr type="h" for="des" forName="desTx" op="equ"/>
+        </dgm:constrLst>
+      </dgm:if>
+      <dgm:if name="Name6" axis="ch" ptType="node" func="cnt" op="lte" val="6">
+        <dgm:constrLst>
+          <dgm:constr type="h" for="ch" forName="compNode" refType="h" fact="0.3"/>
+          <dgm:constr type="w" for="ch" forName="compNode" refType="w"/>
+          <dgm:constr type="h" for="ch" forName="sibTrans" refType="h" refFor="ch" refForName="compNode" fact="0.25"/>
+          <dgm:constr type="primFontSz" for="des" forName="parTx" val="19"/>
+          <dgm:constr type="primFontSz" for="des" forName="desTx" refType="primFontSz" refFor="des" refForName="parTx" op="lte" fact="0.75"/>
+          <dgm:constr type="h" for="des" forName="compNode" op="equ"/>
+          <dgm:constr type="h" for="des" forName="bgRect" op="equ"/>
+          <dgm:constr type="h" for="des" forName="iconRect" op="equ"/>
+          <dgm:constr type="w" for="des" forName="iconRect" op="equ"/>
+          <dgm:constr type="h" for="des" forName="spaceRect" op="equ"/>
+          <dgm:constr type="h" for="des" forName="parTx" op="equ"/>
+          <dgm:constr type="h" for="des" forName="desTx" op="equ"/>
+        </dgm:constrLst>
+      </dgm:if>
+      <dgm:else name="Name7">
+        <dgm:constrLst>
+          <dgm:constr type="h" for="ch" forName="compNode" refType="h" fact="0.3"/>
+          <dgm:constr type="w" for="ch" forName="compNode" refType="w"/>
+          <dgm:constr type="h" for="ch" forName="sibTrans" refType="h" refFor="ch" refForName="compNode" fact="0.25"/>
+          <dgm:constr type="primFontSz" for="des" forName="parTx" val="16"/>
+          <dgm:constr type="primFontSz" for="des" forName="desTx" refType="primFontSz" refFor="des" refForName="parTx" op="lte" fact="0.75"/>
+          <dgm:constr type="h" for="des" forName="compNode" op="equ"/>
+          <dgm:constr type="h" for="des" forName="bgRect" op="equ"/>
+          <dgm:constr type="h" for="des" forName="iconRect" op="equ"/>
+          <dgm:constr type="w" for="des" forName="iconRect" op="equ"/>
+          <dgm:constr type="h" for="des" forName="spaceRect" op="equ"/>
+          <dgm:constr type="h" for="des" forName="parTx" op="equ"/>
+          <dgm:constr type="h" for="des" forName="desTx" op="equ"/>
+        </dgm:constrLst>
+      </dgm:else>
+    </dgm:choose>
+    <dgm:ruleLst>
+      <dgm:rule type="h" for="ch" forName="compNode" val="0" fact="NaN" max="NaN"/>
+    </dgm:ruleLst>
+    <dgm:forEach name="Name8" axis="ch" ptType="node">
+      <dgm:layoutNode name="compNode">
+        <dgm:alg type="composite"/>
+        <dgm:shape xmlns:r="http://schemas.openxmlformats.org/officeDocument/2006/relationships" r:blip="">
+          <dgm:adjLst/>
+        </dgm:shape>
+        <dgm:presOf axis="self"/>
+        <dgm:choose name="Name9">
+          <dgm:if name="Name10" axis="ch" ptType="node" func="cnt" op="gte" val="1">
+            <dgm:constrLst>
+              <dgm:constr type="w" for="ch" forName="bgRect" refType="w"/>
+              <dgm:constr type="h" for="ch" forName="bgRect" refType="h"/>
+              <dgm:constr type="l" for="ch" forName="bgRect"/>
+              <dgm:constr type="t" for="ch" forName="bgRect"/>
+              <dgm:constr type="h" for="ch" forName="iconRect" refType="h" fact="0.55"/>
+              <dgm:constr type="w" for="ch" forName="iconRect" refType="h" refFor="ch" refForName="iconRect"/>
+              <dgm:constr type="l" for="ch" forName="iconRect" refType="h" refFor="ch" refForName="iconRect" fact="0.55"/>
+              <dgm:constr type="ctrY" for="ch" forName="iconRect" refType="ctrY" refFor="ch" refForName="bgRect"/>
+              <dgm:constr type="w" for="ch" forName="spaceRect" refType="l" refFor="ch" refForName="iconRect"/>
+              <dgm:constr type="h" for="ch" forName="spaceRect" refType="h"/>
+              <dgm:constr type="l" for="ch" forName="spaceRect" refType="r" refFor="ch" refForName="iconRect"/>
+              <dgm:constr type="t" for="ch" forName="spaceRect"/>
+              <dgm:constr type="w" for="ch" forName="parTx" refType="w" fact="0.45"/>
+              <dgm:constr type="h" for="ch" forName="parTx" refType="h"/>
+              <dgm:constr type="l" for="ch" forName="parTx" refType="r" refFor="ch" refForName="spaceRect"/>
+              <dgm:constr type="t" for="ch" forName="parTx"/>
+              <dgm:constr type="h" for="ch" forName="desTx" refType="h"/>
+              <dgm:constr type="l" for="ch" forName="desTx" refType="r" refFor="ch" refForName="parTx"/>
+              <dgm:constr type="t" for="ch" forName="desTx"/>
+            </dgm:constrLst>
+          </dgm:if>
+          <dgm:else name="Name11">
+            <dgm:constrLst>
+              <dgm:constr type="w" for="ch" forName="bgRect" refType="w"/>
+              <dgm:constr type="h" for="ch" forName="bgRect" refType="h"/>
+              <dgm:constr type="l" for="ch" forName="bgRect"/>
+              <dgm:constr type="t" for="ch" forName="bgRect"/>
+              <dgm:constr type="h" for="ch" forName="iconRect" refType="h" fact="0.55"/>
+              <dgm:constr type="w" for="ch" forName="iconRect" refType="h" refFor="ch" refForName="iconRect"/>
+              <dgm:constr type="l" for="ch" forName="iconRect" refType="h" refFor="ch" refForName="iconRect" fact="0.55"/>
+              <dgm:constr type="ctrY" for="ch" forName="iconRect" refType="ctrY" refFor="ch" refForName="bgRect"/>
+              <dgm:constr type="w" for="ch" forName="spaceRect" refType="l" refFor="ch" refForName="iconRect"/>
+              <dgm:constr type="h" for="ch" forName="spaceRect" refType="h"/>
+              <dgm:constr type="l" for="ch" forName="spaceRect" refType="r" refFor="ch" refForName="iconRect"/>
+              <dgm:constr type="t" for="ch" forName="spaceRect"/>
+              <dgm:constr type="h" for="ch" forName="parTx" refType="h"/>
+              <dgm:constr type="l" for="ch" forName="parTx" refType="r" refFor="ch" refForName="spaceRect"/>
+              <dgm:constr type="t" for="ch" forName="parTx"/>
+            </dgm:constrLst>
+          </dgm:else>
+        </dgm:choose>
+        <dgm:ruleLst>
+          <dgm:rule type="h" val="INF" fact="NaN" max="NaN"/>
+        </dgm:ruleLst>
+        <dgm:layoutNode name="bgRect" styleLbl="bgShp">
+          <dgm:alg type="sp"/>
+          <dgm:shape xmlns:r="http://schemas.openxmlformats.org/officeDocument/2006/relationships" type="roundRect" r:blip="">
+            <dgm:adjLst>
+              <dgm:adj idx="1" val="0.1"/>
+            </dgm:adjLst>
+          </dgm:shape>
+          <dgm:presOf/>
+          <dgm:constrLst/>
+          <dgm:ruleLst/>
+        </dgm:layoutNode>
+        <dgm:layoutNode name="iconRect" styleLbl="node1">
+          <dgm:alg type="sp"/>
+          <dgm:shape xmlns:r="http://schemas.openxmlformats.org/officeDocument/2006/relationships" type="rect" r:blip="" blipPhldr="1">
+            <dgm:adjLst/>
+          </dgm:shape>
+          <dgm:presOf/>
+          <dgm:constrLst/>
+          <dgm:ruleLst/>
+        </dgm:layoutNode>
+        <dgm:layoutNode name="spaceRect">
+          <dgm:alg type="sp"/>
+          <dgm:shape xmlns:r="http://schemas.openxmlformats.org/officeDocument/2006/relationships" r:blip="">
+            <dgm:adjLst/>
+          </dgm:shape>
+          <dgm:presOf/>
+          <dgm:constrLst/>
+          <dgm:ruleLst/>
+        </dgm:layoutNode>
+        <dgm:layoutNode name="parTx" styleLbl="revTx">
+          <dgm:varLst>
+            <dgm:chMax val="0"/>
+            <dgm:chPref val="0"/>
+          </dgm:varLst>
+          <dgm:alg type="tx">
+            <dgm:param type="txAnchorVert" val="mid"/>
+            <dgm:param type="parTxLTRAlign" val="l"/>
+            <dgm:param type="shpTxLTRAlignCh" val="l"/>
+            <dgm:param type="parTxRTLAlign" val="r"/>
+            <dgm:param type="shpTxRTLAlignCh" val="r"/>
+          </dgm:alg>
+          <dgm:shape xmlns:r="http://schemas.openxmlformats.org/officeDocument/2006/relationships" type="rect" r:blip="">
+            <dgm:adjLst/>
+          </dgm:shape>
+          <dgm:presOf axis="self" ptType="node"/>
+          <dgm:constrLst>
+            <dgm:constr type="lMarg" refType="h" fact="0.3"/>
+            <dgm:constr type="rMarg" refType="h" fact="0.3"/>
+            <dgm:constr type="tMarg" refType="h" fact="0.3"/>
+            <dgm:constr type="bMarg" refType="h" fact="0.3"/>
+          </dgm:constrLst>
+          <dgm:ruleLst>
+            <dgm:rule type="primFontSz" val="14" fact="NaN" max="NaN"/>
+            <dgm:rule type="h" val="INF" fact="NaN" max="NaN"/>
+          </dgm:ruleLst>
+        </dgm:layoutNode>
+        <dgm:choose name="Name12">
+          <dgm:if name="Name13" axis="ch" ptType="node" func="cnt" op="gte" val="1">
+            <dgm:layoutNode name="desTx" styleLbl="revTx">
+              <dgm:varLst/>
+              <dgm:alg type="tx">
+                <dgm:param type="txAnchorVertCh" val="mid"/>
+                <dgm:param type="parTxLTRAlign" val="l"/>
+                <dgm:param type="shpTxLTRAlignCh" val="l"/>
+                <dgm:param type="parTxRTLAlign" val="r"/>
+                <dgm:param type="shpTxRTLAlignCh" val="r"/>
+                <dgm:param type="stBulletLvl" val="0"/>
+              </dgm:alg>
+              <dgm:shape xmlns:r="http://schemas.openxmlformats.org/officeDocument/2006/relationships" type="rect" r:blip="">
+                <dgm:adjLst/>
+              </dgm:shape>
+              <dgm:presOf axis="des" ptType="node"/>
+              <dgm:constrLst>
+                <dgm:constr type="primFontSz" val="18"/>
+                <dgm:constr type="secFontSz" refType="primFontSz"/>
+                <dgm:constr type="lMarg" refType="h" fact="0.3"/>
+                <dgm:constr type="rMarg" refType="h" fact="0.3"/>
+                <dgm:constr type="tMarg" refType="h" fact="0.3"/>
+                <dgm:constr type="bMarg" refType="h" fact="0.3"/>
+              </dgm:constrLst>
+              <dgm:ruleLst>
+                <dgm:rule type="primFontSz" val="11" fact="NaN" max="NaN"/>
+              </dgm:ruleLst>
+            </dgm:layoutNode>
+          </dgm:if>
+          <dgm:else name="Name14"/>
+        </dgm:choose>
+      </dgm:layoutNode>
+      <dgm:forEach name="Name15" axis="followSib" ptType="sibTrans" cnt="1">
+        <dgm:layoutNode name="sibTrans">
+          <dgm:alg type="sp"/>
+          <dgm:shape xmlns:r="http://schemas.openxmlformats.org/officeDocument/2006/relationships" r:blip="">
+            <dgm:adjLst/>
+          </dgm:shape>
+          <dgm:presOf axis="self"/>
+          <dgm:constrLst/>
+          <dgm:ruleLst/>
+        </dgm:layoutNode>
+      </dgm:forEach>
+    </dgm:forEach>
+  </dgm:layoutNode>
+  <dgm:extLst>
+    <a:ext uri="{68A01E43-0DF5-4B5B-8FA6-DAF915123BFB}">
+      <dgm1612:lstStyle xmlns:dgm1612="http://schemas.microsoft.com/office/drawing/2016/12/diagram">
+        <a:lvl1pPr>
+          <a:lnSpc>
+            <a:spcPct val="100000"/>
+          </a:lnSpc>
+        </a:lvl1pPr>
+        <a:lvl2pPr>
+          <a:lnSpc>
+            <a:spcPct val="100000"/>
+          </a:lnSpc>
+        </a:lvl2pPr>
+      </dgm1612:lstStyle>
+    </a:ext>
+  </dgm:extLst>
+</dgm:layoutDef>
+</file>
+
+<file path=ppt/diagrams/quickStyle1.xml><?xml version="1.0" encoding="utf-8"?>
+<dgm:styleDef xmlns:dgm="http://schemas.openxmlformats.org/drawingml/2006/diagram" xmlns:a="http://schemas.openxmlformats.org/drawingml/2006/main" uniqueId="urn:microsoft.com/office/officeart/2005/8/quickstyle/simple1">
+  <dgm:title val=""/>
+  <dgm:desc val=""/>
+  <dgm:catLst>
+    <dgm:cat type="simple" pri="10100"/>
+  </dgm:catLst>
+  <dgm:scene3d>
+    <a:camera prst="orthographicFront"/>
+    <a:lightRig rig="threePt" dir="t"/>
+  </dgm:scene3d>
+  <dgm:styleLbl name="node0">
+    <dgm:scene3d>
+      <a:camera prst="orthographicFront"/>
+      <a:lightRig rig="threePt" dir="t"/>
+    </dgm:scene3d>
+    <dgm:sp3d/>
+    <dgm:txPr/>
+    <dgm:style>
+      <a:lnRef idx="2">
+        <a:scrgbClr r="0" g="0" b="0"/>
+      </a:lnRef>
+      <a:fillRef idx="1">
+        <a:scrgbClr r="0" g="0" b="0"/>
+      </a:fillRef>
+      <a:effectRef idx="0">
+        <a:scrgbClr r="0" g="0" b="0"/>
+      </a:effectRef>
+      <a:fontRef idx="minor">
+        <a:schemeClr val="lt1"/>
+      </a:fontRef>
+    </dgm:style>
+  </dgm:styleLbl>
+  <dgm:styleLbl name="lnNode1">
+    <dgm:scene3d>
+      <a:camera prst="orthographicFront"/>
+      <a:lightRig rig="threePt" dir="t"/>
+    </dgm:scene3d>
+    <dgm:sp3d/>
+    <dgm:txPr/>
+    <dgm:style>
+      <a:lnRef idx="2">
+        <a:scrgbClr r="0" g="0" b="0"/>
+      </a:lnRef>
+      <a:fillRef idx="1">
+        <a:scrgbClr r="0" g="0" b="0"/>
+      </a:fillRef>
+      <a:effectRef idx="0">
+        <a:scrgbClr r="0" g="0" b="0"/>
+      </a:effectRef>
+      <a:fontRef idx="minor">
+        <a:schemeClr val="lt1"/>
+      </a:fontRef>
+    </dgm:style>
+  </dgm:styleLbl>
+  <dgm:styleLbl name="vennNode1">
+    <dgm:scene3d>
+      <a:camera prst="orthographicFront"/>
+      <a:lightRig rig="threePt" dir="t"/>
+    </dgm:scene3d>
+    <dgm:sp3d/>
+    <dgm:txPr/>
+    <dgm:style>
+      <a:lnRef idx="2">
+        <a:scrgbClr r="0" g="0" b="0"/>
+      </a:lnRef>
+      <a:fillRef idx="1">
+        <a:scrgbClr r="0" g="0" b="0"/>
+      </a:fillRef>
+      <a:effectRef idx="0">
+        <a:scrgbClr r="0" g="0" b="0"/>
+      </a:effectRef>
+      <a:fontRef idx="minor">
+        <a:schemeClr val="tx1"/>
+      </a:fontRef>
+    </dgm:style>
+  </dgm:styleLbl>
+  <dgm:styleLbl name="alignNode1">
+    <dgm:scene3d>
+      <a:camera prst="orthographicFront"/>
+      <a:lightRig rig="threePt" dir="t"/>
+    </dgm:scene3d>
+    <dgm:sp3d/>
+    <dgm:txPr/>
+    <dgm:style>
+      <a:lnRef idx="2">
+        <a:scrgbClr r="0" g="0" b="0"/>
+      </a:lnRef>
+      <a:fillRef idx="1">
+        <a:scrgbClr r="0" g="0" b="0"/>
+      </a:fillRef>
+      <a:effectRef idx="0">
+        <a:scrgbClr r="0" g="0" b="0"/>
+      </a:effectRef>
+      <a:fontRef idx="minor">
+        <a:schemeClr val="lt1"/>
+      </a:fontRef>
+    </dgm:style>
+  </dgm:styleLbl>
+  <dgm:styleLbl name="node1">
+    <dgm:scene3d>
+      <a:camera prst="orthographicFront"/>
+      <a:lightRig rig="threePt" dir="t"/>
+    </dgm:scene3d>
+    <dgm:sp3d/>
+    <dgm:txPr/>
+    <dgm:style>
+      <a:lnRef idx="2">
+        <a:scrgbClr r="0" g="0" b="0"/>
+      </a:lnRef>
+      <a:fillRef idx="1">
+        <a:scrgbClr r="0" g="0" b="0"/>
+      </a:fillRef>
+      <a:effectRef idx="0">
+        <a:scrgbClr r="0" g="0" b="0"/>
+      </a:effectRef>
+      <a:fontRef idx="minor">
+        <a:schemeClr val="lt1"/>
+      </a:fontRef>
+    </dgm:style>
+  </dgm:styleLbl>
+  <dgm:styleLbl name="node2">
+    <dgm:scene3d>
+      <a:camera prst="orthographicFront"/>
+      <a:lightRig rig="threePt" dir="t"/>
+    </dgm:scene3d>
+    <dgm:sp3d/>
+    <dgm:txPr/>
+    <dgm:style>
+      <a:lnRef idx="2">
+        <a:scrgbClr r="0" g="0" b="0"/>
+      </a:lnRef>
+      <a:fillRef idx="1">
+        <a:scrgbClr r="0" g="0" b="0"/>
+      </a:fillRef>
+      <a:effectRef idx="0">
+        <a:scrgbClr r="0" g="0" b="0"/>
+      </a:effectRef>
+      <a:fontRef idx="minor">
+        <a:schemeClr val="lt1"/>
+      </a:fontRef>
+    </dgm:style>
+  </dgm:styleLbl>
+  <dgm:styleLbl name="node3">
+    <dgm:scene3d>
+      <a:camera prst="orthographicFront"/>
+      <a:lightRig rig="threePt" dir="t"/>
+    </dgm:scene3d>
+    <dgm:sp3d/>
+    <dgm:txPr/>
+    <dgm:style>
+      <a:lnRef idx="2">
+        <a:scrgbClr r="0" g="0" b="0"/>
+      </a:lnRef>
+      <a:fillRef idx="1">
+        <a:scrgbClr r="0" g="0" b="0"/>
+      </a:fillRef>
+      <a:effectRef idx="0">
+        <a:scrgbClr r="0" g="0" b="0"/>
+      </a:effectRef>
+      <a:fontRef idx="minor">
+        <a:schemeClr val="lt1"/>
+      </a:fontRef>
+    </dgm:style>
+  </dgm:styleLbl>
+  <dgm:styleLbl name="node4">
+    <dgm:scene3d>
+      <a:camera prst="orthographicFront"/>
+      <a:lightRig rig="threePt" dir="t"/>
+    </dgm:scene3d>
+    <dgm:sp3d/>
+    <dgm:txPr/>
+    <dgm:style>
+      <a:lnRef idx="2">
+        <a:scrgbClr r="0" g="0" b="0"/>
+      </a:lnRef>
+      <a:fillRef idx="1">
+        <a:scrgbClr r="0" g="0" b="0"/>
+      </a:fillRef>
+      <a:effectRef idx="0">
+        <a:scrgbClr r="0" g="0" b="0"/>
+      </a:effectRef>
+      <a:fontRef idx="minor">
+        <a:schemeClr val="lt1"/>
+      </a:fontRef>
+    </dgm:style>
+  </dgm:styleLbl>
+  <dgm:styleLbl name="fgImgPlace1">
+    <dgm:scene3d>
+      <a:camera prst="orthographicFront"/>
+      <a:lightRig rig="threePt" dir="t"/>
+    </dgm:scene3d>
+    <dgm:sp3d/>
+    <dgm:txPr/>
+    <dgm:style>
+      <a:lnRef idx="2">
+        <a:scrgbClr r="0" g="0" b="0"/>
+      </a:lnRef>
+      <a:fillRef idx="1">
+        <a:scrgbClr r="0" g="0" b="0"/>
+      </a:fillRef>
+      <a:effectRef idx="0">
+        <a:scrgbClr r="0" g="0" b="0"/>
+      </a:effectRef>
+      <a:fontRef idx="minor"/>
+    </dgm:style>
+  </dgm:styleLbl>
+  <dgm:styleLbl name="alignImgPlace1">
+    <dgm:scene3d>
+      <a:camera prst="orthographicFront"/>
+      <a:lightRig rig="threePt" dir="t"/>
+    </dgm:scene3d>
+    <dgm:sp3d/>
+    <dgm:txPr/>
+    <dgm:style>
+      <a:lnRef idx="2">
+        <a:scrgbClr r="0" g="0" b="0"/>
+      </a:lnRef>
+      <a:fillRef idx="1">
+        <a:scrgbClr r="0" g="0" b="0"/>
+      </a:fillRef>
+      <a:effectRef idx="0">
+        <a:scrgbClr r="0" g="0" b="0"/>
+      </a:effectRef>
+      <a:fontRef idx="minor"/>
+    </dgm:style>
+  </dgm:styleLbl>
+  <dgm:styleLbl name="bgImgPlace1">
+    <dgm:scene3d>
+      <a:camera prst="orthographicFront"/>
+      <a:lightRig rig="threePt" dir="t"/>
+    </dgm:scene3d>
+    <dgm:sp3d/>
+    <dgm:txPr/>
+    <dgm:style>
+      <a:lnRef idx="2">
+        <a:scrgbClr r="0" g="0" b="0"/>
+      </a:lnRef>
+      <a:fillRef idx="1">
+        <a:scrgbClr r="0" g="0" b="0"/>
+      </a:fillRef>
+      <a:effectRef idx="0">
+        <a:scrgbClr r="0" g="0" b="0"/>
+      </a:effectRef>
+      <a:fontRef idx="minor"/>
+    </dgm:style>
+  </dgm:styleLbl>
+  <dgm:styleLbl name="sibTrans2D1">
+    <dgm:scene3d>
+      <a:camera prst="orthographicFront"/>
+      <a:lightRig rig="threePt" dir="t"/>
+    </dgm:scene3d>
+    <dgm:sp3d/>
+    <dgm:txPr/>
+    <dgm:style>
+      <a:lnRef idx="0">
+        <a:scrgbClr r="0" g="0" b="0"/>
+      </a:lnRef>
+      <a:fillRef idx="1">
+        <a:scrgbClr r="0" g="0" b="0"/>
+      </a:fillRef>
+      <a:effectRef idx="0">
+        <a:scrgbClr r="0" g="0" b="0"/>
+      </a:effectRef>
+      <a:fontRef idx="minor">
+        <a:schemeClr val="lt1"/>
+      </a:fontRef>
+    </dgm:style>
+  </dgm:styleLbl>
+  <dgm:styleLbl name="fgSibTrans2D1">
+    <dgm:scene3d>
+      <a:camera prst="orthographicFront"/>
+      <a:lightRig rig="threePt" dir="t"/>
+    </dgm:scene3d>
+    <dgm:sp3d/>
+    <dgm:txPr/>
+    <dgm:style>
+      <a:lnRef idx="0">
+        <a:scrgbClr r="0" g="0" b="0"/>
+      </a:lnRef>
+      <a:fillRef idx="1">
+        <a:scrgbClr r="0" g="0" b="0"/>
+      </a:fillRef>
+      <a:effectRef idx="0">
+        <a:scrgbClr r="0" g="0" b="0"/>
+      </a:effectRef>
+      <a:fontRef idx="minor">
+        <a:schemeClr val="lt1"/>
+      </a:fontRef>
+    </dgm:style>
+  </dgm:styleLbl>
+  <dgm:styleLbl name="bgSibTrans2D1">
+    <dgm:scene3d>
+      <a:camera prst="orthographicFront"/>
+      <a:lightRig rig="threePt" dir="t"/>
+    </dgm:scene3d>
+    <dgm:sp3d/>
+    <dgm:txPr/>
+    <dgm:style>
+      <a:lnRef idx="0">
+        <a:scrgbClr r="0" g="0" b="0"/>
+      </a:lnRef>
+      <a:fillRef idx="1">
+        <a:scrgbClr r="0" g="0" b="0"/>
+      </a:fillRef>
+      <a:effectRef idx="0">
+        <a:scrgbClr r="0" g="0" b="0"/>
+      </a:effectRef>
+      <a:fontRef idx="minor">
+        <a:schemeClr val="lt1"/>
+      </a:fontRef>
+    </dgm:style>
+  </dgm:styleLbl>
+  <dgm:styleLbl name="sibTrans1D1">
+    <dgm:scene3d>
+      <a:camera prst="orthographicFront"/>
+      <a:lightRig rig="threePt" dir="t"/>
+    </dgm:scene3d>
+    <dgm:sp3d/>
+    <dgm:txPr/>
+    <dgm:style>
+      <a:lnRef idx="1">
+        <a:scrgbClr r="0" g="0" b="0"/>
+      </a:lnRef>
+      <a:fillRef idx="0">
+        <a:scrgbClr r="0" g="0" b="0"/>
+      </a:fillRef>
+      <a:effectRef idx="0">
+        <a:scrgbClr r="0" g="0" b="0"/>
+      </a:effectRef>
+      <a:fontRef idx="minor"/>
+    </dgm:style>
+  </dgm:styleLbl>
+  <dgm:styleLbl name="callout">
+    <dgm:scene3d>
+      <a:camera prst="orthographicFront"/>
+      <a:lightRig rig="threePt" dir="t"/>
+    </dgm:scene3d>
+    <dgm:sp3d/>
+    <dgm:txPr/>
+    <dgm:style>
+      <a:lnRef idx="2">
+        <a:scrgbClr r="0" g="0" b="0"/>
+      </a:lnRef>
+      <a:fillRef idx="1">
+        <a:scrgbClr r="0" g="0" b="0"/>
+      </a:fillRef>
+      <a:effectRef idx="0">
+        <a:scrgbClr r="0" g="0" b="0"/>
+      </a:effectRef>
+      <a:fontRef idx="minor"/>
+    </dgm:style>
+  </dgm:styleLbl>
+  <dgm:styleLbl name="asst0">
+    <dgm:scene3d>
+      <a:camera prst="orthographicFront"/>
+      <a:lightRig rig="threePt" dir="t"/>
+    </dgm:scene3d>
+    <dgm:sp3d/>
+    <dgm:txPr/>
+    <dgm:style>
+      <a:lnRef idx="2">
+        <a:scrgbClr r="0" g="0" b="0"/>
+      </a:lnRef>
+      <a:fillRef idx="1">
+        <a:scrgbClr r="0" g="0" b="0"/>
+      </a:fillRef>
+      <a:effectRef idx="0">
+        <a:scrgbClr r="0" g="0" b="0"/>
+      </a:effectRef>
+      <a:fontRef idx="minor">
+        <a:schemeClr val="lt1"/>
+      </a:fontRef>
+    </dgm:style>
+  </dgm:styleLbl>
+  <dgm:styleLbl name="asst1">
+    <dgm:scene3d>
+      <a:camera prst="orthographicFront"/>
+      <a:lightRig rig="threePt" dir="t"/>
+    </dgm:scene3d>
+    <dgm:sp3d/>
+    <dgm:txPr/>
+    <dgm:style>
+      <a:lnRef idx="2">
+        <a:scrgbClr r="0" g="0" b="0"/>
+      </a:lnRef>
+      <a:fillRef idx="1">
+        <a:scrgbClr r="0" g="0" b="0"/>
+      </a:fillRef>
+      <a:effectRef idx="0">
+        <a:scrgbClr r="0" g="0" b="0"/>
+      </a:effectRef>
+      <a:fontRef idx="minor">
+        <a:schemeClr val="lt1"/>
+      </a:fontRef>
+    </dgm:style>
+  </dgm:styleLbl>
+  <dgm:styleLbl name="asst2">
+    <dgm:scene3d>
+      <a:camera prst="orthographicFront"/>
+      <a:lightRig rig="threePt" dir="t"/>
+    </dgm:scene3d>
+    <dgm:sp3d/>
+    <dgm:txPr/>
+    <dgm:style>
+      <a:lnRef idx="2">
+        <a:scrgbClr r="0" g="0" b="0"/>
+      </a:lnRef>
+      <a:fillRef idx="1">
+        <a:scrgbClr r="0" g="0" b="0"/>
+      </a:fillRef>
+      <a:effectRef idx="0">
+        <a:scrgbClr r="0" g="0" b="0"/>
+      </a:effectRef>
+      <a:fontRef idx="minor">
+        <a:schemeClr val="lt1"/>
+      </a:fontRef>
+    </dgm:style>
+  </dgm:styleLbl>
+  <dgm:styleLbl name="asst3">
+    <dgm:scene3d>
+      <a:camera prst="orthographicFront"/>
+      <a:lightRig rig="threePt" dir="t"/>
+    </dgm:scene3d>
+    <dgm:sp3d/>
+    <dgm:txPr/>
+    <dgm:style>
+      <a:lnRef idx="2">
+        <a:scrgbClr r="0" g="0" b="0"/>
+      </a:lnRef>
+      <a:fillRef idx="1">
+        <a:scrgbClr r="0" g="0" b="0"/>
+      </a:fillRef>
+      <a:effectRef idx="0">
+        <a:scrgbClr r="0" g="0" b="0"/>
+      </a:effectRef>
+      <a:fontRef idx="minor">
+        <a:schemeClr val="lt1"/>
+      </a:fontRef>
+    </dgm:style>
+  </dgm:styleLbl>
+  <dgm:styleLbl name="asst4">
+    <dgm:scene3d>
+      <a:camera prst="orthographicFront"/>
+      <a:lightRig rig="threePt" dir="t"/>
+    </dgm:scene3d>
+    <dgm:sp3d/>
+    <dgm:txPr/>
+    <dgm:style>
+      <a:lnRef idx="2">
+        <a:scrgbClr r="0" g="0" b="0"/>
+      </a:lnRef>
+      <a:fillRef idx="1">
+        <a:scrgbClr r="0" g="0" b="0"/>
+      </a:fillRef>
+      <a:effectRef idx="0">
+        <a:scrgbClr r="0" g="0" b="0"/>
+      </a:effectRef>
+      <a:fontRef idx="minor">
+        <a:schemeClr val="lt1"/>
+      </a:fontRef>
+    </dgm:style>
+  </dgm:styleLbl>
+  <dgm:styleLbl name="parChTrans2D1">
+    <dgm:scene3d>
+      <a:camera prst="orthographicFront"/>
+      <a:lightRig rig="threePt" dir="t"/>
+    </dgm:scene3d>
+    <dgm:sp3d/>
+    <dgm:txPr/>
+    <dgm:style>
+      <a:lnRef idx="2">
+        <a:scrgbClr r="0" g="0" b="0"/>
+      </a:lnRef>
+      <a:fillRef idx="1">
+        <a:scrgbClr r="0" g="0" b="0"/>
+      </a:fillRef>
+      <a:effectRef idx="0">
+        <a:scrgbClr r="0" g="0" b="0"/>
+      </a:effectRef>
+      <a:fontRef idx="minor">
+        <a:schemeClr val="lt1"/>
+      </a:fontRef>
+    </dgm:style>
+  </dgm:styleLbl>
+  <dgm:styleLbl name="parChTrans2D2">
+    <dgm:scene3d>
+      <a:camera prst="orthographicFront"/>
+      <a:lightRig rig="threePt" dir="t"/>
+    </dgm:scene3d>
+    <dgm:sp3d/>
+    <dgm:txPr/>
+    <dgm:style>
+      <a:lnRef idx="2">
+        <a:scrgbClr r="0" g="0" b="0"/>
+      </a:lnRef>
+      <a:fillRef idx="1">
+        <a:scrgbClr r="0" g="0" b="0"/>
+      </a:fillRef>
+      <a:effectRef idx="0">
+        <a:scrgbClr r="0" g="0" b="0"/>
+      </a:effectRef>
+      <a:fontRef idx="minor">
+        <a:schemeClr val="lt1"/>
+      </a:fontRef>
+    </dgm:style>
+  </dgm:styleLbl>
+  <dgm:styleLbl name="parChTrans2D3">
+    <dgm:scene3d>
+      <a:camera prst="orthographicFront"/>
+      <a:lightRig rig="threePt" dir="t"/>
+    </dgm:scene3d>
+    <dgm:sp3d/>
+    <dgm:txPr/>
+    <dgm:style>
+      <a:lnRef idx="2">
+        <a:scrgbClr r="0" g="0" b="0"/>
+      </a:lnRef>
+      <a:fillRef idx="1">
+        <a:scrgbClr r="0" g="0" b="0"/>
+      </a:fillRef>
+      <a:effectRef idx="0">
+        <a:scrgbClr r="0" g="0" b="0"/>
+      </a:effectRef>
+      <a:fontRef idx="minor">
+        <a:schemeClr val="lt1"/>
+      </a:fontRef>
+    </dgm:style>
+  </dgm:styleLbl>
+  <dgm:styleLbl name="parChTrans2D4">
+    <dgm:scene3d>
+      <a:camera prst="orthographicFront"/>
+      <a:lightRig rig="threePt" dir="t"/>
+    </dgm:scene3d>
+    <dgm:sp3d/>
+    <dgm:txPr/>
+    <dgm:style>
+      <a:lnRef idx="2">
+        <a:scrgbClr r="0" g="0" b="0"/>
+      </a:lnRef>
+      <a:fillRef idx="1">
+        <a:scrgbClr r="0" g="0" b="0"/>
+      </a:fillRef>
+      <a:effectRef idx="0">
+        <a:scrgbClr r="0" g="0" b="0"/>
+      </a:effectRef>
+      <a:fontRef idx="minor">
+        <a:schemeClr val="lt1"/>
+      </a:fontRef>
+    </dgm:style>
+  </dgm:styleLbl>
+  <dgm:styleLbl name="parChTrans1D1">
+    <dgm:scene3d>
+      <a:camera prst="orthographicFront"/>
+      <a:lightRig rig="threePt" dir="t"/>
+    </dgm:scene3d>
+    <dgm:sp3d/>
+    <dgm:txPr/>
+    <dgm:style>
+      <a:lnRef idx="2">
+        <a:scrgbClr r="0" g="0" b="0"/>
+      </a:lnRef>
+      <a:fillRef idx="0">
+        <a:scrgbClr r="0" g="0" b="0"/>
+      </a:fillRef>
+      <a:effectRef idx="0">
+        <a:scrgbClr r="0" g="0" b="0"/>
+      </a:effectRef>
+      <a:fontRef idx="minor"/>
+    </dgm:style>
+  </dgm:styleLbl>
+  <dgm:styleLbl name="parChTrans1D2">
+    <dgm:scene3d>
+      <a:camera prst="orthographicFront"/>
+      <a:lightRig rig="threePt" dir="t"/>
+    </dgm:scene3d>
+    <dgm:sp3d/>
+    <dgm:txPr/>
+    <dgm:style>
+      <a:lnRef idx="2">
+        <a:scrgbClr r="0" g="0" b="0"/>
+      </a:lnRef>
+      <a:fillRef idx="0">
+        <a:scrgbClr r="0" g="0" b="0"/>
+      </a:fillRef>
+      <a:effectRef idx="0">
+        <a:scrgbClr r="0" g="0" b="0"/>
+      </a:effectRef>
+      <a:fontRef idx="minor"/>
+    </dgm:style>
+  </dgm:styleLbl>
+  <dgm:styleLbl name="parChTrans1D3">
+    <dgm:scene3d>
+      <a:camera prst="orthographicFront"/>
+      <a:lightRig rig="threePt" dir="t"/>
+    </dgm:scene3d>
+    <dgm:sp3d/>
+    <dgm:txPr/>
+    <dgm:style>
+      <a:lnRef idx="2">
+        <a:scrgbClr r="0" g="0" b="0"/>
+      </a:lnRef>
+      <a:fillRef idx="0">
+        <a:scrgbClr r="0" g="0" b="0"/>
+      </a:fillRef>
+      <a:effectRef idx="0">
+        <a:scrgbClr r="0" g="0" b="0"/>
+      </a:effectRef>
+      <a:fontRef idx="minor"/>
+    </dgm:style>
+  </dgm:styleLbl>
+  <dgm:styleLbl name="parChTrans1D4">
+    <dgm:scene3d>
+      <a:camera prst="orthographicFront"/>
+      <a:lightRig rig="threePt" dir="t"/>
+    </dgm:scene3d>
+    <dgm:sp3d/>
+    <dgm:txPr/>
+    <dgm:style>
+      <a:lnRef idx="2">
+        <a:scrgbClr r="0" g="0" b="0"/>
+      </a:lnRef>
+      <a:fillRef idx="0">
+        <a:scrgbClr r="0" g="0" b="0"/>
+      </a:fillRef>
+      <a:effectRef idx="0">
+        <a:scrgbClr r="0" g="0" b="0"/>
+      </a:effectRef>
+      <a:fontRef idx="minor"/>
+    </dgm:style>
+  </dgm:styleLbl>
+  <dgm:styleLbl name="fgAcc1">
+    <dgm:scene3d>
+      <a:camera prst="orthographicFront"/>
+      <a:lightRig rig="threePt" dir="t"/>
+    </dgm:scene3d>
+    <dgm:sp3d/>
+    <dgm:txPr/>
+    <dgm:style>
+      <a:lnRef idx="2">
+        <a:scrgbClr r="0" g="0" b="0"/>
+      </a:lnRef>
+      <a:fillRef idx="1">
+        <a:scrgbClr r="0" g="0" b="0"/>
+      </a:fillRef>
+      <a:effectRef idx="0">
+        <a:scrgbClr r="0" g="0" b="0"/>
+      </a:effectRef>
+      <a:fontRef idx="minor"/>
+    </dgm:style>
+  </dgm:styleLbl>
+  <dgm:styleLbl name="conFgAcc1">
+    <dgm:scene3d>
+      <a:camera prst="orthographicFront"/>
+      <a:lightRig rig="threePt" dir="t"/>
+    </dgm:scene3d>
+    <dgm:sp3d/>
+    <dgm:txPr/>
+    <dgm:style>
+      <a:lnRef idx="2">
+        <a:scrgbClr r="0" g="0" b="0"/>
+      </a:lnRef>
+      <a:fillRef idx="1">
+        <a:scrgbClr r="0" g="0" b="0"/>
+      </a:fillRef>
+      <a:effectRef idx="0">
+        <a:scrgbClr r="0" g="0" b="0"/>
+      </a:effectRef>
+      <a:fontRef idx="minor"/>
+    </dgm:style>
+  </dgm:styleLbl>
+  <dgm:styleLbl name="alignAcc1">
+    <dgm:scene3d>
+      <a:camera prst="orthographicFront"/>
+      <a:lightRig rig="threePt" dir="t"/>
+    </dgm:scene3d>
+    <dgm:sp3d/>
+    <dgm:txPr/>
+    <dgm:style>
+      <a:lnRef idx="2">
+        <a:scrgbClr r="0" g="0" b="0"/>
+      </a:lnRef>
+      <a:fillRef idx="1">
+        <a:scrgbClr r="0" g="0" b="0"/>
+      </a:fillRef>
+      <a:effectRef idx="0">
+        <a:scrgbClr r="0" g="0" b="0"/>
+      </a:effectRef>
+      <a:fontRef idx="minor"/>
+    </dgm:style>
+  </dgm:styleLbl>
+  <dgm:styleLbl name="trAlignAcc1">
+    <dgm:scene3d>
+      <a:camera prst="orthographicFront"/>
+      <a:lightRig rig="threePt" dir="t"/>
+    </dgm:scene3d>
+    <dgm:sp3d/>
+    <dgm:txPr/>
+    <dgm:style>
+      <a:lnRef idx="1">
+        <a:scrgbClr r="0" g="0" b="0"/>
+      </a:lnRef>
+      <a:fillRef idx="1">
+        <a:scrgbClr r="0" g="0" b="0"/>
+      </a:fillRef>
+      <a:effectRef idx="0">
+        <a:scrgbClr r="0" g="0" b="0"/>
+      </a:effectRef>
+      <a:fontRef idx="minor"/>
+    </dgm:style>
+  </dgm:styleLbl>
+  <dgm:styleLbl name="bgAcc1">
+    <dgm:scene3d>
+      <a:camera prst="orthographicFront"/>
+      <a:lightRig rig="threePt" dir="t"/>
+    </dgm:scene3d>
+    <dgm:sp3d/>
+    <dgm:txPr/>
+    <dgm:style>
+      <a:lnRef idx="2">
+        <a:scrgbClr r="0" g="0" b="0"/>
+      </a:lnRef>
+      <a:fillRef idx="1">
+        <a:scrgbClr r="0" g="0" b="0"/>
+      </a:fillRef>
+      <a:effectRef idx="0">
+        <a:scrgbClr r="0" g="0" b="0"/>
+      </a:effectRef>
+      <a:fontRef idx="minor"/>
+    </dgm:style>
+  </dgm:styleLbl>
+  <dgm:styleLbl name="solidFgAcc1">
+    <dgm:scene3d>
+      <a:camera prst="orthographicFront"/>
+      <a:lightRig rig="threePt" dir="t"/>
+    </dgm:scene3d>
+    <dgm:sp3d/>
+    <dgm:txPr/>
+    <dgm:style>
+      <a:lnRef idx="2">
+        <a:scrgbClr r="0" g="0" b="0"/>
+      </a:lnRef>
+      <a:fillRef idx="1">
+        <a:scrgbClr r="0" g="0" b="0"/>
+      </a:fillRef>
+      <a:effectRef idx="0">
+        <a:scrgbClr r="0" g="0" b="0"/>
+      </a:effectRef>
+      <a:fontRef idx="minor"/>
+    </dgm:style>
+  </dgm:styleLbl>
+  <dgm:styleLbl name="solidAlignAcc1">
+    <dgm:scene3d>
+      <a:camera prst="orthographicFront"/>
+      <a:lightRig rig="threePt" dir="t"/>
+    </dgm:scene3d>
+    <dgm:sp3d/>
+    <dgm:txPr/>
+    <dgm:style>
+      <a:lnRef idx="2">
+        <a:scrgbClr r="0" g="0" b="0"/>
+      </a:lnRef>
+      <a:fillRef idx="1">
+        <a:scrgbClr r="0" g="0" b="0"/>
+      </a:fillRef>
+      <a:effectRef idx="0">
+        <a:scrgbClr r="0" g="0" b="0"/>
+      </a:effectRef>
+      <a:fontRef idx="minor"/>
+    </dgm:style>
+  </dgm:styleLbl>
+  <dgm:styleLbl name="solidBgAcc1">
+    <dgm:scene3d>
+      <a:camera prst="orthographicFront"/>
+      <a:lightRig rig="threePt" dir="t"/>
+    </dgm:scene3d>
+    <dgm:sp3d/>
+    <dgm:txPr/>
+    <dgm:style>
+      <a:lnRef idx="2">
+        <a:scrgbClr r="0" g="0" b="0"/>
+      </a:lnRef>
+      <a:fillRef idx="1">
+        <a:scrgbClr r="0" g="0" b="0"/>
+      </a:fillRef>
+      <a:effectRef idx="0">
+        <a:scrgbClr r="0" g="0" b="0"/>
+      </a:effectRef>
+      <a:fontRef idx="minor"/>
+    </dgm:style>
+  </dgm:styleLbl>
+  <dgm:styleLbl name="fgAccFollowNode1">
+    <dgm:scene3d>
+      <a:camera prst="orthographicFront"/>
+      <a:lightRig rig="threePt" dir="t"/>
+    </dgm:scene3d>
+    <dgm:sp3d/>
+    <dgm:txPr/>
+    <dgm:style>
+      <a:lnRef idx="2">
+        <a:scrgbClr r="0" g="0" b="0"/>
+      </a:lnRef>
+      <a:fillRef idx="1">
+        <a:scrgbClr r="0" g="0" b="0"/>
+      </a:fillRef>
+      <a:effectRef idx="0">
+        <a:scrgbClr r="0" g="0" b="0"/>
+      </a:effectRef>
+      <a:fontRef idx="minor"/>
+    </dgm:style>
+  </dgm:styleLbl>
+  <dgm:styleLbl name="alignAccFollowNode1">
+    <dgm:scene3d>
+      <a:camera prst="orthographicFront"/>
+      <a:lightRig rig="threePt" dir="t"/>
+    </dgm:scene3d>
+    <dgm:sp3d/>
+    <dgm:txPr/>
+    <dgm:style>
+      <a:lnRef idx="2">
+        <a:scrgbClr r="0" g="0" b="0"/>
+      </a:lnRef>
+      <a:fillRef idx="1">
+        <a:scrgbClr r="0" g="0" b="0"/>
+      </a:fillRef>
+      <a:effectRef idx="0">
+        <a:scrgbClr r="0" g="0" b="0"/>
+      </a:effectRef>
+      <a:fontRef idx="minor"/>
+    </dgm:style>
+  </dgm:styleLbl>
+  <dgm:styleLbl name="bgAccFollowNode1">
+    <dgm:scene3d>
+      <a:camera prst="orthographicFront"/>
+      <a:lightRig rig="threePt" dir="t"/>
+    </dgm:scene3d>
+    <dgm:sp3d/>
+    <dgm:txPr/>
+    <dgm:style>
+      <a:lnRef idx="2">
+        <a:scrgbClr r="0" g="0" b="0"/>
+      </a:lnRef>
+      <a:fillRef idx="1">
+        <a:scrgbClr r="0" g="0" b="0"/>
+      </a:fillRef>
+      <a:effectRef idx="0">
+        <a:scrgbClr r="0" g="0" b="0"/>
+      </a:effectRef>
+      <a:fontRef idx="minor"/>
+    </dgm:style>
+  </dgm:styleLbl>
+  <dgm:styleLbl name="fgAcc0">
+    <dgm:scene3d>
+      <a:camera prst="orthographicFront"/>
+      <a:lightRig rig="threePt" dir="t"/>
+    </dgm:scene3d>
+    <dgm:sp3d/>
+    <dgm:txPr/>
+    <dgm:style>
+      <a:lnRef idx="2">
+        <a:scrgbClr r="0" g="0" b="0"/>
+      </a:lnRef>
+      <a:fillRef idx="1">
+        <a:scrgbClr r="0" g="0" b="0"/>
+      </a:fillRef>
+      <a:effectRef idx="0">
+        <a:scrgbClr r="0" g="0" b="0"/>
+      </a:effectRef>
+      <a:fontRef idx="minor"/>
+    </dgm:style>
+  </dgm:styleLbl>
+  <dgm:styleLbl name="fgAcc2">
+    <dgm:scene3d>
+      <a:camera prst="orthographicFront"/>
+      <a:lightRig rig="threePt" dir="t"/>
+    </dgm:scene3d>
+    <dgm:sp3d/>
+    <dgm:txPr/>
+    <dgm:style>
+      <a:lnRef idx="2">
+        <a:scrgbClr r="0" g="0" b="0"/>
+      </a:lnRef>
+      <a:fillRef idx="1">
+        <a:scrgbClr r="0" g="0" b="0"/>
+      </a:fillRef>
+      <a:effectRef idx="0">
+        <a:scrgbClr r="0" g="0" b="0"/>
+      </a:effectRef>
+      <a:fontRef idx="minor"/>
+    </dgm:style>
+  </dgm:styleLbl>
+  <dgm:styleLbl name="fgAcc3">
+    <dgm:scene3d>
+      <a:camera prst="orthographicFront"/>
+      <a:lightRig rig="threePt" dir="t"/>
+    </dgm:scene3d>
+    <dgm:sp3d/>
+    <dgm:txPr/>
+    <dgm:style>
+      <a:lnRef idx="2">
+        <a:scrgbClr r="0" g="0" b="0"/>
+      </a:lnRef>
+      <a:fillRef idx="1">
+        <a:scrgbClr r="0" g="0" b="0"/>
+      </a:fillRef>
+      <a:effectRef idx="0">
+        <a:scrgbClr r="0" g="0" b="0"/>
+      </a:effectRef>
+      <a:fontRef idx="minor"/>
+    </dgm:style>
+  </dgm:styleLbl>
+  <dgm:styleLbl name="fgAcc4">
+    <dgm:scene3d>
+      <a:camera prst="orthographicFront"/>
+      <a:lightRig rig="threePt" dir="t"/>
+    </dgm:scene3d>
+    <dgm:sp3d/>
+    <dgm:txPr/>
+    <dgm:style>
+      <a:lnRef idx="2">
+        <a:scrgbClr r="0" g="0" b="0"/>
+      </a:lnRef>
+      <a:fillRef idx="1">
+        <a:scrgbClr r="0" g="0" b="0"/>
+      </a:fillRef>
+      <a:effectRef idx="0">
+        <a:scrgbClr r="0" g="0" b="0"/>
+      </a:effectRef>
+      <a:fontRef idx="minor"/>
+    </dgm:style>
+  </dgm:styleLbl>
+  <dgm:styleLbl name="bgShp">
+    <dgm:scene3d>
+      <a:camera prst="orthographicFront"/>
+      <a:lightRig rig="threePt" dir="t"/>
+    </dgm:scene3d>
+    <dgm:sp3d/>
+    <dgm:txPr/>
+    <dgm:style>
+      <a:lnRef idx="0">
+        <a:scrgbClr r="0" g="0" b="0"/>
+      </a:lnRef>
+      <a:fillRef idx="1">
+        <a:scrgbClr r="0" g="0" b="0"/>
+      </a:fillRef>
+      <a:effectRef idx="0">
+        <a:scrgbClr r="0" g="0" b="0"/>
+      </a:effectRef>
+      <a:fontRef idx="minor"/>
+    </dgm:style>
+  </dgm:styleLbl>
+  <dgm:styleLbl name="dkBgShp">
+    <dgm:scene3d>
+      <a:camera prst="orthographicFront"/>
+      <a:lightRig rig="threePt" dir="t"/>
+    </dgm:scene3d>
+    <dgm:sp3d/>
+    <dgm:txPr/>
+    <dgm:style>
+      <a:lnRef idx="0">
+        <a:scrgbClr r="0" g="0" b="0"/>
+      </a:lnRef>
+      <a:fillRef idx="1">
+        <a:scrgbClr r="0" g="0" b="0"/>
+      </a:fillRef>
+      <a:effectRef idx="0">
+        <a:scrgbClr r="0" g="0" b="0"/>
+      </a:effectRef>
+      <a:fontRef idx="minor"/>
+    </dgm:style>
+  </dgm:styleLbl>
+  <dgm:styleLbl name="trBgShp">
+    <dgm:scene3d>
+      <a:camera prst="orthographicFront"/>
+      <a:lightRig rig="threePt" dir="t"/>
+    </dgm:scene3d>
+    <dgm:sp3d/>
+    <dgm:txPr/>
+    <dgm:style>
+      <a:lnRef idx="0">
+        <a:scrgbClr r="0" g="0" b="0"/>
+      </a:lnRef>
+      <a:fillRef idx="1">
+        <a:scrgbClr r="0" g="0" b="0"/>
+      </a:fillRef>
+      <a:effectRef idx="0">
+        <a:scrgbClr r="0" g="0" b="0"/>
+      </a:effectRef>
+      <a:fontRef idx="minor"/>
+    </dgm:style>
+  </dgm:styleLbl>
+  <dgm:styleLbl name="fgShp">
+    <dgm:scene3d>
+      <a:camera prst="orthographicFront"/>
+      <a:lightRig rig="threePt" dir="t"/>
+    </dgm:scene3d>
+    <dgm:sp3d/>
+    <dgm:txPr/>
+    <dgm:style>
+      <a:lnRef idx="2">
+        <a:scrgbClr r="0" g="0" b="0"/>
+      </a:lnRef>
+      <a:fillRef idx="1">
+        <a:scrgbClr r="0" g="0" b="0"/>
+      </a:fillRef>
+      <a:effectRef idx="0">
+        <a:scrgbClr r="0" g="0" b="0"/>
+      </a:effectRef>
+      <a:fontRef idx="minor"/>
+    </dgm:style>
+  </dgm:styleLbl>
+  <dgm:styleLbl name="revTx">
+    <dgm:scene3d>
+      <a:camera prst="orthographicFront"/>
+      <a:lightRig rig="threePt" dir="t"/>
+    </dgm:scene3d>
+    <dgm:sp3d/>
+    <dgm:txPr/>
+    <dgm:style>
+      <a:lnRef idx="0">
+        <a:scrgbClr r="0" g="0" b="0"/>
+      </a:lnRef>
+      <a:fillRef idx="0">
+        <a:scrgbClr r="0" g="0" b="0"/>
+      </a:fillRef>
+      <a:effectRef idx="0">
+        <a:scrgbClr r="0" g="0" b="0"/>
+      </a:effectRef>
+      <a:fontRef idx="minor"/>
+    </dgm:style>
+  </dgm:styleLbl>
+</dgm:styleDef>
+</file>
+
 <file path=ppt/notesMasters/notesMaster1.xml><?xml version="1.0" encoding="utf-8"?>
 <p:notesMaster xmlns:a="http://schemas.openxmlformats.org/drawingml/2006/main" xmlns:r="http://schemas.openxmlformats.org/officeDocument/2006/relationships" xmlns:p="http://schemas.openxmlformats.org/presentationml/2006/main">
   <p:cSld>
@@ -2179,6 +4978,90 @@
 </p:notes>
 </file>
 
+<file path=ppt/notesSlides/notesSlide10.xml><?xml version="1.0" encoding="utf-8"?>
+<p:notes xmlns:a="http://schemas.openxmlformats.org/drawingml/2006/main" xmlns:r="http://schemas.openxmlformats.org/officeDocument/2006/relationships" xmlns:p="http://schemas.openxmlformats.org/presentationml/2006/main">
+  <p:cSld>
+    <p:spTree>
+      <p:nvGrpSpPr>
+        <p:cNvPr id="1" name=""/>
+        <p:cNvGrpSpPr/>
+        <p:nvPr/>
+      </p:nvGrpSpPr>
+      <p:grpSpPr>
+        <a:xfrm>
+          <a:off x="0" y="0"/>
+          <a:ext cx="0" cy="0"/>
+          <a:chOff x="0" y="0"/>
+          <a:chExt cx="0" cy="0"/>
+        </a:xfrm>
+      </p:grpSpPr>
+      <p:sp>
+        <p:nvSpPr>
+          <p:cNvPr id="2" name="Slide Image Placeholder 1"/>
+          <p:cNvSpPr>
+            <a:spLocks noGrp="1" noRot="1" noChangeAspect="1"/>
+          </p:cNvSpPr>
+          <p:nvPr>
+            <p:ph type="sldImg"/>
+          </p:nvPr>
+        </p:nvSpPr>
+        <p:spPr/>
+      </p:sp>
+      <p:sp>
+        <p:nvSpPr>
+          <p:cNvPr id="3" name="Notes Placeholder 2"/>
+          <p:cNvSpPr>
+            <a:spLocks noGrp="1"/>
+          </p:cNvSpPr>
+          <p:nvPr>
+            <p:ph type="body" idx="1"/>
+          </p:nvPr>
+        </p:nvSpPr>
+        <p:spPr/>
+        <p:txBody>
+          <a:bodyPr/>
+          <a:lstStyle/>
+          <a:p>
+            <a:endParaRPr lang="en-US" dirty="0"/>
+          </a:p>
+        </p:txBody>
+      </p:sp>
+      <p:sp>
+        <p:nvSpPr>
+          <p:cNvPr id="4" name="Slide Number Placeholder 3"/>
+          <p:cNvSpPr>
+            <a:spLocks noGrp="1"/>
+          </p:cNvSpPr>
+          <p:nvPr>
+            <p:ph type="sldNum" sz="quarter" idx="5"/>
+          </p:nvPr>
+        </p:nvSpPr>
+        <p:spPr/>
+        <p:txBody>
+          <a:bodyPr/>
+          <a:lstStyle/>
+          <a:p>
+            <a:fld id="{791F1524-C5FD-4370-8A10-5BE52A97A495}" type="slidenum">
+              <a:rPr lang="en-US" smtClean="0"/>
+              <a:t>16</a:t>
+            </a:fld>
+            <a:endParaRPr lang="en-US"/>
+          </a:p>
+        </p:txBody>
+      </p:sp>
+    </p:spTree>
+    <p:extLst>
+      <p:ext uri="{BB962C8B-B14F-4D97-AF65-F5344CB8AC3E}">
+        <p14:creationId xmlns:p14="http://schemas.microsoft.com/office/powerpoint/2010/main" val="3603489253"/>
+      </p:ext>
+    </p:extLst>
+  </p:cSld>
+  <p:clrMapOvr>
+    <a:masterClrMapping/>
+  </p:clrMapOvr>
+</p:notes>
+</file>
+
 <file path=ppt/notesSlides/notesSlide2.xml><?xml version="1.0" encoding="utf-8"?>
 <p:notes xmlns:a="http://schemas.openxmlformats.org/drawingml/2006/main" xmlns:r="http://schemas.openxmlformats.org/officeDocument/2006/relationships" xmlns:p="http://schemas.openxmlformats.org/presentationml/2006/main">
   <p:cSld>
@@ -2328,7 +5211,7 @@
           <a:p>
             <a:fld id="{791F1524-C5FD-4370-8A10-5BE52A97A495}" type="slidenum">
               <a:rPr lang="en-US" smtClean="0"/>
-              <a:t>6</a:t>
+              <a:t>5</a:t>
             </a:fld>
             <a:endParaRPr lang="en-US"/>
           </a:p>
@@ -2337,7 +5220,531 @@
     </p:spTree>
     <p:extLst>
       <p:ext uri="{BB962C8B-B14F-4D97-AF65-F5344CB8AC3E}">
-        <p14:creationId xmlns:p14="http://schemas.microsoft.com/office/powerpoint/2010/main" val="3603489253"/>
+        <p14:creationId xmlns:p14="http://schemas.microsoft.com/office/powerpoint/2010/main" val="3871265706"/>
+      </p:ext>
+    </p:extLst>
+  </p:cSld>
+  <p:clrMapOvr>
+    <a:masterClrMapping/>
+  </p:clrMapOvr>
+</p:notes>
+</file>
+
+<file path=ppt/notesSlides/notesSlide4.xml><?xml version="1.0" encoding="utf-8"?>
+<p:notes xmlns:a="http://schemas.openxmlformats.org/drawingml/2006/main" xmlns:r="http://schemas.openxmlformats.org/officeDocument/2006/relationships" xmlns:p="http://schemas.openxmlformats.org/presentationml/2006/main">
+  <p:cSld>
+    <p:spTree>
+      <p:nvGrpSpPr>
+        <p:cNvPr id="1" name=""/>
+        <p:cNvGrpSpPr/>
+        <p:nvPr/>
+      </p:nvGrpSpPr>
+      <p:grpSpPr>
+        <a:xfrm>
+          <a:off x="0" y="0"/>
+          <a:ext cx="0" cy="0"/>
+          <a:chOff x="0" y="0"/>
+          <a:chExt cx="0" cy="0"/>
+        </a:xfrm>
+      </p:grpSpPr>
+      <p:sp>
+        <p:nvSpPr>
+          <p:cNvPr id="2" name="Slide Image Placeholder 1"/>
+          <p:cNvSpPr>
+            <a:spLocks noGrp="1" noRot="1" noChangeAspect="1"/>
+          </p:cNvSpPr>
+          <p:nvPr>
+            <p:ph type="sldImg"/>
+          </p:nvPr>
+        </p:nvSpPr>
+        <p:spPr/>
+      </p:sp>
+      <p:sp>
+        <p:nvSpPr>
+          <p:cNvPr id="3" name="Notes Placeholder 2"/>
+          <p:cNvSpPr>
+            <a:spLocks noGrp="1"/>
+          </p:cNvSpPr>
+          <p:nvPr>
+            <p:ph type="body" idx="1"/>
+          </p:nvPr>
+        </p:nvSpPr>
+        <p:spPr/>
+        <p:txBody>
+          <a:bodyPr/>
+          <a:lstStyle/>
+          <a:p>
+            <a:endParaRPr lang="en-US" dirty="0"/>
+          </a:p>
+        </p:txBody>
+      </p:sp>
+      <p:sp>
+        <p:nvSpPr>
+          <p:cNvPr id="4" name="Slide Number Placeholder 3"/>
+          <p:cNvSpPr>
+            <a:spLocks noGrp="1"/>
+          </p:cNvSpPr>
+          <p:nvPr>
+            <p:ph type="sldNum" sz="quarter" idx="5"/>
+          </p:nvPr>
+        </p:nvSpPr>
+        <p:spPr/>
+        <p:txBody>
+          <a:bodyPr/>
+          <a:lstStyle/>
+          <a:p>
+            <a:fld id="{791F1524-C5FD-4370-8A10-5BE52A97A495}" type="slidenum">
+              <a:rPr lang="en-US" smtClean="0"/>
+              <a:t>7</a:t>
+            </a:fld>
+            <a:endParaRPr lang="en-US"/>
+          </a:p>
+        </p:txBody>
+      </p:sp>
+    </p:spTree>
+    <p:extLst>
+      <p:ext uri="{BB962C8B-B14F-4D97-AF65-F5344CB8AC3E}">
+        <p14:creationId xmlns:p14="http://schemas.microsoft.com/office/powerpoint/2010/main" val="229587388"/>
+      </p:ext>
+    </p:extLst>
+  </p:cSld>
+  <p:clrMapOvr>
+    <a:masterClrMapping/>
+  </p:clrMapOvr>
+</p:notes>
+</file>
+
+<file path=ppt/notesSlides/notesSlide5.xml><?xml version="1.0" encoding="utf-8"?>
+<p:notes xmlns:a="http://schemas.openxmlformats.org/drawingml/2006/main" xmlns:r="http://schemas.openxmlformats.org/officeDocument/2006/relationships" xmlns:p="http://schemas.openxmlformats.org/presentationml/2006/main">
+  <p:cSld>
+    <p:spTree>
+      <p:nvGrpSpPr>
+        <p:cNvPr id="1" name=""/>
+        <p:cNvGrpSpPr/>
+        <p:nvPr/>
+      </p:nvGrpSpPr>
+      <p:grpSpPr>
+        <a:xfrm>
+          <a:off x="0" y="0"/>
+          <a:ext cx="0" cy="0"/>
+          <a:chOff x="0" y="0"/>
+          <a:chExt cx="0" cy="0"/>
+        </a:xfrm>
+      </p:grpSpPr>
+      <p:sp>
+        <p:nvSpPr>
+          <p:cNvPr id="2" name="Slide Image Placeholder 1"/>
+          <p:cNvSpPr>
+            <a:spLocks noGrp="1" noRot="1" noChangeAspect="1"/>
+          </p:cNvSpPr>
+          <p:nvPr>
+            <p:ph type="sldImg"/>
+          </p:nvPr>
+        </p:nvSpPr>
+        <p:spPr/>
+      </p:sp>
+      <p:sp>
+        <p:nvSpPr>
+          <p:cNvPr id="3" name="Notes Placeholder 2"/>
+          <p:cNvSpPr>
+            <a:spLocks noGrp="1"/>
+          </p:cNvSpPr>
+          <p:nvPr>
+            <p:ph type="body" idx="1"/>
+          </p:nvPr>
+        </p:nvSpPr>
+        <p:spPr/>
+        <p:txBody>
+          <a:bodyPr/>
+          <a:lstStyle/>
+          <a:p>
+            <a:r>
+              <a:rPr lang="en-US" dirty="0"/>
+              <a:t>Hastie, </a:t>
+            </a:r>
+            <a:r>
+              <a:rPr lang="en-US" dirty="0" err="1"/>
+              <a:t>Tibshirani</a:t>
+            </a:r>
+            <a:r>
+              <a:rPr lang="en-US" dirty="0"/>
+              <a:t>, Friedman “Elements of Statistical Learning” 2001</a:t>
+            </a:r>
+          </a:p>
+        </p:txBody>
+      </p:sp>
+      <p:sp>
+        <p:nvSpPr>
+          <p:cNvPr id="4" name="Slide Number Placeholder 3"/>
+          <p:cNvSpPr>
+            <a:spLocks noGrp="1"/>
+          </p:cNvSpPr>
+          <p:nvPr>
+            <p:ph type="sldNum" sz="quarter" idx="5"/>
+          </p:nvPr>
+        </p:nvSpPr>
+        <p:spPr/>
+        <p:txBody>
+          <a:bodyPr/>
+          <a:lstStyle/>
+          <a:p>
+            <a:fld id="{791F1524-C5FD-4370-8A10-5BE52A97A495}" type="slidenum">
+              <a:rPr lang="en-US" smtClean="0"/>
+              <a:t>8</a:t>
+            </a:fld>
+            <a:endParaRPr lang="en-US"/>
+          </a:p>
+        </p:txBody>
+      </p:sp>
+    </p:spTree>
+    <p:extLst>
+      <p:ext uri="{BB962C8B-B14F-4D97-AF65-F5344CB8AC3E}">
+        <p14:creationId xmlns:p14="http://schemas.microsoft.com/office/powerpoint/2010/main" val="2854027094"/>
+      </p:ext>
+    </p:extLst>
+  </p:cSld>
+  <p:clrMapOvr>
+    <a:masterClrMapping/>
+  </p:clrMapOvr>
+</p:notes>
+</file>
+
+<file path=ppt/notesSlides/notesSlide6.xml><?xml version="1.0" encoding="utf-8"?>
+<p:notes xmlns:a="http://schemas.openxmlformats.org/drawingml/2006/main" xmlns:r="http://schemas.openxmlformats.org/officeDocument/2006/relationships" xmlns:p="http://schemas.openxmlformats.org/presentationml/2006/main">
+  <p:cSld>
+    <p:spTree>
+      <p:nvGrpSpPr>
+        <p:cNvPr id="1" name=""/>
+        <p:cNvGrpSpPr/>
+        <p:nvPr/>
+      </p:nvGrpSpPr>
+      <p:grpSpPr>
+        <a:xfrm>
+          <a:off x="0" y="0"/>
+          <a:ext cx="0" cy="0"/>
+          <a:chOff x="0" y="0"/>
+          <a:chExt cx="0" cy="0"/>
+        </a:xfrm>
+      </p:grpSpPr>
+      <p:sp>
+        <p:nvSpPr>
+          <p:cNvPr id="2" name="Slide Image Placeholder 1"/>
+          <p:cNvSpPr>
+            <a:spLocks noGrp="1" noRot="1" noChangeAspect="1"/>
+          </p:cNvSpPr>
+          <p:nvPr>
+            <p:ph type="sldImg"/>
+          </p:nvPr>
+        </p:nvSpPr>
+        <p:spPr/>
+      </p:sp>
+      <p:sp>
+        <p:nvSpPr>
+          <p:cNvPr id="3" name="Notes Placeholder 2"/>
+          <p:cNvSpPr>
+            <a:spLocks noGrp="1"/>
+          </p:cNvSpPr>
+          <p:nvPr>
+            <p:ph type="body" idx="1"/>
+          </p:nvPr>
+        </p:nvSpPr>
+        <p:spPr/>
+        <p:txBody>
+          <a:bodyPr/>
+          <a:lstStyle/>
+          <a:p>
+            <a:endParaRPr lang="en-US" dirty="0"/>
+          </a:p>
+        </p:txBody>
+      </p:sp>
+      <p:sp>
+        <p:nvSpPr>
+          <p:cNvPr id="4" name="Slide Number Placeholder 3"/>
+          <p:cNvSpPr>
+            <a:spLocks noGrp="1"/>
+          </p:cNvSpPr>
+          <p:nvPr>
+            <p:ph type="sldNum" sz="quarter" idx="5"/>
+          </p:nvPr>
+        </p:nvSpPr>
+        <p:spPr/>
+        <p:txBody>
+          <a:bodyPr/>
+          <a:lstStyle/>
+          <a:p>
+            <a:fld id="{791F1524-C5FD-4370-8A10-5BE52A97A495}" type="slidenum">
+              <a:rPr lang="en-US" smtClean="0"/>
+              <a:t>9</a:t>
+            </a:fld>
+            <a:endParaRPr lang="en-US"/>
+          </a:p>
+        </p:txBody>
+      </p:sp>
+    </p:spTree>
+    <p:extLst>
+      <p:ext uri="{BB962C8B-B14F-4D97-AF65-F5344CB8AC3E}">
+        <p14:creationId xmlns:p14="http://schemas.microsoft.com/office/powerpoint/2010/main" val="2615824073"/>
+      </p:ext>
+    </p:extLst>
+  </p:cSld>
+  <p:clrMapOvr>
+    <a:masterClrMapping/>
+  </p:clrMapOvr>
+</p:notes>
+</file>
+
+<file path=ppt/notesSlides/notesSlide7.xml><?xml version="1.0" encoding="utf-8"?>
+<p:notes xmlns:a="http://schemas.openxmlformats.org/drawingml/2006/main" xmlns:r="http://schemas.openxmlformats.org/officeDocument/2006/relationships" xmlns:p="http://schemas.openxmlformats.org/presentationml/2006/main">
+  <p:cSld>
+    <p:spTree>
+      <p:nvGrpSpPr>
+        <p:cNvPr id="1" name=""/>
+        <p:cNvGrpSpPr/>
+        <p:nvPr/>
+      </p:nvGrpSpPr>
+      <p:grpSpPr>
+        <a:xfrm>
+          <a:off x="0" y="0"/>
+          <a:ext cx="0" cy="0"/>
+          <a:chOff x="0" y="0"/>
+          <a:chExt cx="0" cy="0"/>
+        </a:xfrm>
+      </p:grpSpPr>
+      <p:sp>
+        <p:nvSpPr>
+          <p:cNvPr id="2" name="Slide Image Placeholder 1"/>
+          <p:cNvSpPr>
+            <a:spLocks noGrp="1" noRot="1" noChangeAspect="1"/>
+          </p:cNvSpPr>
+          <p:nvPr>
+            <p:ph type="sldImg"/>
+          </p:nvPr>
+        </p:nvSpPr>
+        <p:spPr/>
+      </p:sp>
+      <p:sp>
+        <p:nvSpPr>
+          <p:cNvPr id="3" name="Notes Placeholder 2"/>
+          <p:cNvSpPr>
+            <a:spLocks noGrp="1"/>
+          </p:cNvSpPr>
+          <p:nvPr>
+            <p:ph type="body" idx="1"/>
+          </p:nvPr>
+        </p:nvSpPr>
+        <p:spPr/>
+        <p:txBody>
+          <a:bodyPr/>
+          <a:lstStyle/>
+          <a:p>
+            <a:r>
+              <a:rPr lang="en-US" dirty="0"/>
+              <a:t>http://people.csail.mit.edu/dsontag/courses/ml12/slides/lecture12.pdf</a:t>
+            </a:r>
+          </a:p>
+        </p:txBody>
+      </p:sp>
+      <p:sp>
+        <p:nvSpPr>
+          <p:cNvPr id="4" name="Slide Number Placeholder 3"/>
+          <p:cNvSpPr>
+            <a:spLocks noGrp="1"/>
+          </p:cNvSpPr>
+          <p:nvPr>
+            <p:ph type="sldNum" sz="quarter" idx="5"/>
+          </p:nvPr>
+        </p:nvSpPr>
+        <p:spPr/>
+        <p:txBody>
+          <a:bodyPr/>
+          <a:lstStyle/>
+          <a:p>
+            <a:fld id="{791F1524-C5FD-4370-8A10-5BE52A97A495}" type="slidenum">
+              <a:rPr lang="en-US" smtClean="0"/>
+              <a:t>11</a:t>
+            </a:fld>
+            <a:endParaRPr lang="en-US"/>
+          </a:p>
+        </p:txBody>
+      </p:sp>
+    </p:spTree>
+    <p:extLst>
+      <p:ext uri="{BB962C8B-B14F-4D97-AF65-F5344CB8AC3E}">
+        <p14:creationId xmlns:p14="http://schemas.microsoft.com/office/powerpoint/2010/main" val="1228026649"/>
+      </p:ext>
+    </p:extLst>
+  </p:cSld>
+  <p:clrMapOvr>
+    <a:masterClrMapping/>
+  </p:clrMapOvr>
+</p:notes>
+</file>
+
+<file path=ppt/notesSlides/notesSlide8.xml><?xml version="1.0" encoding="utf-8"?>
+<p:notes xmlns:a="http://schemas.openxmlformats.org/drawingml/2006/main" xmlns:r="http://schemas.openxmlformats.org/officeDocument/2006/relationships" xmlns:p="http://schemas.openxmlformats.org/presentationml/2006/main">
+  <p:cSld>
+    <p:spTree>
+      <p:nvGrpSpPr>
+        <p:cNvPr id="1" name=""/>
+        <p:cNvGrpSpPr/>
+        <p:nvPr/>
+      </p:nvGrpSpPr>
+      <p:grpSpPr>
+        <a:xfrm>
+          <a:off x="0" y="0"/>
+          <a:ext cx="0" cy="0"/>
+          <a:chOff x="0" y="0"/>
+          <a:chExt cx="0" cy="0"/>
+        </a:xfrm>
+      </p:grpSpPr>
+      <p:sp>
+        <p:nvSpPr>
+          <p:cNvPr id="2" name="Slide Image Placeholder 1"/>
+          <p:cNvSpPr>
+            <a:spLocks noGrp="1" noRot="1" noChangeAspect="1"/>
+          </p:cNvSpPr>
+          <p:nvPr>
+            <p:ph type="sldImg"/>
+          </p:nvPr>
+        </p:nvSpPr>
+        <p:spPr/>
+      </p:sp>
+      <p:sp>
+        <p:nvSpPr>
+          <p:cNvPr id="3" name="Notes Placeholder 2"/>
+          <p:cNvSpPr>
+            <a:spLocks noGrp="1"/>
+          </p:cNvSpPr>
+          <p:nvPr>
+            <p:ph type="body" idx="1"/>
+          </p:nvPr>
+        </p:nvSpPr>
+        <p:spPr/>
+        <p:txBody>
+          <a:bodyPr/>
+          <a:lstStyle/>
+          <a:p>
+            <a:r>
+              <a:rPr lang="en-US" dirty="0"/>
+              <a:t>https://towardsdatascience.com/ensemble-learning-bagging-boosting-3098079e5422</a:t>
+            </a:r>
+          </a:p>
+        </p:txBody>
+      </p:sp>
+      <p:sp>
+        <p:nvSpPr>
+          <p:cNvPr id="4" name="Slide Number Placeholder 3"/>
+          <p:cNvSpPr>
+            <a:spLocks noGrp="1"/>
+          </p:cNvSpPr>
+          <p:nvPr>
+            <p:ph type="sldNum" sz="quarter" idx="5"/>
+          </p:nvPr>
+        </p:nvSpPr>
+        <p:spPr/>
+        <p:txBody>
+          <a:bodyPr/>
+          <a:lstStyle/>
+          <a:p>
+            <a:fld id="{791F1524-C5FD-4370-8A10-5BE52A97A495}" type="slidenum">
+              <a:rPr lang="en-US" smtClean="0"/>
+              <a:t>13</a:t>
+            </a:fld>
+            <a:endParaRPr lang="en-US"/>
+          </a:p>
+        </p:txBody>
+      </p:sp>
+    </p:spTree>
+    <p:extLst>
+      <p:ext uri="{BB962C8B-B14F-4D97-AF65-F5344CB8AC3E}">
+        <p14:creationId xmlns:p14="http://schemas.microsoft.com/office/powerpoint/2010/main" val="2884960765"/>
+      </p:ext>
+    </p:extLst>
+  </p:cSld>
+  <p:clrMapOvr>
+    <a:masterClrMapping/>
+  </p:clrMapOvr>
+</p:notes>
+</file>
+
+<file path=ppt/notesSlides/notesSlide9.xml><?xml version="1.0" encoding="utf-8"?>
+<p:notes xmlns:a="http://schemas.openxmlformats.org/drawingml/2006/main" xmlns:r="http://schemas.openxmlformats.org/officeDocument/2006/relationships" xmlns:p="http://schemas.openxmlformats.org/presentationml/2006/main">
+  <p:cSld>
+    <p:spTree>
+      <p:nvGrpSpPr>
+        <p:cNvPr id="1" name=""/>
+        <p:cNvGrpSpPr/>
+        <p:nvPr/>
+      </p:nvGrpSpPr>
+      <p:grpSpPr>
+        <a:xfrm>
+          <a:off x="0" y="0"/>
+          <a:ext cx="0" cy="0"/>
+          <a:chOff x="0" y="0"/>
+          <a:chExt cx="0" cy="0"/>
+        </a:xfrm>
+      </p:grpSpPr>
+      <p:sp>
+        <p:nvSpPr>
+          <p:cNvPr id="2" name="Slide Image Placeholder 1"/>
+          <p:cNvSpPr>
+            <a:spLocks noGrp="1" noRot="1" noChangeAspect="1"/>
+          </p:cNvSpPr>
+          <p:nvPr>
+            <p:ph type="sldImg"/>
+          </p:nvPr>
+        </p:nvSpPr>
+        <p:spPr/>
+      </p:sp>
+      <p:sp>
+        <p:nvSpPr>
+          <p:cNvPr id="3" name="Notes Placeholder 2"/>
+          <p:cNvSpPr>
+            <a:spLocks noGrp="1"/>
+          </p:cNvSpPr>
+          <p:nvPr>
+            <p:ph type="body" idx="1"/>
+          </p:nvPr>
+        </p:nvSpPr>
+        <p:spPr/>
+        <p:txBody>
+          <a:bodyPr/>
+          <a:lstStyle/>
+          <a:p>
+            <a:r>
+              <a:rPr lang="en-US" dirty="0"/>
+              <a:t>https://www.analyticsvidhya.com/blog/2020/05/decision-tree-vs-random-forest-algorithm/</a:t>
+            </a:r>
+          </a:p>
+        </p:txBody>
+      </p:sp>
+      <p:sp>
+        <p:nvSpPr>
+          <p:cNvPr id="4" name="Slide Number Placeholder 3"/>
+          <p:cNvSpPr>
+            <a:spLocks noGrp="1"/>
+          </p:cNvSpPr>
+          <p:nvPr>
+            <p:ph type="sldNum" sz="quarter" idx="5"/>
+          </p:nvPr>
+        </p:nvSpPr>
+        <p:spPr/>
+        <p:txBody>
+          <a:bodyPr/>
+          <a:lstStyle/>
+          <a:p>
+            <a:fld id="{791F1524-C5FD-4370-8A10-5BE52A97A495}" type="slidenum">
+              <a:rPr lang="en-US" smtClean="0"/>
+              <a:t>15</a:t>
+            </a:fld>
+            <a:endParaRPr lang="en-US"/>
+          </a:p>
+        </p:txBody>
+      </p:sp>
+    </p:spTree>
+    <p:extLst>
+      <p:ext uri="{BB962C8B-B14F-4D97-AF65-F5344CB8AC3E}">
+        <p14:creationId xmlns:p14="http://schemas.microsoft.com/office/powerpoint/2010/main" val="2185338582"/>
       </p:ext>
     </p:extLst>
   </p:cSld>
@@ -5695,6 +9102,1185 @@
 </p:sld>
 </file>
 
+<file path=ppt/slides/slide10.xml><?xml version="1.0" encoding="utf-8"?>
+<p:sld xmlns:a="http://schemas.openxmlformats.org/drawingml/2006/main" xmlns:r="http://schemas.openxmlformats.org/officeDocument/2006/relationships" xmlns:p="http://schemas.openxmlformats.org/presentationml/2006/main">
+  <p:cSld>
+    <p:spTree>
+      <p:nvGrpSpPr>
+        <p:cNvPr id="1" name=""/>
+        <p:cNvGrpSpPr/>
+        <p:nvPr/>
+      </p:nvGrpSpPr>
+      <p:grpSpPr>
+        <a:xfrm>
+          <a:off x="0" y="0"/>
+          <a:ext cx="0" cy="0"/>
+          <a:chOff x="0" y="0"/>
+          <a:chExt cx="0" cy="0"/>
+        </a:xfrm>
+      </p:grpSpPr>
+      <p:sp>
+        <p:nvSpPr>
+          <p:cNvPr id="2" name="Title 1">
+            <a:extLst>
+              <a:ext uri="{FF2B5EF4-FFF2-40B4-BE49-F238E27FC236}">
+                <a16:creationId xmlns:a16="http://schemas.microsoft.com/office/drawing/2014/main" id="{3B2C3158-93AC-42EB-925B-0A36661D757B}"/>
+              </a:ext>
+            </a:extLst>
+          </p:cNvPr>
+          <p:cNvSpPr>
+            <a:spLocks noGrp="1"/>
+          </p:cNvSpPr>
+          <p:nvPr>
+            <p:ph type="title"/>
+          </p:nvPr>
+        </p:nvSpPr>
+        <p:spPr/>
+        <p:txBody>
+          <a:bodyPr/>
+          <a:lstStyle/>
+          <a:p>
+            <a:r>
+              <a:rPr lang="en-US" dirty="0"/>
+              <a:t>Bootstrapping</a:t>
+            </a:r>
+          </a:p>
+        </p:txBody>
+      </p:sp>
+      <p:sp>
+        <p:nvSpPr>
+          <p:cNvPr id="3" name="Content Placeholder 2">
+            <a:extLst>
+              <a:ext uri="{FF2B5EF4-FFF2-40B4-BE49-F238E27FC236}">
+                <a16:creationId xmlns:a16="http://schemas.microsoft.com/office/drawing/2014/main" id="{0BB3C514-9BA9-4D9F-8B1A-7BAC3B5C3527}"/>
+              </a:ext>
+            </a:extLst>
+          </p:cNvPr>
+          <p:cNvSpPr>
+            <a:spLocks noGrp="1"/>
+          </p:cNvSpPr>
+          <p:nvPr>
+            <p:ph idx="1"/>
+          </p:nvPr>
+        </p:nvSpPr>
+        <p:spPr/>
+        <p:txBody>
+          <a:bodyPr/>
+          <a:lstStyle/>
+          <a:p>
+            <a:r>
+              <a:rPr lang="en-US" dirty="0"/>
+              <a:t>Bootstrapping – random sample with replacement.</a:t>
+            </a:r>
+          </a:p>
+          <a:p>
+            <a:r>
+              <a:rPr lang="en-US" dirty="0"/>
+              <a:t>This method helps understand the bias and variance in a dataset</a:t>
+            </a:r>
+          </a:p>
+          <a:p>
+            <a:r>
+              <a:rPr lang="en-US" dirty="0"/>
+              <a:t>Basically, this is sampling with replacement, also called resampling</a:t>
+            </a:r>
+          </a:p>
+          <a:p>
+            <a:endParaRPr lang="en-US" dirty="0"/>
+          </a:p>
+          <a:p>
+            <a:endParaRPr lang="en-US" dirty="0"/>
+          </a:p>
+          <a:p>
+            <a:endParaRPr lang="en-US" dirty="0"/>
+          </a:p>
+          <a:p>
+            <a:endParaRPr lang="en-US" dirty="0"/>
+          </a:p>
+          <a:p>
+            <a:r>
+              <a:rPr lang="en-US" dirty="0"/>
+              <a:t>Why would we do this in practice?</a:t>
+            </a:r>
+          </a:p>
+        </p:txBody>
+      </p:sp>
+    </p:spTree>
+    <p:extLst>
+      <p:ext uri="{BB962C8B-B14F-4D97-AF65-F5344CB8AC3E}">
+        <p14:creationId xmlns:p14="http://schemas.microsoft.com/office/powerpoint/2010/main" val="1743145079"/>
+      </p:ext>
+    </p:extLst>
+  </p:cSld>
+  <p:clrMapOvr>
+    <a:masterClrMapping/>
+  </p:clrMapOvr>
+</p:sld>
+</file>
+
+<file path=ppt/slides/slide11.xml><?xml version="1.0" encoding="utf-8"?>
+<p:sld xmlns:a="http://schemas.openxmlformats.org/drawingml/2006/main" xmlns:r="http://schemas.openxmlformats.org/officeDocument/2006/relationships" xmlns:p="http://schemas.openxmlformats.org/presentationml/2006/main">
+  <p:cSld>
+    <p:bg>
+      <p:bgPr>
+        <a:solidFill>
+          <a:schemeClr val="bg1"/>
+        </a:solidFill>
+        <a:effectLst/>
+      </p:bgPr>
+    </p:bg>
+    <p:spTree>
+      <p:nvGrpSpPr>
+        <p:cNvPr id="1" name=""/>
+        <p:cNvGrpSpPr/>
+        <p:nvPr/>
+      </p:nvGrpSpPr>
+      <p:grpSpPr>
+        <a:xfrm>
+          <a:off x="0" y="0"/>
+          <a:ext cx="0" cy="0"/>
+          <a:chOff x="0" y="0"/>
+          <a:chExt cx="0" cy="0"/>
+        </a:xfrm>
+      </p:grpSpPr>
+      <p:sp>
+        <p:nvSpPr>
+          <p:cNvPr id="2" name="Title 1">
+            <a:extLst>
+              <a:ext uri="{FF2B5EF4-FFF2-40B4-BE49-F238E27FC236}">
+                <a16:creationId xmlns:a16="http://schemas.microsoft.com/office/drawing/2014/main" id="{72CA1565-EB41-4165-A57C-CB7D4376AF95}"/>
+              </a:ext>
+            </a:extLst>
+          </p:cNvPr>
+          <p:cNvSpPr>
+            <a:spLocks noGrp="1"/>
+          </p:cNvSpPr>
+          <p:nvPr>
+            <p:ph type="title"/>
+          </p:nvPr>
+        </p:nvSpPr>
+        <p:spPr>
+          <a:xfrm>
+            <a:off x="643831" y="640080"/>
+            <a:ext cx="3690425" cy="1325562"/>
+          </a:xfrm>
+        </p:spPr>
+        <p:txBody>
+          <a:bodyPr>
+            <a:normAutofit/>
+          </a:bodyPr>
+          <a:lstStyle/>
+          <a:p>
+            <a:r>
+              <a:rPr lang="en-US" sz="3200"/>
+              <a:t>Bagging</a:t>
+            </a:r>
+          </a:p>
+        </p:txBody>
+      </p:sp>
+      <p:sp>
+        <p:nvSpPr>
+          <p:cNvPr id="3" name="Content Placeholder 2">
+            <a:extLst>
+              <a:ext uri="{FF2B5EF4-FFF2-40B4-BE49-F238E27FC236}">
+                <a16:creationId xmlns:a16="http://schemas.microsoft.com/office/drawing/2014/main" id="{BDEA0BD6-FEE8-4718-B11B-8F87987CEB85}"/>
+              </a:ext>
+            </a:extLst>
+          </p:cNvPr>
+          <p:cNvSpPr>
+            <a:spLocks noGrp="1"/>
+          </p:cNvSpPr>
+          <p:nvPr>
+            <p:ph idx="1"/>
+          </p:nvPr>
+        </p:nvSpPr>
+        <p:spPr>
+          <a:xfrm>
+            <a:off x="643831" y="1936955"/>
+            <a:ext cx="3690425" cy="4243182"/>
+          </a:xfrm>
+        </p:spPr>
+        <p:txBody>
+          <a:bodyPr>
+            <a:normAutofit/>
+          </a:bodyPr>
+          <a:lstStyle/>
+          <a:p>
+            <a:r>
+              <a:rPr lang="en-US" sz="1600" dirty="0"/>
+              <a:t>Bagging - A way to decrease the variance of the model by generating additional training data</a:t>
+            </a:r>
+          </a:p>
+          <a:p>
+            <a:r>
+              <a:rPr lang="en-US" sz="1600" dirty="0"/>
+              <a:t>We take repeated bootstrapped samples, run models, and average them together to </a:t>
+            </a:r>
+            <a:r>
+              <a:rPr lang="en-US" sz="1600" u="sng" dirty="0"/>
+              <a:t>reduce variance</a:t>
+            </a:r>
+          </a:p>
+          <a:p>
+            <a:r>
+              <a:rPr lang="en-US" sz="1600" u="sng" dirty="0"/>
+              <a:t>Bagging does not typically affect bias</a:t>
+            </a:r>
+          </a:p>
+        </p:txBody>
+      </p:sp>
+      <p:pic>
+        <p:nvPicPr>
+          <p:cNvPr id="5" name="Picture 4" descr="Chart&#10;&#10;Description automatically generated">
+            <a:extLst>
+              <a:ext uri="{FF2B5EF4-FFF2-40B4-BE49-F238E27FC236}">
+                <a16:creationId xmlns:a16="http://schemas.microsoft.com/office/drawing/2014/main" id="{5082D89D-6C69-4F1A-B319-57C85602E899}"/>
+              </a:ext>
+            </a:extLst>
+          </p:cNvPr>
+          <p:cNvPicPr>
+            <a:picLocks noChangeAspect="1"/>
+          </p:cNvPicPr>
+          <p:nvPr/>
+        </p:nvPicPr>
+        <p:blipFill>
+          <a:blip r:embed="rId3"/>
+          <a:stretch>
+            <a:fillRect/>
+          </a:stretch>
+        </p:blipFill>
+        <p:spPr>
+          <a:xfrm>
+            <a:off x="4654296" y="1425822"/>
+            <a:ext cx="6155736" cy="4016617"/>
+          </a:xfrm>
+          <a:prstGeom prst="rect">
+            <a:avLst/>
+          </a:prstGeom>
+        </p:spPr>
+      </p:pic>
+    </p:spTree>
+    <p:extLst>
+      <p:ext uri="{BB962C8B-B14F-4D97-AF65-F5344CB8AC3E}">
+        <p14:creationId xmlns:p14="http://schemas.microsoft.com/office/powerpoint/2010/main" val="318488931"/>
+      </p:ext>
+    </p:extLst>
+  </p:cSld>
+  <p:clrMapOvr>
+    <a:masterClrMapping/>
+  </p:clrMapOvr>
+</p:sld>
+</file>
+
+<file path=ppt/slides/slide12.xml><?xml version="1.0" encoding="utf-8"?>
+<p:sld xmlns:a="http://schemas.openxmlformats.org/drawingml/2006/main" xmlns:r="http://schemas.openxmlformats.org/officeDocument/2006/relationships" xmlns:p="http://schemas.openxmlformats.org/presentationml/2006/main">
+  <p:cSld>
+    <p:spTree>
+      <p:nvGrpSpPr>
+        <p:cNvPr id="1" name=""/>
+        <p:cNvGrpSpPr/>
+        <p:nvPr/>
+      </p:nvGrpSpPr>
+      <p:grpSpPr>
+        <a:xfrm>
+          <a:off x="0" y="0"/>
+          <a:ext cx="0" cy="0"/>
+          <a:chOff x="0" y="0"/>
+          <a:chExt cx="0" cy="0"/>
+        </a:xfrm>
+      </p:grpSpPr>
+      <p:sp>
+        <p:nvSpPr>
+          <p:cNvPr id="2" name="Title 1">
+            <a:extLst>
+              <a:ext uri="{FF2B5EF4-FFF2-40B4-BE49-F238E27FC236}">
+                <a16:creationId xmlns:a16="http://schemas.microsoft.com/office/drawing/2014/main" id="{2ECBB906-4196-4D3C-8A9E-6D228073702E}"/>
+              </a:ext>
+            </a:extLst>
+          </p:cNvPr>
+          <p:cNvSpPr>
+            <a:spLocks noGrp="1"/>
+          </p:cNvSpPr>
+          <p:nvPr>
+            <p:ph type="title"/>
+          </p:nvPr>
+        </p:nvSpPr>
+        <p:spPr/>
+        <p:txBody>
+          <a:bodyPr/>
+          <a:lstStyle/>
+          <a:p>
+            <a:r>
+              <a:rPr lang="en-US" dirty="0"/>
+              <a:t>Boosting</a:t>
+            </a:r>
+          </a:p>
+        </p:txBody>
+      </p:sp>
+      <p:sp>
+        <p:nvSpPr>
+          <p:cNvPr id="3" name="Content Placeholder 2">
+            <a:extLst>
+              <a:ext uri="{FF2B5EF4-FFF2-40B4-BE49-F238E27FC236}">
+                <a16:creationId xmlns:a16="http://schemas.microsoft.com/office/drawing/2014/main" id="{F7B9B8F3-7F77-4EBB-96A6-1E3AC2FE1893}"/>
+              </a:ext>
+            </a:extLst>
+          </p:cNvPr>
+          <p:cNvSpPr>
+            <a:spLocks noGrp="1"/>
+          </p:cNvSpPr>
+          <p:nvPr>
+            <p:ph idx="1"/>
+          </p:nvPr>
+        </p:nvSpPr>
+        <p:spPr/>
+        <p:txBody>
+          <a:bodyPr/>
+          <a:lstStyle/>
+          <a:p>
+            <a:r>
+              <a:rPr lang="en-US" dirty="0"/>
+              <a:t>Boosting: method for converting rules of thumb and inclinations into rules for prediction</a:t>
+            </a:r>
+          </a:p>
+          <a:p>
+            <a:r>
+              <a:rPr lang="en-US" dirty="0"/>
+              <a:t>Boosting </a:t>
+            </a:r>
+            <a:r>
+              <a:rPr lang="en-US" u="sng" dirty="0"/>
+              <a:t>reduces bias</a:t>
+            </a:r>
+            <a:endParaRPr lang="en-US" dirty="0"/>
+          </a:p>
+          <a:p>
+            <a:r>
+              <a:rPr lang="en-US" dirty="0"/>
+              <a:t>How? Two steps:</a:t>
+            </a:r>
+          </a:p>
+          <a:p>
+            <a:pPr marL="0" indent="0">
+              <a:buNone/>
+            </a:pPr>
+            <a:r>
+              <a:rPr lang="en-US" dirty="0"/>
+              <a:t>1) Produce a bunch of decently performing models</a:t>
+            </a:r>
+          </a:p>
+          <a:p>
+            <a:pPr marL="0" indent="0">
+              <a:buNone/>
+            </a:pPr>
+            <a:r>
+              <a:rPr lang="en-US" dirty="0"/>
+              <a:t>2)  Sort based on a performance function where those with good predictive results are given a higher weight in the final model. </a:t>
+            </a:r>
+          </a:p>
+        </p:txBody>
+      </p:sp>
+    </p:spTree>
+    <p:extLst>
+      <p:ext uri="{BB962C8B-B14F-4D97-AF65-F5344CB8AC3E}">
+        <p14:creationId xmlns:p14="http://schemas.microsoft.com/office/powerpoint/2010/main" val="1429291688"/>
+      </p:ext>
+    </p:extLst>
+  </p:cSld>
+  <p:clrMapOvr>
+    <a:masterClrMapping/>
+  </p:clrMapOvr>
+  <p:timing>
+    <p:tnLst>
+      <p:par>
+        <p:cTn id="1" dur="indefinite" restart="never" nodeType="tmRoot">
+          <p:childTnLst>
+            <p:seq concurrent="1" nextAc="seek">
+              <p:cTn id="2" dur="indefinite" nodeType="mainSeq">
+                <p:childTnLst>
+                  <p:par>
+                    <p:cTn id="3" fill="hold">
+                      <p:stCondLst>
+                        <p:cond delay="indefinite"/>
+                      </p:stCondLst>
+                      <p:childTnLst>
+                        <p:par>
+                          <p:cTn id="4" fill="hold">
+                            <p:stCondLst>
+                              <p:cond delay="0"/>
+                            </p:stCondLst>
+                            <p:childTnLst>
+                              <p:par>
+                                <p:cTn id="5" presetID="1" presetClass="entr" presetSubtype="0" fill="hold" nodeType="clickEffect">
+                                  <p:stCondLst>
+                                    <p:cond delay="0"/>
+                                  </p:stCondLst>
+                                  <p:childTnLst>
+                                    <p:set>
+                                      <p:cBhvr>
+                                        <p:cTn id="6" dur="1" fill="hold">
+                                          <p:stCondLst>
+                                            <p:cond delay="0"/>
+                                          </p:stCondLst>
+                                        </p:cTn>
+                                        <p:tgtEl>
+                                          <p:spTgt spid="3">
+                                            <p:txEl>
+                                              <p:pRg st="2" end="2"/>
+                                            </p:txEl>
+                                          </p:spTgt>
+                                        </p:tgtEl>
+                                        <p:attrNameLst>
+                                          <p:attrName>style.visibility</p:attrName>
+                                        </p:attrNameLst>
+                                      </p:cBhvr>
+                                      <p:to>
+                                        <p:strVal val="visible"/>
+                                      </p:to>
+                                    </p:set>
+                                  </p:childTnLst>
+                                </p:cTn>
+                              </p:par>
+                              <p:par>
+                                <p:cTn id="7" presetID="1" presetClass="entr" presetSubtype="0" fill="hold" nodeType="withEffect">
+                                  <p:stCondLst>
+                                    <p:cond delay="0"/>
+                                  </p:stCondLst>
+                                  <p:childTnLst>
+                                    <p:set>
+                                      <p:cBhvr>
+                                        <p:cTn id="8" dur="1" fill="hold">
+                                          <p:stCondLst>
+                                            <p:cond delay="0"/>
+                                          </p:stCondLst>
+                                        </p:cTn>
+                                        <p:tgtEl>
+                                          <p:spTgt spid="3">
+                                            <p:txEl>
+                                              <p:pRg st="3" end="3"/>
+                                            </p:txEl>
+                                          </p:spTgt>
+                                        </p:tgtEl>
+                                        <p:attrNameLst>
+                                          <p:attrName>style.visibility</p:attrName>
+                                        </p:attrNameLst>
+                                      </p:cBhvr>
+                                      <p:to>
+                                        <p:strVal val="visible"/>
+                                      </p:to>
+                                    </p:set>
+                                  </p:childTnLst>
+                                </p:cTn>
+                              </p:par>
+                              <p:par>
+                                <p:cTn id="9" presetID="1" presetClass="entr" presetSubtype="0" fill="hold" nodeType="withEffect">
+                                  <p:stCondLst>
+                                    <p:cond delay="0"/>
+                                  </p:stCondLst>
+                                  <p:childTnLst>
+                                    <p:set>
+                                      <p:cBhvr>
+                                        <p:cTn id="10" dur="1" fill="hold">
+                                          <p:stCondLst>
+                                            <p:cond delay="0"/>
+                                          </p:stCondLst>
+                                        </p:cTn>
+                                        <p:tgtEl>
+                                          <p:spTgt spid="3">
+                                            <p:txEl>
+                                              <p:pRg st="4" end="4"/>
+                                            </p:txEl>
+                                          </p:spTgt>
+                                        </p:tgtEl>
+                                        <p:attrNameLst>
+                                          <p:attrName>style.visibility</p:attrName>
+                                        </p:attrNameLst>
+                                      </p:cBhvr>
+                                      <p:to>
+                                        <p:strVal val="visible"/>
+                                      </p:to>
+                                    </p:set>
+                                  </p:childTnLst>
+                                </p:cTn>
+                              </p:par>
+                            </p:childTnLst>
+                          </p:cTn>
+                        </p:par>
+                      </p:childTnLst>
+                    </p:cTn>
+                  </p:par>
+                </p:childTnLst>
+              </p:cTn>
+              <p:prevCondLst>
+                <p:cond evt="onPrev" delay="0">
+                  <p:tgtEl>
+                    <p:sldTgt/>
+                  </p:tgtEl>
+                </p:cond>
+              </p:prevCondLst>
+              <p:nextCondLst>
+                <p:cond evt="onNext" delay="0">
+                  <p:tgtEl>
+                    <p:sldTgt/>
+                  </p:tgtEl>
+                </p:cond>
+              </p:nextCondLst>
+            </p:seq>
+          </p:childTnLst>
+        </p:cTn>
+      </p:par>
+    </p:tnLst>
+  </p:timing>
+</p:sld>
+</file>
+
+<file path=ppt/slides/slide13.xml><?xml version="1.0" encoding="utf-8"?>
+<p:sld xmlns:a="http://schemas.openxmlformats.org/drawingml/2006/main" xmlns:r="http://schemas.openxmlformats.org/officeDocument/2006/relationships" xmlns:p="http://schemas.openxmlformats.org/presentationml/2006/main">
+  <p:cSld>
+    <p:spTree>
+      <p:nvGrpSpPr>
+        <p:cNvPr id="1" name=""/>
+        <p:cNvGrpSpPr/>
+        <p:nvPr/>
+      </p:nvGrpSpPr>
+      <p:grpSpPr>
+        <a:xfrm>
+          <a:off x="0" y="0"/>
+          <a:ext cx="0" cy="0"/>
+          <a:chOff x="0" y="0"/>
+          <a:chExt cx="0" cy="0"/>
+        </a:xfrm>
+      </p:grpSpPr>
+      <p:sp>
+        <p:nvSpPr>
+          <p:cNvPr id="2" name="Title 1">
+            <a:extLst>
+              <a:ext uri="{FF2B5EF4-FFF2-40B4-BE49-F238E27FC236}">
+                <a16:creationId xmlns:a16="http://schemas.microsoft.com/office/drawing/2014/main" id="{2D6A5006-D906-47CD-BB72-EA7BC036A948}"/>
+              </a:ext>
+            </a:extLst>
+          </p:cNvPr>
+          <p:cNvSpPr>
+            <a:spLocks noGrp="1"/>
+          </p:cNvSpPr>
+          <p:nvPr>
+            <p:ph type="title"/>
+          </p:nvPr>
+        </p:nvSpPr>
+        <p:spPr/>
+        <p:txBody>
+          <a:bodyPr/>
+          <a:lstStyle/>
+          <a:p>
+            <a:endParaRPr lang="en-US"/>
+          </a:p>
+        </p:txBody>
+      </p:sp>
+      <p:sp>
+        <p:nvSpPr>
+          <p:cNvPr id="3" name="Content Placeholder 2">
+            <a:extLst>
+              <a:ext uri="{FF2B5EF4-FFF2-40B4-BE49-F238E27FC236}">
+                <a16:creationId xmlns:a16="http://schemas.microsoft.com/office/drawing/2014/main" id="{C2E1260C-D503-4942-B3F3-CDA1E5226307}"/>
+              </a:ext>
+            </a:extLst>
+          </p:cNvPr>
+          <p:cNvSpPr>
+            <a:spLocks noGrp="1"/>
+          </p:cNvSpPr>
+          <p:nvPr>
+            <p:ph idx="1"/>
+          </p:nvPr>
+        </p:nvSpPr>
+        <p:spPr/>
+        <p:txBody>
+          <a:bodyPr/>
+          <a:lstStyle/>
+          <a:p>
+            <a:endParaRPr lang="en-US"/>
+          </a:p>
+        </p:txBody>
+      </p:sp>
+      <p:pic>
+        <p:nvPicPr>
+          <p:cNvPr id="1026" name="Picture 2" descr="Ensemble Learning: Bagging &amp;amp; Boosting | by Fernando López | Towards Data  Science">
+            <a:extLst>
+              <a:ext uri="{FF2B5EF4-FFF2-40B4-BE49-F238E27FC236}">
+                <a16:creationId xmlns:a16="http://schemas.microsoft.com/office/drawing/2014/main" id="{7FE04E45-F45C-4E77-84FC-FD55B7C72697}"/>
+              </a:ext>
+            </a:extLst>
+          </p:cNvPr>
+          <p:cNvPicPr>
+            <a:picLocks noChangeAspect="1" noChangeArrowheads="1"/>
+          </p:cNvPicPr>
+          <p:nvPr/>
+        </p:nvPicPr>
+        <p:blipFill>
+          <a:blip r:embed="rId3">
+            <a:extLst>
+              <a:ext uri="{28A0092B-C50C-407E-A947-70E740481C1C}">
+                <a14:useLocalDpi xmlns:a14="http://schemas.microsoft.com/office/drawing/2010/main" val="0"/>
+              </a:ext>
+            </a:extLst>
+          </a:blip>
+          <a:srcRect/>
+          <a:stretch>
+            <a:fillRect/>
+          </a:stretch>
+        </p:blipFill>
+        <p:spPr bwMode="auto">
+          <a:xfrm>
+            <a:off x="0" y="0"/>
+            <a:ext cx="12192000" cy="6858000"/>
+          </a:xfrm>
+          <a:prstGeom prst="rect">
+            <a:avLst/>
+          </a:prstGeom>
+          <a:noFill/>
+          <a:extLst>
+            <a:ext uri="{909E8E84-426E-40DD-AFC4-6F175D3DCCD1}">
+              <a14:hiddenFill xmlns:a14="http://schemas.microsoft.com/office/drawing/2010/main">
+                <a:solidFill>
+                  <a:srgbClr val="FFFFFF"/>
+                </a:solidFill>
+              </a14:hiddenFill>
+            </a:ext>
+          </a:extLst>
+        </p:spPr>
+      </p:pic>
+    </p:spTree>
+    <p:extLst>
+      <p:ext uri="{BB962C8B-B14F-4D97-AF65-F5344CB8AC3E}">
+        <p14:creationId xmlns:p14="http://schemas.microsoft.com/office/powerpoint/2010/main" val="2204698053"/>
+      </p:ext>
+    </p:extLst>
+  </p:cSld>
+  <p:clrMapOvr>
+    <a:masterClrMapping/>
+  </p:clrMapOvr>
+</p:sld>
+</file>
+
+<file path=ppt/slides/slide14.xml><?xml version="1.0" encoding="utf-8"?>
+<p:sld xmlns:a="http://schemas.openxmlformats.org/drawingml/2006/main" xmlns:r="http://schemas.openxmlformats.org/officeDocument/2006/relationships" xmlns:p="http://schemas.openxmlformats.org/presentationml/2006/main">
+  <p:cSld>
+    <p:spTree>
+      <p:nvGrpSpPr>
+        <p:cNvPr id="1" name=""/>
+        <p:cNvGrpSpPr/>
+        <p:nvPr/>
+      </p:nvGrpSpPr>
+      <p:grpSpPr>
+        <a:xfrm>
+          <a:off x="0" y="0"/>
+          <a:ext cx="0" cy="0"/>
+          <a:chOff x="0" y="0"/>
+          <a:chExt cx="0" cy="0"/>
+        </a:xfrm>
+      </p:grpSpPr>
+      <p:sp>
+        <p:nvSpPr>
+          <p:cNvPr id="4" name="Title 3">
+            <a:extLst>
+              <a:ext uri="{FF2B5EF4-FFF2-40B4-BE49-F238E27FC236}">
+                <a16:creationId xmlns:a16="http://schemas.microsoft.com/office/drawing/2014/main" id="{297BDE90-8DCF-4039-AB05-11C3F09C3813}"/>
+              </a:ext>
+            </a:extLst>
+          </p:cNvPr>
+          <p:cNvSpPr>
+            <a:spLocks noGrp="1"/>
+          </p:cNvSpPr>
+          <p:nvPr>
+            <p:ph type="ctrTitle"/>
+          </p:nvPr>
+        </p:nvSpPr>
+        <p:spPr/>
+        <p:txBody>
+          <a:bodyPr/>
+          <a:lstStyle/>
+          <a:p>
+            <a:r>
+              <a:rPr lang="en-US" dirty="0"/>
+              <a:t>Break (15 Minutes)</a:t>
+            </a:r>
+          </a:p>
+        </p:txBody>
+      </p:sp>
+      <p:sp>
+        <p:nvSpPr>
+          <p:cNvPr id="5" name="Subtitle 4">
+            <a:extLst>
+              <a:ext uri="{FF2B5EF4-FFF2-40B4-BE49-F238E27FC236}">
+                <a16:creationId xmlns:a16="http://schemas.microsoft.com/office/drawing/2014/main" id="{AE43AD4D-53BE-4D90-B4EE-A313556AC5A9}"/>
+              </a:ext>
+            </a:extLst>
+          </p:cNvPr>
+          <p:cNvSpPr>
+            <a:spLocks noGrp="1"/>
+          </p:cNvSpPr>
+          <p:nvPr>
+            <p:ph type="subTitle" idx="1"/>
+          </p:nvPr>
+        </p:nvSpPr>
+        <p:spPr/>
+        <p:txBody>
+          <a:bodyPr/>
+          <a:lstStyle/>
+          <a:p>
+            <a:r>
+              <a:rPr lang="en-US" dirty="0"/>
+              <a:t>Attendance </a:t>
+            </a:r>
+            <a:r>
+              <a:rPr lang="en-US" dirty="0" err="1"/>
+              <a:t>word:</a:t>
+            </a:r>
+            <a:r>
+              <a:rPr lang="en-US" b="0" i="0" dirty="0" err="1">
+                <a:solidFill>
+                  <a:schemeClr val="tx1"/>
+                </a:solidFill>
+                <a:effectLst/>
+                <a:latin typeface="Slack-Lato"/>
+              </a:rPr>
+              <a:t>CSSConjurer</a:t>
+            </a:r>
+            <a:r>
+              <a:rPr lang="en-US" b="0" i="0" dirty="0">
+                <a:solidFill>
+                  <a:srgbClr val="1D1C1D"/>
+                </a:solidFill>
+                <a:effectLst/>
+                <a:latin typeface="Slack-Lato"/>
+              </a:rPr>
+              <a:t> </a:t>
+            </a:r>
+            <a:endParaRPr lang="en-US" dirty="0">
+              <a:solidFill>
+                <a:schemeClr val="tx1">
+                  <a:lumMod val="95000"/>
+                </a:schemeClr>
+              </a:solidFill>
+            </a:endParaRPr>
+          </a:p>
+        </p:txBody>
+      </p:sp>
+    </p:spTree>
+    <p:extLst>
+      <p:ext uri="{BB962C8B-B14F-4D97-AF65-F5344CB8AC3E}">
+        <p14:creationId xmlns:p14="http://schemas.microsoft.com/office/powerpoint/2010/main" val="2787214284"/>
+      </p:ext>
+    </p:extLst>
+  </p:cSld>
+  <p:clrMapOvr>
+    <a:masterClrMapping/>
+  </p:clrMapOvr>
+</p:sld>
+</file>
+
+<file path=ppt/slides/slide15.xml><?xml version="1.0" encoding="utf-8"?>
+<p:sld xmlns:a="http://schemas.openxmlformats.org/drawingml/2006/main" xmlns:r="http://schemas.openxmlformats.org/officeDocument/2006/relationships" xmlns:p="http://schemas.openxmlformats.org/presentationml/2006/main">
+  <p:cSld>
+    <p:bg>
+      <p:bgPr>
+        <a:solidFill>
+          <a:schemeClr val="bg1"/>
+        </a:solidFill>
+        <a:effectLst/>
+      </p:bgPr>
+    </p:bg>
+    <p:spTree>
+      <p:nvGrpSpPr>
+        <p:cNvPr id="1" name=""/>
+        <p:cNvGrpSpPr/>
+        <p:nvPr/>
+      </p:nvGrpSpPr>
+      <p:grpSpPr>
+        <a:xfrm>
+          <a:off x="0" y="0"/>
+          <a:ext cx="0" cy="0"/>
+          <a:chOff x="0" y="0"/>
+          <a:chExt cx="0" cy="0"/>
+        </a:xfrm>
+      </p:grpSpPr>
+      <p:sp>
+        <p:nvSpPr>
+          <p:cNvPr id="2" name="Title 1">
+            <a:extLst>
+              <a:ext uri="{FF2B5EF4-FFF2-40B4-BE49-F238E27FC236}">
+                <a16:creationId xmlns:a16="http://schemas.microsoft.com/office/drawing/2014/main" id="{1E4F07A1-AB63-407B-A941-741A41D01790}"/>
+              </a:ext>
+            </a:extLst>
+          </p:cNvPr>
+          <p:cNvSpPr>
+            <a:spLocks noGrp="1"/>
+          </p:cNvSpPr>
+          <p:nvPr>
+            <p:ph type="title"/>
+          </p:nvPr>
+        </p:nvSpPr>
+        <p:spPr>
+          <a:xfrm>
+            <a:off x="643831" y="640080"/>
+            <a:ext cx="3690425" cy="1325562"/>
+          </a:xfrm>
+        </p:spPr>
+        <p:txBody>
+          <a:bodyPr>
+            <a:normAutofit/>
+          </a:bodyPr>
+          <a:lstStyle/>
+          <a:p>
+            <a:r>
+              <a:rPr lang="en-US" sz="3200"/>
+              <a:t>Random Forest</a:t>
+            </a:r>
+          </a:p>
+        </p:txBody>
+      </p:sp>
+      <p:sp>
+        <p:nvSpPr>
+          <p:cNvPr id="3" name="Content Placeholder 2">
+            <a:extLst>
+              <a:ext uri="{FF2B5EF4-FFF2-40B4-BE49-F238E27FC236}">
+                <a16:creationId xmlns:a16="http://schemas.microsoft.com/office/drawing/2014/main" id="{B397077F-2B7B-4203-8EF8-DE0978F33353}"/>
+              </a:ext>
+            </a:extLst>
+          </p:cNvPr>
+          <p:cNvSpPr>
+            <a:spLocks noGrp="1"/>
+          </p:cNvSpPr>
+          <p:nvPr>
+            <p:ph idx="1"/>
+          </p:nvPr>
+        </p:nvSpPr>
+        <p:spPr>
+          <a:xfrm>
+            <a:off x="643831" y="1936955"/>
+            <a:ext cx="3690425" cy="4243182"/>
+          </a:xfrm>
+        </p:spPr>
+        <p:txBody>
+          <a:bodyPr>
+            <a:normAutofit/>
+          </a:bodyPr>
+          <a:lstStyle/>
+          <a:p>
+            <a:r>
+              <a:rPr lang="en-US" sz="1600" dirty="0"/>
+              <a:t>Random forest is a type of ensemble method that runs multiple decision tree algorithms (often several hundred) where each of the trees gets a vote and the result/prediction is determined by those votes</a:t>
+            </a:r>
+          </a:p>
+          <a:p>
+            <a:pPr lvl="1"/>
+            <a:r>
+              <a:rPr lang="en-US" dirty="0"/>
+              <a:t>What is this also called?</a:t>
+            </a:r>
+          </a:p>
+          <a:p>
+            <a:pPr lvl="1"/>
+            <a:r>
+              <a:rPr lang="en-US" dirty="0">
+                <a:solidFill>
+                  <a:schemeClr val="accent5">
+                    <a:lumMod val="75000"/>
+                  </a:schemeClr>
+                </a:solidFill>
+              </a:rPr>
+              <a:t>Bagging</a:t>
+            </a:r>
+          </a:p>
+        </p:txBody>
+      </p:sp>
+      <p:pic>
+        <p:nvPicPr>
+          <p:cNvPr id="2050" name="Picture 2" descr="random forest ensemble">
+            <a:extLst>
+              <a:ext uri="{FF2B5EF4-FFF2-40B4-BE49-F238E27FC236}">
+                <a16:creationId xmlns:a16="http://schemas.microsoft.com/office/drawing/2014/main" id="{B55104B9-AD79-46F8-AD8B-21BDC2F8302E}"/>
+              </a:ext>
+            </a:extLst>
+          </p:cNvPr>
+          <p:cNvPicPr>
+            <a:picLocks noChangeAspect="1" noChangeArrowheads="1"/>
+          </p:cNvPicPr>
+          <p:nvPr/>
+        </p:nvPicPr>
+        <p:blipFill>
+          <a:blip r:embed="rId3">
+            <a:extLst>
+              <a:ext uri="{28A0092B-C50C-407E-A947-70E740481C1C}">
+                <a14:useLocalDpi xmlns:a14="http://schemas.microsoft.com/office/drawing/2010/main" val="0"/>
+              </a:ext>
+            </a:extLst>
+          </a:blip>
+          <a:stretch>
+            <a:fillRect/>
+          </a:stretch>
+        </p:blipFill>
+        <p:spPr bwMode="auto">
+          <a:xfrm>
+            <a:off x="4654296" y="1348875"/>
+            <a:ext cx="6155736" cy="4170510"/>
+          </a:xfrm>
+          <a:prstGeom prst="rect">
+            <a:avLst/>
+          </a:prstGeom>
+          <a:noFill/>
+          <a:extLst>
+            <a:ext uri="{909E8E84-426E-40DD-AFC4-6F175D3DCCD1}">
+              <a14:hiddenFill xmlns:a14="http://schemas.microsoft.com/office/drawing/2010/main">
+                <a:solidFill>
+                  <a:srgbClr val="FFFFFF"/>
+                </a:solidFill>
+              </a14:hiddenFill>
+            </a:ext>
+          </a:extLst>
+        </p:spPr>
+      </p:pic>
+    </p:spTree>
+    <p:extLst>
+      <p:ext uri="{BB962C8B-B14F-4D97-AF65-F5344CB8AC3E}">
+        <p14:creationId xmlns:p14="http://schemas.microsoft.com/office/powerpoint/2010/main" val="2588800191"/>
+      </p:ext>
+    </p:extLst>
+  </p:cSld>
+  <p:clrMapOvr>
+    <a:masterClrMapping/>
+  </p:clrMapOvr>
+  <p:timing>
+    <p:tnLst>
+      <p:par>
+        <p:cTn id="1" dur="indefinite" restart="never" nodeType="tmRoot">
+          <p:childTnLst>
+            <p:seq concurrent="1" nextAc="seek">
+              <p:cTn id="2" dur="indefinite" nodeType="mainSeq">
+                <p:childTnLst>
+                  <p:par>
+                    <p:cTn id="3" fill="hold">
+                      <p:stCondLst>
+                        <p:cond delay="indefinite"/>
+                      </p:stCondLst>
+                      <p:childTnLst>
+                        <p:par>
+                          <p:cTn id="4" fill="hold">
+                            <p:stCondLst>
+                              <p:cond delay="0"/>
+                            </p:stCondLst>
+                            <p:childTnLst>
+                              <p:par>
+                                <p:cTn id="5" presetID="1" presetClass="entr" presetSubtype="0" fill="hold" nodeType="clickEffect">
+                                  <p:stCondLst>
+                                    <p:cond delay="0"/>
+                                  </p:stCondLst>
+                                  <p:childTnLst>
+                                    <p:set>
+                                      <p:cBhvr>
+                                        <p:cTn id="6" dur="1" fill="hold">
+                                          <p:stCondLst>
+                                            <p:cond delay="0"/>
+                                          </p:stCondLst>
+                                        </p:cTn>
+                                        <p:tgtEl>
+                                          <p:spTgt spid="3">
+                                            <p:txEl>
+                                              <p:pRg st="1" end="1"/>
+                                            </p:txEl>
+                                          </p:spTgt>
+                                        </p:tgtEl>
+                                        <p:attrNameLst>
+                                          <p:attrName>style.visibility</p:attrName>
+                                        </p:attrNameLst>
+                                      </p:cBhvr>
+                                      <p:to>
+                                        <p:strVal val="visible"/>
+                                      </p:to>
+                                    </p:set>
+                                  </p:childTnLst>
+                                </p:cTn>
+                              </p:par>
+                            </p:childTnLst>
+                          </p:cTn>
+                        </p:par>
+                      </p:childTnLst>
+                    </p:cTn>
+                  </p:par>
+                  <p:par>
+                    <p:cTn id="7" fill="hold">
+                      <p:stCondLst>
+                        <p:cond delay="indefinite"/>
+                      </p:stCondLst>
+                      <p:childTnLst>
+                        <p:par>
+                          <p:cTn id="8" fill="hold">
+                            <p:stCondLst>
+                              <p:cond delay="0"/>
+                            </p:stCondLst>
+                            <p:childTnLst>
+                              <p:par>
+                                <p:cTn id="9" presetID="1" presetClass="entr" presetSubtype="0" fill="hold" nodeType="clickEffect">
+                                  <p:stCondLst>
+                                    <p:cond delay="0"/>
+                                  </p:stCondLst>
+                                  <p:childTnLst>
+                                    <p:set>
+                                      <p:cBhvr>
+                                        <p:cTn id="10" dur="1" fill="hold">
+                                          <p:stCondLst>
+                                            <p:cond delay="0"/>
+                                          </p:stCondLst>
+                                        </p:cTn>
+                                        <p:tgtEl>
+                                          <p:spTgt spid="3">
+                                            <p:txEl>
+                                              <p:pRg st="2" end="2"/>
+                                            </p:txEl>
+                                          </p:spTgt>
+                                        </p:tgtEl>
+                                        <p:attrNameLst>
+                                          <p:attrName>style.visibility</p:attrName>
+                                        </p:attrNameLst>
+                                      </p:cBhvr>
+                                      <p:to>
+                                        <p:strVal val="visible"/>
+                                      </p:to>
+                                    </p:set>
+                                  </p:childTnLst>
+                                </p:cTn>
+                              </p:par>
+                            </p:childTnLst>
+                          </p:cTn>
+                        </p:par>
+                      </p:childTnLst>
+                    </p:cTn>
+                  </p:par>
+                </p:childTnLst>
+              </p:cTn>
+              <p:prevCondLst>
+                <p:cond evt="onPrev" delay="0">
+                  <p:tgtEl>
+                    <p:sldTgt/>
+                  </p:tgtEl>
+                </p:cond>
+              </p:prevCondLst>
+              <p:nextCondLst>
+                <p:cond evt="onNext" delay="0">
+                  <p:tgtEl>
+                    <p:sldTgt/>
+                  </p:tgtEl>
+                </p:cond>
+              </p:nextCondLst>
+            </p:seq>
+          </p:childTnLst>
+        </p:cTn>
+      </p:par>
+    </p:tnLst>
+  </p:timing>
+</p:sld>
+</file>
+
+<file path=ppt/slides/slide16.xml><?xml version="1.0" encoding="utf-8"?>
+<p:sld xmlns:a="http://schemas.openxmlformats.org/drawingml/2006/main" xmlns:r="http://schemas.openxmlformats.org/officeDocument/2006/relationships" xmlns:p="http://schemas.openxmlformats.org/presentationml/2006/main">
+  <p:cSld>
+    <p:spTree>
+      <p:nvGrpSpPr>
+        <p:cNvPr id="1" name=""/>
+        <p:cNvGrpSpPr/>
+        <p:nvPr/>
+      </p:nvGrpSpPr>
+      <p:grpSpPr>
+        <a:xfrm>
+          <a:off x="0" y="0"/>
+          <a:ext cx="0" cy="0"/>
+          <a:chOff x="0" y="0"/>
+          <a:chExt cx="0" cy="0"/>
+        </a:xfrm>
+      </p:grpSpPr>
+      <p:sp>
+        <p:nvSpPr>
+          <p:cNvPr id="2" name="Title 1">
+            <a:extLst>
+              <a:ext uri="{FF2B5EF4-FFF2-40B4-BE49-F238E27FC236}">
+                <a16:creationId xmlns:a16="http://schemas.microsoft.com/office/drawing/2014/main" id="{1E4C2A9E-C0F4-4E0F-AFFE-27A0CF3625B5}"/>
+              </a:ext>
+            </a:extLst>
+          </p:cNvPr>
+          <p:cNvSpPr>
+            <a:spLocks noGrp="1"/>
+          </p:cNvSpPr>
+          <p:nvPr>
+            <p:ph type="title"/>
+          </p:nvPr>
+        </p:nvSpPr>
+        <p:spPr/>
+        <p:txBody>
+          <a:bodyPr/>
+          <a:lstStyle/>
+          <a:p>
+            <a:r>
+              <a:rPr lang="en-US" dirty="0"/>
+              <a:t>Week 17 Group Exercise</a:t>
+            </a:r>
+          </a:p>
+        </p:txBody>
+      </p:sp>
+      <p:sp>
+        <p:nvSpPr>
+          <p:cNvPr id="3" name="Content Placeholder 2">
+            <a:extLst>
+              <a:ext uri="{FF2B5EF4-FFF2-40B4-BE49-F238E27FC236}">
+                <a16:creationId xmlns:a16="http://schemas.microsoft.com/office/drawing/2014/main" id="{D327E97E-AE1B-400B-A18F-C9C7C854DCEB}"/>
+              </a:ext>
+            </a:extLst>
+          </p:cNvPr>
+          <p:cNvSpPr>
+            <a:spLocks noGrp="1"/>
+          </p:cNvSpPr>
+          <p:nvPr>
+            <p:ph idx="1"/>
+          </p:nvPr>
+        </p:nvSpPr>
+        <p:spPr/>
+        <p:txBody>
+          <a:bodyPr vert="horz" lIns="91440" tIns="45720" rIns="91440" bIns="45720" rtlCol="0" anchor="t">
+            <a:normAutofit/>
+          </a:bodyPr>
+          <a:lstStyle/>
+          <a:p>
+            <a:r>
+              <a:rPr lang="en-US" spc="0" dirty="0"/>
+              <a:t>Once you finish and have submitted your exercise in Canvas via a </a:t>
+            </a:r>
+            <a:r>
+              <a:rPr lang="en-US" spc="0" dirty="0" err="1"/>
+              <a:t>github</a:t>
+            </a:r>
+            <a:r>
+              <a:rPr lang="en-US" spc="0" dirty="0"/>
+              <a:t> link, use the remaining time to work on </a:t>
+            </a:r>
+            <a:r>
+              <a:rPr lang="en-US" spc="0"/>
+              <a:t>your homework.</a:t>
+            </a:r>
+            <a:endParaRPr lang="en-US" spc="0" dirty="0"/>
+          </a:p>
+        </p:txBody>
+      </p:sp>
+    </p:spTree>
+    <p:extLst>
+      <p:ext uri="{BB962C8B-B14F-4D97-AF65-F5344CB8AC3E}">
+        <p14:creationId xmlns:p14="http://schemas.microsoft.com/office/powerpoint/2010/main" val="656484464"/>
+      </p:ext>
+    </p:extLst>
+  </p:cSld>
+  <p:clrMapOvr>
+    <a:masterClrMapping/>
+  </p:clrMapOvr>
+</p:sld>
+</file>
+
 <file path=ppt/slides/slide2.xml><?xml version="1.0" encoding="utf-8"?>
 <p:sld xmlns:a="http://schemas.openxmlformats.org/drawingml/2006/main" xmlns:r="http://schemas.openxmlformats.org/officeDocument/2006/relationships" xmlns:p="http://schemas.openxmlformats.org/presentationml/2006/main">
   <p:cSld>
@@ -5893,7 +10479,13 @@
           <a:p>
             <a:r>
               <a:rPr lang="en-US" dirty="0"/>
-              <a:t>Random forest Intro (30 mins)</a:t>
+              <a:t>Review Decision Tree Improvements (15 mins)</a:t>
+            </a:r>
+          </a:p>
+          <a:p>
+            <a:r>
+              <a:rPr lang="en-US" dirty="0"/>
+              <a:t>Ensemble Methods (15 mins)</a:t>
             </a:r>
           </a:p>
           <a:p>
@@ -5905,7 +10497,7 @@
           <a:p>
             <a:r>
               <a:rPr lang="en-US" dirty="0"/>
-              <a:t>More Random Forest (30 mins)</a:t>
+              <a:t>Random Forest (30 mins)</a:t>
             </a:r>
           </a:p>
           <a:p>
@@ -6035,6 +10627,14 @@
 <file path=ppt/slides/slide5.xml><?xml version="1.0" encoding="utf-8"?>
 <p:sld xmlns:a="http://schemas.openxmlformats.org/drawingml/2006/main" xmlns:r="http://schemas.openxmlformats.org/officeDocument/2006/relationships" xmlns:p="http://schemas.openxmlformats.org/presentationml/2006/main">
   <p:cSld>
+    <p:bg>
+      <p:bgPr>
+        <a:solidFill>
+          <a:schemeClr val="bg2"/>
+        </a:solidFill>
+        <a:effectLst/>
+      </p:bgPr>
+    </p:bg>
     <p:spTree>
       <p:nvGrpSpPr>
         <p:cNvPr id="1" name=""/>
@@ -6051,95 +10651,511 @@
       </p:grpSpPr>
       <p:sp>
         <p:nvSpPr>
-          <p:cNvPr id="4" name="Title 3">
+          <p:cNvPr id="8" name="Rectangle 7">
             <a:extLst>
               <a:ext uri="{FF2B5EF4-FFF2-40B4-BE49-F238E27FC236}">
-                <a16:creationId xmlns:a16="http://schemas.microsoft.com/office/drawing/2014/main" id="{297BDE90-8DCF-4039-AB05-11C3F09C3813}"/>
+                <a16:creationId xmlns:a16="http://schemas.microsoft.com/office/drawing/2014/main" id="{100A9A80-E8FE-48ED-A56B-95801B22181A}"/>
+              </a:ext>
+              <a:ext uri="{C183D7F6-B498-43B3-948B-1728B52AA6E4}">
+                <adec:decorative xmlns:adec="http://schemas.microsoft.com/office/drawing/2017/decorative" val="1"/>
               </a:ext>
             </a:extLst>
           </p:cNvPr>
           <p:cNvSpPr>
-            <a:spLocks noGrp="1"/>
-          </p:cNvSpPr>
-          <p:nvPr>
-            <p:ph type="ctrTitle"/>
-          </p:nvPr>
-        </p:nvSpPr>
-        <p:spPr/>
-        <p:txBody>
-          <a:bodyPr/>
-          <a:lstStyle/>
-          <a:p>
-            <a:r>
-              <a:rPr lang="en-US" dirty="0"/>
-              <a:t>Break (15 Minutes)</a:t>
-            </a:r>
-          </a:p>
-        </p:txBody>
-      </p:sp>
-      <p:sp>
-        <p:nvSpPr>
-          <p:cNvPr id="5" name="Subtitle 4">
+            <a:spLocks noGrp="1" noRot="1" noChangeAspect="1" noMove="1" noResize="1" noEditPoints="1" noAdjustHandles="1" noChangeArrowheads="1" noChangeShapeType="1" noTextEdit="1"/>
+          </p:cNvSpPr>
+          <p:nvPr>
+            <p:extLst>
+              <p:ext uri="{386F3935-93C4-4BCD-93E2-E3B085C9AB24}">
+                <p16:designElem xmlns:p16="http://schemas.microsoft.com/office/powerpoint/2015/main" val="1"/>
+              </p:ext>
+            </p:extLst>
+          </p:nvPr>
+        </p:nvSpPr>
+        <p:spPr>
+          <a:xfrm>
+            <a:off x="11292840" y="0"/>
+            <a:ext cx="914400" cy="6858000"/>
+          </a:xfrm>
+          <a:prstGeom prst="rect">
+            <a:avLst/>
+          </a:prstGeom>
+          <a:solidFill>
+            <a:srgbClr val="303030"/>
+          </a:solidFill>
+          <a:ln>
+            <a:noFill/>
+          </a:ln>
+        </p:spPr>
+        <p:style>
+          <a:lnRef idx="2">
+            <a:schemeClr val="accent1">
+              <a:shade val="50000"/>
+            </a:schemeClr>
+          </a:lnRef>
+          <a:fillRef idx="1">
+            <a:schemeClr val="accent1"/>
+          </a:fillRef>
+          <a:effectRef idx="0">
+            <a:schemeClr val="accent1"/>
+          </a:effectRef>
+          <a:fontRef idx="minor">
+            <a:schemeClr val="lt1"/>
+          </a:fontRef>
+        </p:style>
+      </p:sp>
+      <p:sp>
+        <p:nvSpPr>
+          <p:cNvPr id="10" name="Rectangle 9">
             <a:extLst>
               <a:ext uri="{FF2B5EF4-FFF2-40B4-BE49-F238E27FC236}">
-                <a16:creationId xmlns:a16="http://schemas.microsoft.com/office/drawing/2014/main" id="{AE43AD4D-53BE-4D90-B4EE-A313556AC5A9}"/>
+                <a16:creationId xmlns:a16="http://schemas.microsoft.com/office/drawing/2014/main" id="{E85544B9-05BC-4819-A434-90EE49FAF6C0}"/>
+              </a:ext>
+              <a:ext uri="{C183D7F6-B498-43B3-948B-1728B52AA6E4}">
+                <adec:decorative xmlns:adec="http://schemas.microsoft.com/office/drawing/2017/decorative" val="1"/>
               </a:ext>
             </a:extLst>
           </p:cNvPr>
           <p:cNvSpPr>
+            <a:spLocks noGrp="1" noRot="1" noChangeAspect="1" noMove="1" noResize="1" noEditPoints="1" noAdjustHandles="1" noChangeArrowheads="1" noChangeShapeType="1" noTextEdit="1"/>
+          </p:cNvSpPr>
+          <p:nvPr>
+            <p:extLst>
+              <p:ext uri="{386F3935-93C4-4BCD-93E2-E3B085C9AB24}">
+                <p16:designElem xmlns:p16="http://schemas.microsoft.com/office/powerpoint/2015/main" val="1"/>
+              </p:ext>
+            </p:extLst>
+          </p:nvPr>
+        </p:nvSpPr>
+        <p:spPr>
+          <a:xfrm>
+            <a:off x="0" y="0"/>
+            <a:ext cx="457200" cy="6858000"/>
+          </a:xfrm>
+          <a:prstGeom prst="rect">
+            <a:avLst/>
+          </a:prstGeom>
+          <a:solidFill>
+            <a:srgbClr val="303030"/>
+          </a:solidFill>
+          <a:ln>
+            <a:noFill/>
+          </a:ln>
+        </p:spPr>
+        <p:style>
+          <a:lnRef idx="2">
+            <a:schemeClr val="accent1">
+              <a:shade val="50000"/>
+            </a:schemeClr>
+          </a:lnRef>
+          <a:fillRef idx="1">
+            <a:schemeClr val="accent1"/>
+          </a:fillRef>
+          <a:effectRef idx="0">
+            <a:schemeClr val="accent1"/>
+          </a:effectRef>
+          <a:fontRef idx="minor">
+            <a:schemeClr val="lt1"/>
+          </a:fontRef>
+        </p:style>
+      </p:sp>
+      <p:sp>
+        <p:nvSpPr>
+          <p:cNvPr id="2" name="Title 1">
+            <a:extLst>
+              <a:ext uri="{FF2B5EF4-FFF2-40B4-BE49-F238E27FC236}">
+                <a16:creationId xmlns:a16="http://schemas.microsoft.com/office/drawing/2014/main" id="{049CC9BA-9AF8-4387-B950-1E53B70F3BF2}"/>
+              </a:ext>
+            </a:extLst>
+          </p:cNvPr>
+          <p:cNvSpPr>
             <a:spLocks noGrp="1"/>
           </p:cNvSpPr>
           <p:nvPr>
-            <p:ph type="subTitle" idx="1"/>
-          </p:nvPr>
-        </p:nvSpPr>
-        <p:spPr/>
+            <p:ph type="title"/>
+          </p:nvPr>
+        </p:nvSpPr>
+        <p:spPr>
+          <a:xfrm>
+            <a:off x="2055822" y="745182"/>
+            <a:ext cx="9026153" cy="3386433"/>
+          </a:xfrm>
+        </p:spPr>
         <p:txBody>
-          <a:bodyPr/>
+          <a:bodyPr vert="horz" lIns="91440" tIns="45720" rIns="91440" bIns="45720" rtlCol="0" anchor="b">
+            <a:normAutofit/>
+          </a:bodyPr>
           <a:lstStyle/>
           <a:p>
-            <a:r>
-              <a:rPr lang="en-US" dirty="0"/>
-              <a:t>Attendance </a:t>
-            </a:r>
-            <a:r>
-              <a:rPr lang="en-US" dirty="0" err="1"/>
-              <a:t>word:</a:t>
-            </a:r>
-            <a:r>
-              <a:rPr lang="en-US" b="0" i="0" dirty="0" err="1">
-                <a:solidFill>
-                  <a:schemeClr val="tx1"/>
-                </a:solidFill>
-                <a:effectLst/>
-                <a:latin typeface="Slack-Lato"/>
-              </a:rPr>
-              <a:t>CSSConjurer</a:t>
-            </a:r>
-            <a:r>
-              <a:rPr lang="en-US" b="0" i="0" dirty="0">
-                <a:solidFill>
-                  <a:srgbClr val="1D1C1D"/>
-                </a:solidFill>
-                <a:effectLst/>
-                <a:latin typeface="Slack-Lato"/>
-              </a:rPr>
-              <a:t> </a:t>
-            </a:r>
-            <a:endParaRPr lang="en-US" dirty="0">
-              <a:solidFill>
-                <a:schemeClr val="tx1">
-                  <a:lumMod val="95000"/>
-                </a:schemeClr>
-              </a:solidFill>
-            </a:endParaRPr>
+            <a:pPr>
+              <a:lnSpc>
+                <a:spcPct val="85000"/>
+              </a:lnSpc>
+            </a:pPr>
+            <a:r>
+              <a:rPr lang="en-US" sz="6000"/>
+              <a:t>Review Homework</a:t>
+            </a:r>
+          </a:p>
+        </p:txBody>
+      </p:sp>
+      <p:sp>
+        <p:nvSpPr>
+          <p:cNvPr id="12" name="Rectangle 11">
+            <a:extLst>
+              <a:ext uri="{FF2B5EF4-FFF2-40B4-BE49-F238E27FC236}">
+                <a16:creationId xmlns:a16="http://schemas.microsoft.com/office/drawing/2014/main" id="{B734FEF0-069B-48C5-BACF-9716F0301236}"/>
+              </a:ext>
+              <a:ext uri="{C183D7F6-B498-43B3-948B-1728B52AA6E4}">
+                <adec:decorative xmlns:adec="http://schemas.microsoft.com/office/drawing/2017/decorative" val="1"/>
+              </a:ext>
+            </a:extLst>
+          </p:cNvPr>
+          <p:cNvSpPr>
+            <a:spLocks noGrp="1" noRot="1" noChangeAspect="1" noMove="1" noResize="1" noEditPoints="1" noAdjustHandles="1" noChangeArrowheads="1" noChangeShapeType="1" noTextEdit="1"/>
+          </p:cNvSpPr>
+          <p:nvPr>
+            <p:extLst>
+              <p:ext uri="{386F3935-93C4-4BCD-93E2-E3B085C9AB24}">
+                <p16:designElem xmlns:p16="http://schemas.microsoft.com/office/powerpoint/2015/main" val="1"/>
+              </p:ext>
+            </p:extLst>
+          </p:nvPr>
+        </p:nvSpPr>
+        <p:spPr>
+          <a:xfrm>
+            <a:off x="-1" y="-2811"/>
+            <a:ext cx="1286934" cy="6858000"/>
+          </a:xfrm>
+          <a:prstGeom prst="rect">
+            <a:avLst/>
+          </a:prstGeom>
+          <a:solidFill>
+            <a:schemeClr val="accent5"/>
+          </a:solidFill>
+          <a:ln>
+            <a:noFill/>
+          </a:ln>
+        </p:spPr>
+        <p:style>
+          <a:lnRef idx="2">
+            <a:schemeClr val="accent1">
+              <a:shade val="50000"/>
+            </a:schemeClr>
+          </a:lnRef>
+          <a:fillRef idx="1">
+            <a:schemeClr val="accent1"/>
+          </a:fillRef>
+          <a:effectRef idx="0">
+            <a:schemeClr val="accent1"/>
+          </a:effectRef>
+          <a:fontRef idx="minor">
+            <a:schemeClr val="lt1"/>
+          </a:fontRef>
+        </p:style>
+        <p:txBody>
+          <a:bodyPr rtlCol="0" anchor="ctr"/>
+          <a:lstStyle/>
+          <a:p>
+            <a:pPr algn="ctr"/>
+            <a:endParaRPr lang="en-US"/>
           </a:p>
         </p:txBody>
       </p:sp>
     </p:spTree>
     <p:extLst>
       <p:ext uri="{BB962C8B-B14F-4D97-AF65-F5344CB8AC3E}">
-        <p14:creationId xmlns:p14="http://schemas.microsoft.com/office/powerpoint/2010/main" val="2787214284"/>
+        <p14:creationId xmlns:p14="http://schemas.microsoft.com/office/powerpoint/2010/main" val="2963724297"/>
+      </p:ext>
+    </p:extLst>
+  </p:cSld>
+  <p:clrMapOvr>
+    <a:overrideClrMapping bg1="lt1" tx1="dk1" bg2="lt2" tx2="dk2" accent1="accent1" accent2="accent2" accent3="accent3" accent4="accent4" accent5="accent5" accent6="accent6" hlink="hlink" folHlink="folHlink"/>
+  </p:clrMapOvr>
+</p:sld>
+</file>
+
+<file path=ppt/slides/slide6.xml><?xml version="1.0" encoding="utf-8"?>
+<p:sld xmlns:a="http://schemas.openxmlformats.org/drawingml/2006/main" xmlns:r="http://schemas.openxmlformats.org/officeDocument/2006/relationships" xmlns:p="http://schemas.openxmlformats.org/presentationml/2006/main">
+  <p:cSld>
+    <p:bg>
+      <p:bgPr>
+        <a:solidFill>
+          <a:schemeClr val="bg1"/>
+        </a:solidFill>
+        <a:effectLst/>
+      </p:bgPr>
+    </p:bg>
+    <p:spTree>
+      <p:nvGrpSpPr>
+        <p:cNvPr id="1" name=""/>
+        <p:cNvGrpSpPr/>
+        <p:nvPr/>
+      </p:nvGrpSpPr>
+      <p:grpSpPr>
+        <a:xfrm>
+          <a:off x="0" y="0"/>
+          <a:ext cx="0" cy="0"/>
+          <a:chOff x="0" y="0"/>
+          <a:chExt cx="0" cy="0"/>
+        </a:xfrm>
+      </p:grpSpPr>
+      <p:sp>
+        <p:nvSpPr>
+          <p:cNvPr id="10" name="Rectangle 9">
+            <a:extLst>
+              <a:ext uri="{FF2B5EF4-FFF2-40B4-BE49-F238E27FC236}">
+                <a16:creationId xmlns:a16="http://schemas.microsoft.com/office/drawing/2014/main" id="{F0FD769F-BDEE-4149-8C98-A92F1F8A145F}"/>
+              </a:ext>
+              <a:ext uri="{C183D7F6-B498-43B3-948B-1728B52AA6E4}">
+                <adec:decorative xmlns:adec="http://schemas.microsoft.com/office/drawing/2017/decorative" val="1"/>
+              </a:ext>
+            </a:extLst>
+          </p:cNvPr>
+          <p:cNvSpPr>
+            <a:spLocks noGrp="1" noRot="1" noChangeAspect="1" noMove="1" noResize="1" noEditPoints="1" noAdjustHandles="1" noChangeArrowheads="1" noChangeShapeType="1" noTextEdit="1"/>
+          </p:cNvSpPr>
+          <p:nvPr>
+            <p:extLst>
+              <p:ext uri="{386F3935-93C4-4BCD-93E2-E3B085C9AB24}">
+                <p16:designElem xmlns:p16="http://schemas.microsoft.com/office/powerpoint/2015/main" val="1"/>
+              </p:ext>
+            </p:extLst>
+          </p:nvPr>
+        </p:nvSpPr>
+        <p:spPr>
+          <a:xfrm>
+            <a:off x="11292840" y="0"/>
+            <a:ext cx="914400" cy="6858000"/>
+          </a:xfrm>
+          <a:prstGeom prst="rect">
+            <a:avLst/>
+          </a:prstGeom>
+          <a:solidFill>
+            <a:srgbClr val="303030"/>
+          </a:solidFill>
+          <a:ln>
+            <a:noFill/>
+          </a:ln>
+        </p:spPr>
+        <p:style>
+          <a:lnRef idx="2">
+            <a:schemeClr val="accent1">
+              <a:shade val="50000"/>
+            </a:schemeClr>
+          </a:lnRef>
+          <a:fillRef idx="1">
+            <a:schemeClr val="accent1"/>
+          </a:fillRef>
+          <a:effectRef idx="0">
+            <a:schemeClr val="accent1"/>
+          </a:effectRef>
+          <a:fontRef idx="minor">
+            <a:schemeClr val="lt1"/>
+          </a:fontRef>
+        </p:style>
+      </p:sp>
+      <p:sp>
+        <p:nvSpPr>
+          <p:cNvPr id="12" name="Rectangle 11">
+            <a:extLst>
+              <a:ext uri="{FF2B5EF4-FFF2-40B4-BE49-F238E27FC236}">
+                <a16:creationId xmlns:a16="http://schemas.microsoft.com/office/drawing/2014/main" id="{DC00EF3B-797F-4060-9460-6EEF08B1B150}"/>
+              </a:ext>
+              <a:ext uri="{C183D7F6-B498-43B3-948B-1728B52AA6E4}">
+                <adec:decorative xmlns:adec="http://schemas.microsoft.com/office/drawing/2017/decorative" val="1"/>
+              </a:ext>
+            </a:extLst>
+          </p:cNvPr>
+          <p:cNvSpPr>
+            <a:spLocks noGrp="1" noRot="1" noChangeAspect="1" noMove="1" noResize="1" noEditPoints="1" noAdjustHandles="1" noChangeArrowheads="1" noChangeShapeType="1" noTextEdit="1"/>
+          </p:cNvSpPr>
+          <p:nvPr>
+            <p:extLst>
+              <p:ext uri="{386F3935-93C4-4BCD-93E2-E3B085C9AB24}">
+                <p16:designElem xmlns:p16="http://schemas.microsoft.com/office/powerpoint/2015/main" val="1"/>
+              </p:ext>
+            </p:extLst>
+          </p:nvPr>
+        </p:nvSpPr>
+        <p:spPr>
+          <a:xfrm>
+            <a:off x="0" y="0"/>
+            <a:ext cx="457200" cy="6858000"/>
+          </a:xfrm>
+          <a:prstGeom prst="rect">
+            <a:avLst/>
+          </a:prstGeom>
+          <a:solidFill>
+            <a:srgbClr val="303030"/>
+          </a:solidFill>
+          <a:ln>
+            <a:noFill/>
+          </a:ln>
+        </p:spPr>
+        <p:style>
+          <a:lnRef idx="2">
+            <a:schemeClr val="accent1">
+              <a:shade val="50000"/>
+            </a:schemeClr>
+          </a:lnRef>
+          <a:fillRef idx="1">
+            <a:schemeClr val="accent1"/>
+          </a:fillRef>
+          <a:effectRef idx="0">
+            <a:schemeClr val="accent1"/>
+          </a:effectRef>
+          <a:fontRef idx="minor">
+            <a:schemeClr val="lt1"/>
+          </a:fontRef>
+        </p:style>
+      </p:sp>
+      <p:sp>
+        <p:nvSpPr>
+          <p:cNvPr id="2" name="Title 1">
+            <a:extLst>
+              <a:ext uri="{FF2B5EF4-FFF2-40B4-BE49-F238E27FC236}">
+                <a16:creationId xmlns:a16="http://schemas.microsoft.com/office/drawing/2014/main" id="{A15E1278-DD9B-4E35-8DD3-4189000C55DE}"/>
+              </a:ext>
+            </a:extLst>
+          </p:cNvPr>
+          <p:cNvSpPr>
+            <a:spLocks noGrp="1"/>
+          </p:cNvSpPr>
+          <p:nvPr>
+            <p:ph type="title"/>
+          </p:nvPr>
+        </p:nvSpPr>
+        <p:spPr>
+          <a:xfrm>
+            <a:off x="961786" y="758952"/>
+            <a:ext cx="6271117" cy="4041648"/>
+          </a:xfrm>
+        </p:spPr>
+        <p:txBody>
+          <a:bodyPr vert="horz" lIns="91440" tIns="45720" rIns="91440" bIns="45720" rtlCol="0" anchor="b">
+            <a:normAutofit/>
+          </a:bodyPr>
+          <a:lstStyle/>
+          <a:p>
+            <a:pPr>
+              <a:lnSpc>
+                <a:spcPct val="85000"/>
+              </a:lnSpc>
+            </a:pPr>
+            <a:r>
+              <a:rPr lang="en-US" sz="7200"/>
+              <a:t>Review Decision Tree Optimizations</a:t>
+            </a:r>
+          </a:p>
+        </p:txBody>
+      </p:sp>
+      <p:sp>
+        <p:nvSpPr>
+          <p:cNvPr id="14" name="Rectangle 13">
+            <a:extLst>
+              <a:ext uri="{FF2B5EF4-FFF2-40B4-BE49-F238E27FC236}">
+                <a16:creationId xmlns:a16="http://schemas.microsoft.com/office/drawing/2014/main" id="{3A61A9DA-15A4-4F42-877E-D7285E6F7920}"/>
+              </a:ext>
+              <a:ext uri="{C183D7F6-B498-43B3-948B-1728B52AA6E4}">
+                <adec:decorative xmlns:adec="http://schemas.microsoft.com/office/drawing/2017/decorative" val="1"/>
+              </a:ext>
+            </a:extLst>
+          </p:cNvPr>
+          <p:cNvSpPr>
+            <a:spLocks noGrp="1" noRot="1" noChangeAspect="1" noMove="1" noResize="1" noEditPoints="1" noAdjustHandles="1" noChangeArrowheads="1" noChangeShapeType="1" noTextEdit="1"/>
+          </p:cNvSpPr>
+          <p:nvPr>
+            <p:extLst>
+              <p:ext uri="{386F3935-93C4-4BCD-93E2-E3B085C9AB24}">
+                <p16:designElem xmlns:p16="http://schemas.microsoft.com/office/powerpoint/2015/main" val="1"/>
+              </p:ext>
+            </p:extLst>
+          </p:nvPr>
+        </p:nvSpPr>
+        <p:spPr>
+          <a:xfrm flipV="1">
+            <a:off x="10652759" y="-3484712"/>
+            <a:ext cx="320040" cy="320040"/>
+          </a:xfrm>
+          <a:prstGeom prst="rect">
+            <a:avLst/>
+          </a:prstGeom>
+          <a:solidFill>
+            <a:srgbClr val="FF0000"/>
+          </a:solidFill>
+          <a:ln>
+            <a:noFill/>
+          </a:ln>
+        </p:spPr>
+        <p:style>
+          <a:lnRef idx="2">
+            <a:schemeClr val="accent1">
+              <a:shade val="50000"/>
+            </a:schemeClr>
+          </a:lnRef>
+          <a:fillRef idx="1">
+            <a:schemeClr val="accent1"/>
+          </a:fillRef>
+          <a:effectRef idx="0">
+            <a:schemeClr val="accent1"/>
+          </a:effectRef>
+          <a:fontRef idx="minor">
+            <a:schemeClr val="lt1"/>
+          </a:fontRef>
+        </p:style>
+        <p:txBody>
+          <a:bodyPr rtlCol="0" anchor="ctr"/>
+          <a:lstStyle/>
+          <a:p>
+            <a:pPr algn="ctr"/>
+            <a:endParaRPr lang="en-US"/>
+          </a:p>
+        </p:txBody>
+      </p:sp>
+      <p:pic>
+        <p:nvPicPr>
+          <p:cNvPr id="7" name="Graphic 6" descr="Edit">
+            <a:extLst>
+              <a:ext uri="{FF2B5EF4-FFF2-40B4-BE49-F238E27FC236}">
+                <a16:creationId xmlns:a16="http://schemas.microsoft.com/office/drawing/2014/main" id="{EC9D5787-4496-49A5-A0DB-345E4822DBB3}"/>
+              </a:ext>
+            </a:extLst>
+          </p:cNvPr>
+          <p:cNvPicPr>
+            <a:picLocks noChangeAspect="1"/>
+          </p:cNvPicPr>
+          <p:nvPr/>
+        </p:nvPicPr>
+        <p:blipFill>
+          <a:blip r:embed="rId2">
+            <a:extLst>
+              <a:ext uri="{28A0092B-C50C-407E-A947-70E740481C1C}">
+                <a14:useLocalDpi xmlns:a14="http://schemas.microsoft.com/office/drawing/2010/main" val="0"/>
+              </a:ext>
+              <a:ext uri="{96DAC541-7B7A-43D3-8B79-37D633B846F1}">
+                <asvg:svgBlip xmlns:asvg="http://schemas.microsoft.com/office/drawing/2016/SVG/main" r:embed="rId3"/>
+              </a:ext>
+            </a:extLst>
+          </a:blip>
+          <a:stretch>
+            <a:fillRect/>
+          </a:stretch>
+        </p:blipFill>
+        <p:spPr>
+          <a:xfrm>
+            <a:off x="7552944" y="1772849"/>
+            <a:ext cx="3307276" cy="3307276"/>
+          </a:xfrm>
+          <a:prstGeom prst="rect">
+            <a:avLst/>
+          </a:prstGeom>
+        </p:spPr>
+      </p:pic>
+    </p:spTree>
+    <p:extLst>
+      <p:ext uri="{BB962C8B-B14F-4D97-AF65-F5344CB8AC3E}">
+        <p14:creationId xmlns:p14="http://schemas.microsoft.com/office/powerpoint/2010/main" val="1109663728"/>
       </p:ext>
     </p:extLst>
   </p:cSld>
@@ -6149,7 +11165,7 @@
 </p:sld>
 </file>
 
-<file path=ppt/slides/slide6.xml><?xml version="1.0" encoding="utf-8"?>
+<file path=ppt/slides/slide7.xml><?xml version="1.0" encoding="utf-8"?>
 <p:sld xmlns:a="http://schemas.openxmlformats.org/drawingml/2006/main" xmlns:r="http://schemas.openxmlformats.org/officeDocument/2006/relationships" xmlns:p="http://schemas.openxmlformats.org/presentationml/2006/main">
   <p:cSld>
     <p:spTree>
@@ -6171,7 +11187,7 @@
           <p:cNvPr id="2" name="Title 1">
             <a:extLst>
               <a:ext uri="{FF2B5EF4-FFF2-40B4-BE49-F238E27FC236}">
-                <a16:creationId xmlns:a16="http://schemas.microsoft.com/office/drawing/2014/main" id="{1E4C2A9E-C0F4-4E0F-AFFE-27A0CF3625B5}"/>
+                <a16:creationId xmlns:a16="http://schemas.microsoft.com/office/drawing/2014/main" id="{0E19DC86-D08D-4644-A9E0-A02B21EC998F}"/>
               </a:ext>
             </a:extLst>
           </p:cNvPr>
@@ -6189,7 +11205,7 @@
           <a:p>
             <a:r>
               <a:rPr lang="en-US" dirty="0"/>
-              <a:t>Week 17 Group Exercise</a:t>
+              <a:t>Ensemble Methods</a:t>
             </a:r>
           </a:p>
         </p:txBody>
@@ -6199,7 +11215,7 @@
           <p:cNvPr id="3" name="Content Placeholder 2">
             <a:extLst>
               <a:ext uri="{FF2B5EF4-FFF2-40B4-BE49-F238E27FC236}">
-                <a16:creationId xmlns:a16="http://schemas.microsoft.com/office/drawing/2014/main" id="{D327E97E-AE1B-400B-A18F-C9C7C854DCEB}"/>
+                <a16:creationId xmlns:a16="http://schemas.microsoft.com/office/drawing/2014/main" id="{A9DBEE8E-AF15-474C-9482-C29F66FB43E8}"/>
               </a:ext>
             </a:extLst>
           </p:cNvPr>
@@ -6212,41 +11228,452 @@
         </p:nvSpPr>
         <p:spPr/>
         <p:txBody>
-          <a:bodyPr vert="horz" lIns="91440" tIns="45720" rIns="91440" bIns="45720" rtlCol="0" anchor="t">
-            <a:normAutofit/>
-          </a:bodyPr>
+          <a:bodyPr/>
           <a:lstStyle/>
           <a:p>
             <a:r>
-              <a:rPr lang="en-US" spc="0" dirty="0"/>
-              <a:t>Once you finish and have submitted your exercise in Canvas via a </a:t>
-            </a:r>
-            <a:r>
-              <a:rPr lang="en-US" spc="0" dirty="0" err="1"/>
-              <a:t>github</a:t>
-            </a:r>
-            <a:r>
-              <a:rPr lang="en-US" spc="0" dirty="0"/>
-              <a:t> link, use the remaining time to work on </a:t>
-            </a:r>
-            <a:r>
-              <a:rPr lang="en-US" spc="0"/>
-              <a:t>your homework.</a:t>
-            </a:r>
-            <a:endParaRPr lang="en-US" spc="0" dirty="0"/>
+              <a:rPr lang="en-US" dirty="0"/>
+              <a:t>From the </a:t>
+            </a:r>
+            <a:r>
+              <a:rPr lang="en-US" dirty="0" err="1"/>
+              <a:t>DataCamp</a:t>
+            </a:r>
+            <a:r>
+              <a:rPr lang="en-US" dirty="0"/>
+              <a:t>, what do you know about ensemble methods? </a:t>
+            </a:r>
+          </a:p>
+          <a:p>
+            <a:endParaRPr lang="en-US" dirty="0"/>
+          </a:p>
+          <a:p>
+            <a:r>
+              <a:rPr lang="en-US" dirty="0"/>
+              <a:t>The winners of machine learning competitions with million-dollar prizes almost always use ensemble methods</a:t>
+            </a:r>
+          </a:p>
+          <a:p>
+            <a:r>
+              <a:rPr lang="en-US" dirty="0"/>
+              <a:t>Ensemble methods – train many different models on the same dataset and aggregate the model predictions into one robust and fault-tolerant model </a:t>
+            </a:r>
+          </a:p>
+          <a:p>
+            <a:endParaRPr lang="en-US" dirty="0"/>
           </a:p>
         </p:txBody>
       </p:sp>
     </p:spTree>
     <p:extLst>
       <p:ext uri="{BB962C8B-B14F-4D97-AF65-F5344CB8AC3E}">
-        <p14:creationId xmlns:p14="http://schemas.microsoft.com/office/powerpoint/2010/main" val="656484464"/>
+        <p14:creationId xmlns:p14="http://schemas.microsoft.com/office/powerpoint/2010/main" val="1446980840"/>
       </p:ext>
     </p:extLst>
   </p:cSld>
   <p:clrMapOvr>
     <a:masterClrMapping/>
   </p:clrMapOvr>
+  <p:timing>
+    <p:tnLst>
+      <p:par>
+        <p:cTn id="1" dur="indefinite" restart="never" nodeType="tmRoot">
+          <p:childTnLst>
+            <p:seq concurrent="1" nextAc="seek">
+              <p:cTn id="2" dur="indefinite" nodeType="mainSeq">
+                <p:childTnLst>
+                  <p:par>
+                    <p:cTn id="3" fill="hold">
+                      <p:stCondLst>
+                        <p:cond delay="indefinite"/>
+                      </p:stCondLst>
+                      <p:childTnLst>
+                        <p:par>
+                          <p:cTn id="4" fill="hold">
+                            <p:stCondLst>
+                              <p:cond delay="0"/>
+                            </p:stCondLst>
+                            <p:childTnLst>
+                              <p:par>
+                                <p:cTn id="5" presetID="1" presetClass="entr" presetSubtype="0" fill="hold" nodeType="clickEffect">
+                                  <p:stCondLst>
+                                    <p:cond delay="0"/>
+                                  </p:stCondLst>
+                                  <p:childTnLst>
+                                    <p:set>
+                                      <p:cBhvr>
+                                        <p:cTn id="6" dur="1" fill="hold">
+                                          <p:stCondLst>
+                                            <p:cond delay="0"/>
+                                          </p:stCondLst>
+                                        </p:cTn>
+                                        <p:tgtEl>
+                                          <p:spTgt spid="3">
+                                            <p:txEl>
+                                              <p:pRg st="2" end="2"/>
+                                            </p:txEl>
+                                          </p:spTgt>
+                                        </p:tgtEl>
+                                        <p:attrNameLst>
+                                          <p:attrName>style.visibility</p:attrName>
+                                        </p:attrNameLst>
+                                      </p:cBhvr>
+                                      <p:to>
+                                        <p:strVal val="visible"/>
+                                      </p:to>
+                                    </p:set>
+                                  </p:childTnLst>
+                                </p:cTn>
+                              </p:par>
+                            </p:childTnLst>
+                          </p:cTn>
+                        </p:par>
+                      </p:childTnLst>
+                    </p:cTn>
+                  </p:par>
+                  <p:par>
+                    <p:cTn id="7" fill="hold">
+                      <p:stCondLst>
+                        <p:cond delay="indefinite"/>
+                      </p:stCondLst>
+                      <p:childTnLst>
+                        <p:par>
+                          <p:cTn id="8" fill="hold">
+                            <p:stCondLst>
+                              <p:cond delay="0"/>
+                            </p:stCondLst>
+                            <p:childTnLst>
+                              <p:par>
+                                <p:cTn id="9" presetID="1" presetClass="entr" presetSubtype="0" fill="hold" nodeType="clickEffect">
+                                  <p:stCondLst>
+                                    <p:cond delay="0"/>
+                                  </p:stCondLst>
+                                  <p:childTnLst>
+                                    <p:set>
+                                      <p:cBhvr>
+                                        <p:cTn id="10" dur="1" fill="hold">
+                                          <p:stCondLst>
+                                            <p:cond delay="0"/>
+                                          </p:stCondLst>
+                                        </p:cTn>
+                                        <p:tgtEl>
+                                          <p:spTgt spid="3">
+                                            <p:txEl>
+                                              <p:pRg st="3" end="3"/>
+                                            </p:txEl>
+                                          </p:spTgt>
+                                        </p:tgtEl>
+                                        <p:attrNameLst>
+                                          <p:attrName>style.visibility</p:attrName>
+                                        </p:attrNameLst>
+                                      </p:cBhvr>
+                                      <p:to>
+                                        <p:strVal val="visible"/>
+                                      </p:to>
+                                    </p:set>
+                                  </p:childTnLst>
+                                </p:cTn>
+                              </p:par>
+                            </p:childTnLst>
+                          </p:cTn>
+                        </p:par>
+                      </p:childTnLst>
+                    </p:cTn>
+                  </p:par>
+                </p:childTnLst>
+              </p:cTn>
+              <p:prevCondLst>
+                <p:cond evt="onPrev" delay="0">
+                  <p:tgtEl>
+                    <p:sldTgt/>
+                  </p:tgtEl>
+                </p:cond>
+              </p:prevCondLst>
+              <p:nextCondLst>
+                <p:cond evt="onNext" delay="0">
+                  <p:tgtEl>
+                    <p:sldTgt/>
+                  </p:tgtEl>
+                </p:cond>
+              </p:nextCondLst>
+            </p:seq>
+          </p:childTnLst>
+        </p:cTn>
+      </p:par>
+    </p:tnLst>
+  </p:timing>
+</p:sld>
+</file>
+
+<file path=ppt/slides/slide8.xml><?xml version="1.0" encoding="utf-8"?>
+<p:sld xmlns:a="http://schemas.openxmlformats.org/drawingml/2006/main" xmlns:r="http://schemas.openxmlformats.org/officeDocument/2006/relationships" xmlns:p="http://schemas.openxmlformats.org/presentationml/2006/main">
+  <p:cSld>
+    <p:spTree>
+      <p:nvGrpSpPr>
+        <p:cNvPr id="1" name=""/>
+        <p:cNvGrpSpPr/>
+        <p:nvPr/>
+      </p:nvGrpSpPr>
+      <p:grpSpPr>
+        <a:xfrm>
+          <a:off x="0" y="0"/>
+          <a:ext cx="0" cy="0"/>
+          <a:chOff x="0" y="0"/>
+          <a:chExt cx="0" cy="0"/>
+        </a:xfrm>
+      </p:grpSpPr>
+      <p:sp>
+        <p:nvSpPr>
+          <p:cNvPr id="2" name="Title 1">
+            <a:extLst>
+              <a:ext uri="{FF2B5EF4-FFF2-40B4-BE49-F238E27FC236}">
+                <a16:creationId xmlns:a16="http://schemas.microsoft.com/office/drawing/2014/main" id="{7750214C-D02C-4FCA-A203-43857F53C60B}"/>
+              </a:ext>
+            </a:extLst>
+          </p:cNvPr>
+          <p:cNvSpPr>
+            <a:spLocks noGrp="1"/>
+          </p:cNvSpPr>
+          <p:nvPr>
+            <p:ph type="title"/>
+          </p:nvPr>
+        </p:nvSpPr>
+        <p:spPr/>
+        <p:txBody>
+          <a:bodyPr/>
+          <a:lstStyle/>
+          <a:p>
+            <a:r>
+              <a:rPr lang="en-US" dirty="0"/>
+              <a:t>Bias-Variance Tradeoff</a:t>
+            </a:r>
+          </a:p>
+        </p:txBody>
+      </p:sp>
+      <p:pic>
+        <p:nvPicPr>
+          <p:cNvPr id="5" name="Picture 4">
+            <a:extLst>
+              <a:ext uri="{FF2B5EF4-FFF2-40B4-BE49-F238E27FC236}">
+                <a16:creationId xmlns:a16="http://schemas.microsoft.com/office/drawing/2014/main" id="{35451C20-C1BB-490F-936D-567CF0243ADC}"/>
+              </a:ext>
+            </a:extLst>
+          </p:cNvPr>
+          <p:cNvPicPr>
+            <a:picLocks noChangeAspect="1"/>
+          </p:cNvPicPr>
+          <p:nvPr/>
+        </p:nvPicPr>
+        <p:blipFill>
+          <a:blip r:embed="rId3"/>
+          <a:stretch>
+            <a:fillRect/>
+          </a:stretch>
+        </p:blipFill>
+        <p:spPr>
+          <a:xfrm>
+            <a:off x="1384055" y="1691322"/>
+            <a:ext cx="6610350" cy="4305300"/>
+          </a:xfrm>
+          <a:prstGeom prst="rect">
+            <a:avLst/>
+          </a:prstGeom>
+        </p:spPr>
+      </p:pic>
+    </p:spTree>
+    <p:extLst>
+      <p:ext uri="{BB962C8B-B14F-4D97-AF65-F5344CB8AC3E}">
+        <p14:creationId xmlns:p14="http://schemas.microsoft.com/office/powerpoint/2010/main" val="1706346971"/>
+      </p:ext>
+    </p:extLst>
+  </p:cSld>
+  <p:clrMapOvr>
+    <a:masterClrMapping/>
+  </p:clrMapOvr>
+</p:sld>
+</file>
+
+<file path=ppt/slides/slide9.xml><?xml version="1.0" encoding="utf-8"?>
+<p:sld xmlns:a="http://schemas.openxmlformats.org/drawingml/2006/main" xmlns:r="http://schemas.openxmlformats.org/officeDocument/2006/relationships" xmlns:p="http://schemas.openxmlformats.org/presentationml/2006/main">
+  <p:cSld>
+    <p:bg>
+      <p:bgPr>
+        <a:solidFill>
+          <a:schemeClr val="bg1"/>
+        </a:solidFill>
+        <a:effectLst/>
+      </p:bgPr>
+    </p:bg>
+    <p:spTree>
+      <p:nvGrpSpPr>
+        <p:cNvPr id="1" name=""/>
+        <p:cNvGrpSpPr/>
+        <p:nvPr/>
+      </p:nvGrpSpPr>
+      <p:grpSpPr>
+        <a:xfrm>
+          <a:off x="0" y="0"/>
+          <a:ext cx="0" cy="0"/>
+          <a:chOff x="0" y="0"/>
+          <a:chExt cx="0" cy="0"/>
+        </a:xfrm>
+      </p:grpSpPr>
+      <p:sp>
+        <p:nvSpPr>
+          <p:cNvPr id="2" name="Title 1">
+            <a:extLst>
+              <a:ext uri="{FF2B5EF4-FFF2-40B4-BE49-F238E27FC236}">
+                <a16:creationId xmlns:a16="http://schemas.microsoft.com/office/drawing/2014/main" id="{6D62FF6B-9638-4395-BA5C-D175AFD34E54}"/>
+              </a:ext>
+            </a:extLst>
+          </p:cNvPr>
+          <p:cNvSpPr>
+            <a:spLocks noGrp="1"/>
+          </p:cNvSpPr>
+          <p:nvPr>
+            <p:ph type="title"/>
+          </p:nvPr>
+        </p:nvSpPr>
+        <p:spPr>
+          <a:xfrm>
+            <a:off x="1261872" y="365760"/>
+            <a:ext cx="9692640" cy="1325562"/>
+          </a:xfrm>
+        </p:spPr>
+        <p:txBody>
+          <a:bodyPr>
+            <a:normAutofit/>
+          </a:bodyPr>
+          <a:lstStyle/>
+          <a:p>
+            <a:r>
+              <a:rPr lang="en-US" dirty="0"/>
+              <a:t>How do you reduce variance without increasing bias?</a:t>
+            </a:r>
+          </a:p>
+        </p:txBody>
+      </p:sp>
+      <p:graphicFrame>
+        <p:nvGraphicFramePr>
+          <p:cNvPr id="5" name="Content Placeholder 2">
+            <a:extLst>
+              <a:ext uri="{FF2B5EF4-FFF2-40B4-BE49-F238E27FC236}">
+                <a16:creationId xmlns:a16="http://schemas.microsoft.com/office/drawing/2014/main" id="{C75CE237-8E68-4B25-8640-6B9DBC717C75}"/>
+              </a:ext>
+            </a:extLst>
+          </p:cNvPr>
+          <p:cNvGraphicFramePr>
+            <a:graphicFrameLocks noGrp="1"/>
+          </p:cNvGraphicFramePr>
+          <p:nvPr>
+            <p:ph idx="1"/>
+            <p:extLst>
+              <p:ext uri="{D42A27DB-BD31-4B8C-83A1-F6EECF244321}">
+                <p14:modId xmlns:p14="http://schemas.microsoft.com/office/powerpoint/2010/main" val="1185649472"/>
+              </p:ext>
+            </p:extLst>
+          </p:nvPr>
+        </p:nvGraphicFramePr>
+        <p:xfrm>
+          <a:off x="1262063" y="2013055"/>
+          <a:ext cx="8785735" cy="4201478"/>
+        </p:xfrm>
+        <a:graphic>
+          <a:graphicData uri="http://schemas.openxmlformats.org/drawingml/2006/diagram">
+            <dgm:relIds xmlns:dgm="http://schemas.openxmlformats.org/drawingml/2006/diagram" xmlns:r="http://schemas.openxmlformats.org/officeDocument/2006/relationships" r:dm="rId3" r:lo="rId4" r:qs="rId5" r:cs="rId6"/>
+          </a:graphicData>
+        </a:graphic>
+      </p:graphicFrame>
+    </p:spTree>
+    <p:extLst>
+      <p:ext uri="{BB962C8B-B14F-4D97-AF65-F5344CB8AC3E}">
+        <p14:creationId xmlns:p14="http://schemas.microsoft.com/office/powerpoint/2010/main" val="2343122152"/>
+      </p:ext>
+    </p:extLst>
+  </p:cSld>
+  <p:clrMapOvr>
+    <a:masterClrMapping/>
+  </p:clrMapOvr>
+  <p:timing>
+    <p:tnLst>
+      <p:par>
+        <p:cTn id="1" dur="indefinite" restart="never" nodeType="tmRoot">
+          <p:childTnLst>
+            <p:seq concurrent="1" nextAc="seek">
+              <p:cTn id="2" dur="indefinite" nodeType="mainSeq">
+                <p:childTnLst>
+                  <p:par>
+                    <p:cTn id="3" fill="hold">
+                      <p:stCondLst>
+                        <p:cond delay="indefinite"/>
+                      </p:stCondLst>
+                      <p:childTnLst>
+                        <p:par>
+                          <p:cTn id="4" fill="hold">
+                            <p:stCondLst>
+                              <p:cond delay="0"/>
+                            </p:stCondLst>
+                            <p:childTnLst>
+                              <p:par>
+                                <p:cTn id="5" presetID="1" presetClass="entr" presetSubtype="0" fill="hold" grpId="0" nodeType="clickEffect">
+                                  <p:stCondLst>
+                                    <p:cond delay="0"/>
+                                  </p:stCondLst>
+                                  <p:childTnLst>
+                                    <p:set>
+                                      <p:cBhvr>
+                                        <p:cTn id="6" dur="1" fill="hold">
+                                          <p:stCondLst>
+                                            <p:cond delay="0"/>
+                                          </p:stCondLst>
+                                        </p:cTn>
+                                        <p:tgtEl>
+                                          <p:spTgt spid="5"/>
+                                        </p:tgtEl>
+                                        <p:attrNameLst>
+                                          <p:attrName>style.visibility</p:attrName>
+                                        </p:attrNameLst>
+                                      </p:cBhvr>
+                                      <p:to>
+                                        <p:strVal val="visible"/>
+                                      </p:to>
+                                    </p:set>
+                                  </p:childTnLst>
+                                </p:cTn>
+                              </p:par>
+                            </p:childTnLst>
+                          </p:cTn>
+                        </p:par>
+                      </p:childTnLst>
+                    </p:cTn>
+                  </p:par>
+                </p:childTnLst>
+              </p:cTn>
+              <p:prevCondLst>
+                <p:cond evt="onPrev" delay="0">
+                  <p:tgtEl>
+                    <p:sldTgt/>
+                  </p:tgtEl>
+                </p:cond>
+              </p:prevCondLst>
+              <p:nextCondLst>
+                <p:cond evt="onNext" delay="0">
+                  <p:tgtEl>
+                    <p:sldTgt/>
+                  </p:tgtEl>
+                </p:cond>
+              </p:nextCondLst>
+            </p:seq>
+          </p:childTnLst>
+        </p:cTn>
+      </p:par>
+    </p:tnLst>
+    <p:bldLst>
+      <p:bldGraphic spid="5" grpId="0">
+        <p:bldAsOne/>
+      </p:bldGraphic>
+    </p:bldLst>
+  </p:timing>
 </p:sld>
 </file>
 

--- a/course_material/week_17/week_17_presentation.pptx
+++ b/course_material/week_17/week_17_presentation.pptx
@@ -4627,7 +4627,7 @@
           <a:p>
             <a:fld id="{5CF9EFDB-215C-4120-ADCB-EAD745B7163E}" type="datetimeFigureOut">
               <a:rPr lang="en-US" smtClean="0"/>
-              <a:t>6/16/2021</a:t>
+              <a:t>6/20/2021</a:t>
             </a:fld>
             <a:endParaRPr lang="en-US"/>
           </a:p>
@@ -5948,7 +5948,7 @@
           <a:p>
             <a:fld id="{ACF1A1B0-862D-4909-A7DB-D8ADA062DFCA}" type="datetimeFigureOut">
               <a:rPr lang="en-US" dirty="0"/>
-              <a:t>6/16/2021</a:t>
+              <a:t>6/20/2021</a:t>
             </a:fld>
             <a:endParaRPr lang="en-US"/>
           </a:p>
@@ -6171,7 +6171,7 @@
           <a:p>
             <a:fld id="{7B156144-9CB7-4E3A-B87E-A382F9BE05EF}" type="datetimeFigureOut">
               <a:rPr lang="en-US" dirty="0"/>
-              <a:t>6/16/2021</a:t>
+              <a:t>6/20/2021</a:t>
             </a:fld>
             <a:endParaRPr lang="en-US"/>
           </a:p>
@@ -6349,7 +6349,7 @@
           <a:p>
             <a:fld id="{2643D55F-46AB-4791-9172-4FA8DD3A6A9C}" type="datetimeFigureOut">
               <a:rPr lang="en-US" dirty="0"/>
-              <a:t>6/16/2021</a:t>
+              <a:t>6/20/2021</a:t>
             </a:fld>
             <a:endParaRPr lang="en-US"/>
           </a:p>
@@ -6517,7 +6517,7 @@
           <a:p>
             <a:fld id="{58026881-8A08-449C-8D73-E5F201F814C1}" type="datetimeFigureOut">
               <a:rPr lang="en-US" dirty="0"/>
-              <a:t>6/16/2021</a:t>
+              <a:t>6/20/2021</a:t>
             </a:fld>
             <a:endParaRPr lang="en-US"/>
           </a:p>
@@ -6807,7 +6807,7 @@
           <a:p>
             <a:fld id="{1BEB5A5E-0C07-4E93-A112-D37B4D166B30}" type="datetimeFigureOut">
               <a:rPr lang="en-US" dirty="0"/>
-              <a:t>6/16/2021</a:t>
+              <a:t>6/20/2021</a:t>
             </a:fld>
             <a:endParaRPr lang="en-US"/>
           </a:p>
@@ -7130,7 +7130,7 @@
           <a:p>
             <a:fld id="{9E1F71C5-DC57-4358-A1EA-30C08AF6E3C5}" type="datetimeFigureOut">
               <a:rPr lang="en-US" dirty="0"/>
-              <a:t>6/16/2021</a:t>
+              <a:t>6/20/2021</a:t>
             </a:fld>
             <a:endParaRPr lang="en-US"/>
           </a:p>
@@ -7539,7 +7539,7 @@
           <a:p>
             <a:fld id="{12571DBA-DE60-4731-B773-47AAA185C143}" type="datetimeFigureOut">
               <a:rPr lang="en-US" dirty="0"/>
-              <a:t>6/16/2021</a:t>
+              <a:t>6/20/2021</a:t>
             </a:fld>
             <a:endParaRPr lang="en-US"/>
           </a:p>
@@ -7656,7 +7656,7 @@
           <a:p>
             <a:fld id="{4F170639-886C-4FCF-9EAB-ABB5DA3F3F4A}" type="datetimeFigureOut">
               <a:rPr lang="en-US" dirty="0"/>
-              <a:t>6/16/2021</a:t>
+              <a:t>6/20/2021</a:t>
             </a:fld>
             <a:endParaRPr lang="en-US"/>
           </a:p>
@@ -7751,7 +7751,7 @@
           <a:p>
             <a:fld id="{34C4A628-C83B-4C66-83F4-1711CE3738FD}" type="datetimeFigureOut">
               <a:rPr lang="en-US" dirty="0"/>
-              <a:t>6/16/2021</a:t>
+              <a:t>6/20/2021</a:t>
             </a:fld>
             <a:endParaRPr lang="en-US"/>
           </a:p>
@@ -8036,7 +8036,7 @@
           <a:p>
             <a:fld id="{B88C1D73-9400-43CA-A37F-F9B7D00DE14C}" type="datetimeFigureOut">
               <a:rPr lang="en-US" dirty="0"/>
-              <a:t>6/16/2021</a:t>
+              <a:t>6/20/2021</a:t>
             </a:fld>
             <a:endParaRPr lang="en-US"/>
           </a:p>
@@ -8308,7 +8308,7 @@
           <a:p>
             <a:fld id="{188B7711-B905-4633-B4D7-6F3A49A2E7D9}" type="datetimeFigureOut">
               <a:rPr lang="en-US" dirty="0"/>
-              <a:t>6/16/2021</a:t>
+              <a:t>6/20/2021</a:t>
             </a:fld>
             <a:endParaRPr lang="en-US"/>
           </a:p>
@@ -8558,7 +8558,7 @@
             <a:fld id="{89C235CF-BDA2-4E7E-8BBD-350479985E74}" type="datetimeFigureOut">
               <a:rPr lang="en-US" dirty="0"/>
               <a:pPr/>
-              <a:t>6/16/2021</a:t>
+              <a:t>6/20/2021</a:t>
             </a:fld>
             <a:endParaRPr lang="en-US"/>
           </a:p>
@@ -10356,6 +10356,29 @@
               <a:rPr lang="en-US" dirty="0"/>
               <a:t>What are underfitting and overfitting? How do you avoid them?</a:t>
             </a:r>
+          </a:p>
+          <a:p>
+            <a:endParaRPr lang="en-US" dirty="0"/>
+          </a:p>
+          <a:p>
+            <a:endParaRPr lang="en-US" dirty="0"/>
+          </a:p>
+          <a:p>
+            <a:endParaRPr lang="en-US" dirty="0"/>
+          </a:p>
+          <a:p>
+            <a:endParaRPr lang="en-US" dirty="0"/>
+          </a:p>
+          <a:p>
+            <a:r>
+              <a:rPr lang="en-US" dirty="0"/>
+              <a:t>What is cross </a:t>
+            </a:r>
+            <a:r>
+              <a:rPr lang="en-US"/>
+              <a:t>validation?</a:t>
+            </a:r>
+            <a:endParaRPr lang="en-US" dirty="0"/>
           </a:p>
           <a:p>
             <a:endParaRPr lang="en-US" dirty="0"/>

--- a/course_material/week_17/week_17_presentation.pptx
+++ b/course_material/week_17/week_17_presentation.pptx
@@ -5,7 +5,7 @@
     <p:sldMasterId id="2147483696" r:id="rId1"/>
   </p:sldMasterIdLst>
   <p:notesMasterIdLst>
-    <p:notesMasterId r:id="rId18"/>
+    <p:notesMasterId r:id="rId19"/>
   </p:notesMasterIdLst>
   <p:sldIdLst>
     <p:sldId id="256" r:id="rId2"/>
@@ -14,16 +14,17 @@
     <p:sldId id="318" r:id="rId5"/>
     <p:sldId id="319" r:id="rId6"/>
     <p:sldId id="320" r:id="rId7"/>
-    <p:sldId id="321" r:id="rId8"/>
-    <p:sldId id="323" r:id="rId9"/>
-    <p:sldId id="324" r:id="rId10"/>
-    <p:sldId id="327" r:id="rId11"/>
-    <p:sldId id="325" r:id="rId12"/>
-    <p:sldId id="326" r:id="rId13"/>
-    <p:sldId id="328" r:id="rId14"/>
-    <p:sldId id="311" r:id="rId15"/>
-    <p:sldId id="322" r:id="rId16"/>
-    <p:sldId id="271" r:id="rId17"/>
+    <p:sldId id="329" r:id="rId8"/>
+    <p:sldId id="321" r:id="rId9"/>
+    <p:sldId id="323" r:id="rId10"/>
+    <p:sldId id="324" r:id="rId11"/>
+    <p:sldId id="327" r:id="rId12"/>
+    <p:sldId id="325" r:id="rId13"/>
+    <p:sldId id="326" r:id="rId14"/>
+    <p:sldId id="328" r:id="rId15"/>
+    <p:sldId id="311" r:id="rId16"/>
+    <p:sldId id="322" r:id="rId17"/>
+    <p:sldId id="271" r:id="rId18"/>
   </p:sldIdLst>
   <p:sldSz cx="12192000" cy="6858000"/>
   <p:notesSz cx="6858000" cy="9144000"/>
@@ -5043,7 +5044,7 @@
           <a:p>
             <a:fld id="{791F1524-C5FD-4370-8A10-5BE52A97A495}" type="slidenum">
               <a:rPr lang="en-US" smtClean="0"/>
-              <a:t>16</a:t>
+              <a:t>17</a:t>
             </a:fld>
             <a:endParaRPr lang="en-US"/>
           </a:p>
@@ -5295,7 +5296,7 @@
           <a:p>
             <a:fld id="{791F1524-C5FD-4370-8A10-5BE52A97A495}" type="slidenum">
               <a:rPr lang="en-US" smtClean="0"/>
-              <a:t>7</a:t>
+              <a:t>8</a:t>
             </a:fld>
             <a:endParaRPr lang="en-US"/>
           </a:p>
@@ -5390,7 +5391,7 @@
           <a:p>
             <a:fld id="{791F1524-C5FD-4370-8A10-5BE52A97A495}" type="slidenum">
               <a:rPr lang="en-US" smtClean="0"/>
-              <a:t>8</a:t>
+              <a:t>9</a:t>
             </a:fld>
             <a:endParaRPr lang="en-US"/>
           </a:p>
@@ -5474,7 +5475,7 @@
           <a:p>
             <a:fld id="{791F1524-C5FD-4370-8A10-5BE52A97A495}" type="slidenum">
               <a:rPr lang="en-US" smtClean="0"/>
-              <a:t>9</a:t>
+              <a:t>10</a:t>
             </a:fld>
             <a:endParaRPr lang="en-US"/>
           </a:p>
@@ -5561,7 +5562,7 @@
           <a:p>
             <a:fld id="{791F1524-C5FD-4370-8A10-5BE52A97A495}" type="slidenum">
               <a:rPr lang="en-US" smtClean="0"/>
-              <a:t>11</a:t>
+              <a:t>12</a:t>
             </a:fld>
             <a:endParaRPr lang="en-US"/>
           </a:p>
@@ -5648,7 +5649,7 @@
           <a:p>
             <a:fld id="{791F1524-C5FD-4370-8A10-5BE52A97A495}" type="slidenum">
               <a:rPr lang="en-US" smtClean="0"/>
-              <a:t>13</a:t>
+              <a:t>14</a:t>
             </a:fld>
             <a:endParaRPr lang="en-US"/>
           </a:p>
@@ -5735,7 +5736,7 @@
           <a:p>
             <a:fld id="{791F1524-C5FD-4370-8A10-5BE52A97A495}" type="slidenum">
               <a:rPr lang="en-US" smtClean="0"/>
-              <a:t>15</a:t>
+              <a:t>16</a:t>
             </a:fld>
             <a:endParaRPr lang="en-US"/>
           </a:p>
@@ -9105,6 +9106,14 @@
 <file path=ppt/slides/slide10.xml><?xml version="1.0" encoding="utf-8"?>
 <p:sld xmlns:a="http://schemas.openxmlformats.org/drawingml/2006/main" xmlns:r="http://schemas.openxmlformats.org/officeDocument/2006/relationships" xmlns:p="http://schemas.openxmlformats.org/presentationml/2006/main">
   <p:cSld>
+    <p:bg>
+      <p:bgPr>
+        <a:solidFill>
+          <a:schemeClr val="bg1"/>
+        </a:solidFill>
+        <a:effectLst/>
+      </p:bgPr>
+    </p:bg>
     <p:spTree>
       <p:nvGrpSpPr>
         <p:cNvPr id="1" name=""/>
@@ -9124,6 +9133,182 @@
           <p:cNvPr id="2" name="Title 1">
             <a:extLst>
               <a:ext uri="{FF2B5EF4-FFF2-40B4-BE49-F238E27FC236}">
+                <a16:creationId xmlns:a16="http://schemas.microsoft.com/office/drawing/2014/main" id="{6D62FF6B-9638-4395-BA5C-D175AFD34E54}"/>
+              </a:ext>
+            </a:extLst>
+          </p:cNvPr>
+          <p:cNvSpPr>
+            <a:spLocks noGrp="1"/>
+          </p:cNvSpPr>
+          <p:nvPr>
+            <p:ph type="title"/>
+          </p:nvPr>
+        </p:nvSpPr>
+        <p:spPr>
+          <a:xfrm>
+            <a:off x="1261872" y="365760"/>
+            <a:ext cx="9692640" cy="1325562"/>
+          </a:xfrm>
+        </p:spPr>
+        <p:txBody>
+          <a:bodyPr>
+            <a:normAutofit/>
+          </a:bodyPr>
+          <a:lstStyle/>
+          <a:p>
+            <a:r>
+              <a:rPr lang="en-US" dirty="0"/>
+              <a:t>How do you reduce variance without increasing bias?</a:t>
+            </a:r>
+          </a:p>
+        </p:txBody>
+      </p:sp>
+      <p:graphicFrame>
+        <p:nvGraphicFramePr>
+          <p:cNvPr id="5" name="Content Placeholder 2">
+            <a:extLst>
+              <a:ext uri="{FF2B5EF4-FFF2-40B4-BE49-F238E27FC236}">
+                <a16:creationId xmlns:a16="http://schemas.microsoft.com/office/drawing/2014/main" id="{C75CE237-8E68-4B25-8640-6B9DBC717C75}"/>
+              </a:ext>
+            </a:extLst>
+          </p:cNvPr>
+          <p:cNvGraphicFramePr>
+            <a:graphicFrameLocks noGrp="1"/>
+          </p:cNvGraphicFramePr>
+          <p:nvPr>
+            <p:ph idx="1"/>
+            <p:extLst>
+              <p:ext uri="{D42A27DB-BD31-4B8C-83A1-F6EECF244321}">
+                <p14:modId xmlns:p14="http://schemas.microsoft.com/office/powerpoint/2010/main" val="1185649472"/>
+              </p:ext>
+            </p:extLst>
+          </p:nvPr>
+        </p:nvGraphicFramePr>
+        <p:xfrm>
+          <a:off x="1262063" y="2013055"/>
+          <a:ext cx="8785735" cy="4201478"/>
+        </p:xfrm>
+        <a:graphic>
+          <a:graphicData uri="http://schemas.openxmlformats.org/drawingml/2006/diagram">
+            <dgm:relIds xmlns:dgm="http://schemas.openxmlformats.org/drawingml/2006/diagram" xmlns:r="http://schemas.openxmlformats.org/officeDocument/2006/relationships" r:dm="rId3" r:lo="rId4" r:qs="rId5" r:cs="rId6"/>
+          </a:graphicData>
+        </a:graphic>
+      </p:graphicFrame>
+    </p:spTree>
+    <p:extLst>
+      <p:ext uri="{BB962C8B-B14F-4D97-AF65-F5344CB8AC3E}">
+        <p14:creationId xmlns:p14="http://schemas.microsoft.com/office/powerpoint/2010/main" val="2343122152"/>
+      </p:ext>
+    </p:extLst>
+  </p:cSld>
+  <p:clrMapOvr>
+    <a:masterClrMapping/>
+  </p:clrMapOvr>
+  <p:timing>
+    <p:tnLst>
+      <p:par>
+        <p:cTn id="1" dur="indefinite" restart="never" nodeType="tmRoot">
+          <p:childTnLst>
+            <p:seq concurrent="1" nextAc="seek">
+              <p:cTn id="2" dur="indefinite" nodeType="mainSeq">
+                <p:childTnLst>
+                  <p:par>
+                    <p:cTn id="3" fill="hold">
+                      <p:stCondLst>
+                        <p:cond delay="indefinite"/>
+                      </p:stCondLst>
+                      <p:childTnLst>
+                        <p:par>
+                          <p:cTn id="4" fill="hold">
+                            <p:stCondLst>
+                              <p:cond delay="0"/>
+                            </p:stCondLst>
+                            <p:childTnLst>
+                              <p:par>
+                                <p:cTn id="5" presetID="1" presetClass="entr" presetSubtype="0" fill="hold" grpId="0" nodeType="clickEffect">
+                                  <p:stCondLst>
+                                    <p:cond delay="0"/>
+                                  </p:stCondLst>
+                                  <p:childTnLst>
+                                    <p:set>
+                                      <p:cBhvr>
+                                        <p:cTn id="6" dur="1" fill="hold">
+                                          <p:stCondLst>
+                                            <p:cond delay="0"/>
+                                          </p:stCondLst>
+                                        </p:cTn>
+                                        <p:tgtEl>
+                                          <p:spTgt spid="5"/>
+                                        </p:tgtEl>
+                                        <p:attrNameLst>
+                                          <p:attrName>style.visibility</p:attrName>
+                                        </p:attrNameLst>
+                                      </p:cBhvr>
+                                      <p:to>
+                                        <p:strVal val="visible"/>
+                                      </p:to>
+                                    </p:set>
+                                  </p:childTnLst>
+                                </p:cTn>
+                              </p:par>
+                            </p:childTnLst>
+                          </p:cTn>
+                        </p:par>
+                      </p:childTnLst>
+                    </p:cTn>
+                  </p:par>
+                </p:childTnLst>
+              </p:cTn>
+              <p:prevCondLst>
+                <p:cond evt="onPrev" delay="0">
+                  <p:tgtEl>
+                    <p:sldTgt/>
+                  </p:tgtEl>
+                </p:cond>
+              </p:prevCondLst>
+              <p:nextCondLst>
+                <p:cond evt="onNext" delay="0">
+                  <p:tgtEl>
+                    <p:sldTgt/>
+                  </p:tgtEl>
+                </p:cond>
+              </p:nextCondLst>
+            </p:seq>
+          </p:childTnLst>
+        </p:cTn>
+      </p:par>
+    </p:tnLst>
+    <p:bldLst>
+      <p:bldGraphic spid="5" grpId="0">
+        <p:bldAsOne/>
+      </p:bldGraphic>
+    </p:bldLst>
+  </p:timing>
+</p:sld>
+</file>
+
+<file path=ppt/slides/slide11.xml><?xml version="1.0" encoding="utf-8"?>
+<p:sld xmlns:a="http://schemas.openxmlformats.org/drawingml/2006/main" xmlns:r="http://schemas.openxmlformats.org/officeDocument/2006/relationships" xmlns:p="http://schemas.openxmlformats.org/presentationml/2006/main">
+  <p:cSld>
+    <p:spTree>
+      <p:nvGrpSpPr>
+        <p:cNvPr id="1" name=""/>
+        <p:cNvGrpSpPr/>
+        <p:nvPr/>
+      </p:nvGrpSpPr>
+      <p:grpSpPr>
+        <a:xfrm>
+          <a:off x="0" y="0"/>
+          <a:ext cx="0" cy="0"/>
+          <a:chOff x="0" y="0"/>
+          <a:chExt cx="0" cy="0"/>
+        </a:xfrm>
+      </p:grpSpPr>
+      <p:sp>
+        <p:nvSpPr>
+          <p:cNvPr id="2" name="Title 1">
+            <a:extLst>
+              <a:ext uri="{FF2B5EF4-FFF2-40B4-BE49-F238E27FC236}">
                 <a16:creationId xmlns:a16="http://schemas.microsoft.com/office/drawing/2014/main" id="{3B2C3158-93AC-42EB-925B-0A36661D757B}"/>
               </a:ext>
             </a:extLst>
@@ -9218,7 +9403,7 @@
 </p:sld>
 </file>
 
-<file path=ppt/slides/slide11.xml><?xml version="1.0" encoding="utf-8"?>
+<file path=ppt/slides/slide12.xml><?xml version="1.0" encoding="utf-8"?>
 <p:sld xmlns:a="http://schemas.openxmlformats.org/drawingml/2006/main" xmlns:r="http://schemas.openxmlformats.org/officeDocument/2006/relationships" xmlns:p="http://schemas.openxmlformats.org/presentationml/2006/main">
   <p:cSld>
     <p:bg>
@@ -9372,7 +9557,7 @@
 </p:sld>
 </file>
 
-<file path=ppt/slides/slide12.xml><?xml version="1.0" encoding="utf-8"?>
+<file path=ppt/slides/slide13.xml><?xml version="1.0" encoding="utf-8"?>
 <p:sld xmlns:a="http://schemas.openxmlformats.org/drawingml/2006/main" xmlns:r="http://schemas.openxmlformats.org/officeDocument/2006/relationships" xmlns:p="http://schemas.openxmlformats.org/presentationml/2006/main">
   <p:cSld>
     <p:spTree>
@@ -9634,7 +9819,7 @@
 </p:sld>
 </file>
 
-<file path=ppt/slides/slide13.xml><?xml version="1.0" encoding="utf-8"?>
+<file path=ppt/slides/slide14.xml><?xml version="1.0" encoding="utf-8"?>
 <p:sld xmlns:a="http://schemas.openxmlformats.org/drawingml/2006/main" xmlns:r="http://schemas.openxmlformats.org/officeDocument/2006/relationships" xmlns:p="http://schemas.openxmlformats.org/presentationml/2006/main">
   <p:cSld>
     <p:spTree>
@@ -9761,7 +9946,7 @@
 </p:sld>
 </file>
 
-<file path=ppt/slides/slide14.xml><?xml version="1.0" encoding="utf-8"?>
+<file path=ppt/slides/slide15.xml><?xml version="1.0" encoding="utf-8"?>
 <p:sld xmlns:a="http://schemas.openxmlformats.org/drawingml/2006/main" xmlns:r="http://schemas.openxmlformats.org/officeDocument/2006/relationships" xmlns:p="http://schemas.openxmlformats.org/presentationml/2006/main">
   <p:cSld>
     <p:spTree>
@@ -9878,7 +10063,7 @@
 </p:sld>
 </file>
 
-<file path=ppt/slides/slide15.xml><?xml version="1.0" encoding="utf-8"?>
+<file path=ppt/slides/slide16.xml><?xml version="1.0" encoding="utf-8"?>
 <p:sld xmlns:a="http://schemas.openxmlformats.org/drawingml/2006/main" xmlns:r="http://schemas.openxmlformats.org/officeDocument/2006/relationships" xmlns:p="http://schemas.openxmlformats.org/presentationml/2006/main">
   <p:cSld>
     <p:bg>
@@ -10180,7 +10365,7 @@
 </p:sld>
 </file>
 
-<file path=ppt/slides/slide16.xml><?xml version="1.0" encoding="utf-8"?>
+<file path=ppt/slides/slide17.xml><?xml version="1.0" encoding="utf-8"?>
 <p:sld xmlns:a="http://schemas.openxmlformats.org/drawingml/2006/main" xmlns:r="http://schemas.openxmlformats.org/officeDocument/2006/relationships" xmlns:p="http://schemas.openxmlformats.org/presentationml/2006/main">
   <p:cSld>
     <p:spTree>
@@ -10508,6 +10693,12 @@
           <a:p>
             <a:r>
               <a:rPr lang="en-US" dirty="0"/>
+              <a:t>ROC Curve Reading (10 mins)</a:t>
+            </a:r>
+          </a:p>
+          <a:p>
+            <a:r>
+              <a:rPr lang="en-US" dirty="0"/>
               <a:t>Ensemble Methods (15 mins)</a:t>
             </a:r>
           </a:p>
@@ -10526,7 +10717,7 @@
           <a:p>
             <a:r>
               <a:rPr lang="en-US" dirty="0"/>
-              <a:t>Group Exercise (60 mins)</a:t>
+              <a:t>Group Exercise (50 mins)</a:t>
             </a:r>
           </a:p>
         </p:txBody>
@@ -11189,6 +11380,255 @@
 </file>
 
 <file path=ppt/slides/slide7.xml><?xml version="1.0" encoding="utf-8"?>
+<p:sld xmlns:a="http://schemas.openxmlformats.org/drawingml/2006/main" xmlns:r="http://schemas.openxmlformats.org/officeDocument/2006/relationships" xmlns:p="http://schemas.openxmlformats.org/presentationml/2006/main">
+  <p:cSld>
+    <p:bg>
+      <p:bgPr>
+        <a:solidFill>
+          <a:schemeClr val="bg1">
+            <a:tint val="95000"/>
+            <a:satMod val="170000"/>
+          </a:schemeClr>
+        </a:solidFill>
+        <a:effectLst/>
+      </p:bgPr>
+    </p:bg>
+    <p:spTree>
+      <p:nvGrpSpPr>
+        <p:cNvPr id="1" name=""/>
+        <p:cNvGrpSpPr/>
+        <p:nvPr/>
+      </p:nvGrpSpPr>
+      <p:grpSpPr>
+        <a:xfrm>
+          <a:off x="0" y="0"/>
+          <a:ext cx="0" cy="0"/>
+          <a:chOff x="0" y="0"/>
+          <a:chExt cx="0" cy="0"/>
+        </a:xfrm>
+      </p:grpSpPr>
+      <p:sp useBgFill="1">
+        <p:nvSpPr>
+          <p:cNvPr id="8" name="Rectangle 7">
+            <a:extLst>
+              <a:ext uri="{FF2B5EF4-FFF2-40B4-BE49-F238E27FC236}">
+                <a16:creationId xmlns:a16="http://schemas.microsoft.com/office/drawing/2014/main" id="{C758EC8D-68D1-4138-B719-BE00C78AD146}"/>
+              </a:ext>
+              <a:ext uri="{C183D7F6-B498-43B3-948B-1728B52AA6E4}">
+                <adec:decorative xmlns:adec="http://schemas.microsoft.com/office/drawing/2017/decorative" val="1"/>
+              </a:ext>
+            </a:extLst>
+          </p:cNvPr>
+          <p:cNvSpPr>
+            <a:spLocks noGrp="1" noRot="1" noChangeAspect="1" noMove="1" noResize="1" noEditPoints="1" noAdjustHandles="1" noChangeArrowheads="1" noChangeShapeType="1" noTextEdit="1"/>
+          </p:cNvSpPr>
+          <p:nvPr>
+            <p:extLst>
+              <p:ext uri="{386F3935-93C4-4BCD-93E2-E3B085C9AB24}">
+                <p16:designElem xmlns:p16="http://schemas.microsoft.com/office/powerpoint/2015/main" val="1"/>
+              </p:ext>
+            </p:extLst>
+          </p:nvPr>
+        </p:nvSpPr>
+        <p:spPr>
+          <a:xfrm>
+            <a:off x="-3" y="0"/>
+            <a:ext cx="11292844" cy="6858000"/>
+          </a:xfrm>
+          <a:prstGeom prst="rect">
+            <a:avLst/>
+          </a:prstGeom>
+          <a:ln>
+            <a:noFill/>
+          </a:ln>
+        </p:spPr>
+        <p:style>
+          <a:lnRef idx="2">
+            <a:schemeClr val="accent1">
+              <a:shade val="50000"/>
+            </a:schemeClr>
+          </a:lnRef>
+          <a:fillRef idx="1">
+            <a:schemeClr val="accent1"/>
+          </a:fillRef>
+          <a:effectRef idx="0">
+            <a:schemeClr val="accent1"/>
+          </a:effectRef>
+          <a:fontRef idx="minor">
+            <a:schemeClr val="lt1"/>
+          </a:fontRef>
+        </p:style>
+        <p:txBody>
+          <a:bodyPr rtlCol="0" anchor="ctr"/>
+          <a:lstStyle/>
+          <a:p>
+            <a:pPr algn="ctr"/>
+            <a:endParaRPr lang="en-US"/>
+          </a:p>
+        </p:txBody>
+      </p:sp>
+      <p:sp>
+        <p:nvSpPr>
+          <p:cNvPr id="10" name="Rectangle 9">
+            <a:extLst>
+              <a:ext uri="{FF2B5EF4-FFF2-40B4-BE49-F238E27FC236}">
+                <a16:creationId xmlns:a16="http://schemas.microsoft.com/office/drawing/2014/main" id="{514579E4-5B5F-42C9-B08F-A904C81B14E8}"/>
+              </a:ext>
+              <a:ext uri="{C183D7F6-B498-43B3-948B-1728B52AA6E4}">
+                <adec:decorative xmlns:adec="http://schemas.microsoft.com/office/drawing/2017/decorative" val="1"/>
+              </a:ext>
+            </a:extLst>
+          </p:cNvPr>
+          <p:cNvSpPr>
+            <a:spLocks noGrp="1" noRot="1" noChangeAspect="1" noMove="1" noResize="1" noEditPoints="1" noAdjustHandles="1" noChangeArrowheads="1" noChangeShapeType="1" noTextEdit="1"/>
+          </p:cNvSpPr>
+          <p:nvPr>
+            <p:extLst>
+              <p:ext uri="{386F3935-93C4-4BCD-93E2-E3B085C9AB24}">
+                <p16:designElem xmlns:p16="http://schemas.microsoft.com/office/powerpoint/2015/main" val="1"/>
+              </p:ext>
+            </p:extLst>
+          </p:nvPr>
+        </p:nvSpPr>
+        <p:spPr>
+          <a:xfrm>
+            <a:off x="-3" y="-2811"/>
+            <a:ext cx="2556825" cy="6858000"/>
+          </a:xfrm>
+          <a:prstGeom prst="rect">
+            <a:avLst/>
+          </a:prstGeom>
+          <a:ln>
+            <a:noFill/>
+          </a:ln>
+        </p:spPr>
+        <p:style>
+          <a:lnRef idx="2">
+            <a:schemeClr val="accent1">
+              <a:shade val="50000"/>
+            </a:schemeClr>
+          </a:lnRef>
+          <a:fillRef idx="1">
+            <a:schemeClr val="accent1"/>
+          </a:fillRef>
+          <a:effectRef idx="0">
+            <a:schemeClr val="accent1"/>
+          </a:effectRef>
+          <a:fontRef idx="minor">
+            <a:schemeClr val="lt1"/>
+          </a:fontRef>
+        </p:style>
+        <p:txBody>
+          <a:bodyPr rtlCol="0" anchor="ctr"/>
+          <a:lstStyle/>
+          <a:p>
+            <a:pPr algn="ctr"/>
+            <a:endParaRPr lang="en-US"/>
+          </a:p>
+        </p:txBody>
+      </p:sp>
+      <p:sp>
+        <p:nvSpPr>
+          <p:cNvPr id="2" name="Title 1">
+            <a:extLst>
+              <a:ext uri="{FF2B5EF4-FFF2-40B4-BE49-F238E27FC236}">
+                <a16:creationId xmlns:a16="http://schemas.microsoft.com/office/drawing/2014/main" id="{4D55D1EC-07EE-4153-81CA-E8EFD559952F}"/>
+              </a:ext>
+            </a:extLst>
+          </p:cNvPr>
+          <p:cNvSpPr>
+            <a:spLocks noGrp="1"/>
+          </p:cNvSpPr>
+          <p:nvPr>
+            <p:ph type="title"/>
+          </p:nvPr>
+        </p:nvSpPr>
+        <p:spPr>
+          <a:xfrm rot="16200000">
+            <a:off x="-1322904" y="2514944"/>
+            <a:ext cx="5054601" cy="1955108"/>
+          </a:xfrm>
+        </p:spPr>
+        <p:txBody>
+          <a:bodyPr anchor="b">
+            <a:normAutofit/>
+          </a:bodyPr>
+          <a:lstStyle/>
+          <a:p>
+            <a:pPr algn="r"/>
+            <a:r>
+              <a:rPr lang="en-US" sz="4000">
+                <a:solidFill>
+                  <a:srgbClr val="FFFFFF"/>
+                </a:solidFill>
+              </a:rPr>
+              <a:t>ROC Curve Reading</a:t>
+            </a:r>
+          </a:p>
+        </p:txBody>
+      </p:sp>
+      <p:sp>
+        <p:nvSpPr>
+          <p:cNvPr id="3" name="Content Placeholder 2">
+            <a:extLst>
+              <a:ext uri="{FF2B5EF4-FFF2-40B4-BE49-F238E27FC236}">
+                <a16:creationId xmlns:a16="http://schemas.microsoft.com/office/drawing/2014/main" id="{01D6A27B-BC63-4D99-B21F-CCCB44F74DF2}"/>
+              </a:ext>
+            </a:extLst>
+          </p:cNvPr>
+          <p:cNvSpPr>
+            <a:spLocks noGrp="1"/>
+          </p:cNvSpPr>
+          <p:nvPr>
+            <p:ph idx="1"/>
+          </p:nvPr>
+        </p:nvSpPr>
+        <p:spPr>
+          <a:xfrm>
+            <a:off x="3102654" y="965199"/>
+            <a:ext cx="6670520" cy="5207002"/>
+          </a:xfrm>
+          <a:noFill/>
+        </p:spPr>
+        <p:txBody>
+          <a:bodyPr anchor="t">
+            <a:normAutofit/>
+          </a:bodyPr>
+          <a:lstStyle/>
+          <a:p>
+            <a:r>
+              <a:rPr lang="en-US" sz="2400"/>
+              <a:t>What is an ROC curve? Why is it useful over simply using the true positive and false positive rates?</a:t>
+            </a:r>
+          </a:p>
+          <a:p>
+            <a:endParaRPr lang="en-US" sz="2400"/>
+          </a:p>
+          <a:p>
+            <a:endParaRPr lang="en-US" sz="2400"/>
+          </a:p>
+          <a:p>
+            <a:r>
+              <a:rPr lang="en-US" sz="2400"/>
+              <a:t>What is AUC and what does it tell us?</a:t>
+            </a:r>
+          </a:p>
+        </p:txBody>
+      </p:sp>
+    </p:spTree>
+    <p:extLst>
+      <p:ext uri="{BB962C8B-B14F-4D97-AF65-F5344CB8AC3E}">
+        <p14:creationId xmlns:p14="http://schemas.microsoft.com/office/powerpoint/2010/main" val="611898327"/>
+      </p:ext>
+    </p:extLst>
+  </p:cSld>
+  <p:clrMapOvr>
+    <a:overrideClrMapping bg1="lt1" tx1="dk1" bg2="lt2" tx2="dk2" accent1="accent1" accent2="accent2" accent3="accent3" accent4="accent4" accent5="accent5" accent6="accent6" hlink="hlink" folHlink="folHlink"/>
+  </p:clrMapOvr>
+</p:sld>
+</file>
+
+<file path=ppt/slides/slide8.xml><?xml version="1.0" encoding="utf-8"?>
 <p:sld xmlns:a="http://schemas.openxmlformats.org/drawingml/2006/main" xmlns:r="http://schemas.openxmlformats.org/officeDocument/2006/relationships" xmlns:p="http://schemas.openxmlformats.org/presentationml/2006/main">
   <p:cSld>
     <p:spTree>
@@ -11428,7 +11868,7 @@
 </p:sld>
 </file>
 
-<file path=ppt/slides/slide8.xml><?xml version="1.0" encoding="utf-8"?>
+<file path=ppt/slides/slide9.xml><?xml version="1.0" encoding="utf-8"?>
 <p:sld xmlns:a="http://schemas.openxmlformats.org/drawingml/2006/main" xmlns:r="http://schemas.openxmlformats.org/officeDocument/2006/relationships" xmlns:p="http://schemas.openxmlformats.org/presentationml/2006/main">
   <p:cSld>
     <p:spTree>
@@ -11513,190 +11953,6 @@
   <p:clrMapOvr>
     <a:masterClrMapping/>
   </p:clrMapOvr>
-</p:sld>
-</file>
-
-<file path=ppt/slides/slide9.xml><?xml version="1.0" encoding="utf-8"?>
-<p:sld xmlns:a="http://schemas.openxmlformats.org/drawingml/2006/main" xmlns:r="http://schemas.openxmlformats.org/officeDocument/2006/relationships" xmlns:p="http://schemas.openxmlformats.org/presentationml/2006/main">
-  <p:cSld>
-    <p:bg>
-      <p:bgPr>
-        <a:solidFill>
-          <a:schemeClr val="bg1"/>
-        </a:solidFill>
-        <a:effectLst/>
-      </p:bgPr>
-    </p:bg>
-    <p:spTree>
-      <p:nvGrpSpPr>
-        <p:cNvPr id="1" name=""/>
-        <p:cNvGrpSpPr/>
-        <p:nvPr/>
-      </p:nvGrpSpPr>
-      <p:grpSpPr>
-        <a:xfrm>
-          <a:off x="0" y="0"/>
-          <a:ext cx="0" cy="0"/>
-          <a:chOff x="0" y="0"/>
-          <a:chExt cx="0" cy="0"/>
-        </a:xfrm>
-      </p:grpSpPr>
-      <p:sp>
-        <p:nvSpPr>
-          <p:cNvPr id="2" name="Title 1">
-            <a:extLst>
-              <a:ext uri="{FF2B5EF4-FFF2-40B4-BE49-F238E27FC236}">
-                <a16:creationId xmlns:a16="http://schemas.microsoft.com/office/drawing/2014/main" id="{6D62FF6B-9638-4395-BA5C-D175AFD34E54}"/>
-              </a:ext>
-            </a:extLst>
-          </p:cNvPr>
-          <p:cNvSpPr>
-            <a:spLocks noGrp="1"/>
-          </p:cNvSpPr>
-          <p:nvPr>
-            <p:ph type="title"/>
-          </p:nvPr>
-        </p:nvSpPr>
-        <p:spPr>
-          <a:xfrm>
-            <a:off x="1261872" y="365760"/>
-            <a:ext cx="9692640" cy="1325562"/>
-          </a:xfrm>
-        </p:spPr>
-        <p:txBody>
-          <a:bodyPr>
-            <a:normAutofit/>
-          </a:bodyPr>
-          <a:lstStyle/>
-          <a:p>
-            <a:r>
-              <a:rPr lang="en-US" dirty="0"/>
-              <a:t>How do you reduce variance without increasing bias?</a:t>
-            </a:r>
-          </a:p>
-        </p:txBody>
-      </p:sp>
-      <p:graphicFrame>
-        <p:nvGraphicFramePr>
-          <p:cNvPr id="5" name="Content Placeholder 2">
-            <a:extLst>
-              <a:ext uri="{FF2B5EF4-FFF2-40B4-BE49-F238E27FC236}">
-                <a16:creationId xmlns:a16="http://schemas.microsoft.com/office/drawing/2014/main" id="{C75CE237-8E68-4B25-8640-6B9DBC717C75}"/>
-              </a:ext>
-            </a:extLst>
-          </p:cNvPr>
-          <p:cNvGraphicFramePr>
-            <a:graphicFrameLocks noGrp="1"/>
-          </p:cNvGraphicFramePr>
-          <p:nvPr>
-            <p:ph idx="1"/>
-            <p:extLst>
-              <p:ext uri="{D42A27DB-BD31-4B8C-83A1-F6EECF244321}">
-                <p14:modId xmlns:p14="http://schemas.microsoft.com/office/powerpoint/2010/main" val="1185649472"/>
-              </p:ext>
-            </p:extLst>
-          </p:nvPr>
-        </p:nvGraphicFramePr>
-        <p:xfrm>
-          <a:off x="1262063" y="2013055"/>
-          <a:ext cx="8785735" cy="4201478"/>
-        </p:xfrm>
-        <a:graphic>
-          <a:graphicData uri="http://schemas.openxmlformats.org/drawingml/2006/diagram">
-            <dgm:relIds xmlns:dgm="http://schemas.openxmlformats.org/drawingml/2006/diagram" xmlns:r="http://schemas.openxmlformats.org/officeDocument/2006/relationships" r:dm="rId3" r:lo="rId4" r:qs="rId5" r:cs="rId6"/>
-          </a:graphicData>
-        </a:graphic>
-      </p:graphicFrame>
-    </p:spTree>
-    <p:extLst>
-      <p:ext uri="{BB962C8B-B14F-4D97-AF65-F5344CB8AC3E}">
-        <p14:creationId xmlns:p14="http://schemas.microsoft.com/office/powerpoint/2010/main" val="2343122152"/>
-      </p:ext>
-    </p:extLst>
-  </p:cSld>
-  <p:clrMapOvr>
-    <a:masterClrMapping/>
-  </p:clrMapOvr>
-  <p:timing>
-    <p:tnLst>
-      <p:par>
-        <p:cTn id="1" dur="indefinite" restart="never" nodeType="tmRoot">
-          <p:childTnLst>
-            <p:seq concurrent="1" nextAc="seek">
-              <p:cTn id="2" dur="indefinite" nodeType="mainSeq">
-                <p:childTnLst>
-                  <p:par>
-                    <p:cTn id="3" fill="hold">
-                      <p:stCondLst>
-                        <p:cond delay="indefinite"/>
-                      </p:stCondLst>
-                      <p:childTnLst>
-                        <p:par>
-                          <p:cTn id="4" fill="hold">
-                            <p:stCondLst>
-                              <p:cond delay="0"/>
-                            </p:stCondLst>
-                            <p:childTnLst>
-                              <p:par>
-                                <p:cTn id="5" presetID="1" presetClass="entr" presetSubtype="0" fill="hold" grpId="0" nodeType="clickEffect">
-                                  <p:stCondLst>
-                                    <p:cond delay="0"/>
-                                  </p:stCondLst>
-                                  <p:childTnLst>
-                                    <p:set>
-                                      <p:cBhvr>
-                                        <p:cTn id="6" dur="1" fill="hold">
-                                          <p:stCondLst>
-                                            <p:cond delay="0"/>
-                                          </p:stCondLst>
-                                        </p:cTn>
-                                        <p:tgtEl>
-                                          <p:spTgt spid="5"/>
-                                        </p:tgtEl>
-                                        <p:attrNameLst>
-                                          <p:attrName>style.visibility</p:attrName>
-                                        </p:attrNameLst>
-                                      </p:cBhvr>
-                                      <p:to>
-                                        <p:strVal val="visible"/>
-                                      </p:to>
-                                    </p:set>
-                                  </p:childTnLst>
-                                </p:cTn>
-                              </p:par>
-                            </p:childTnLst>
-                          </p:cTn>
-                        </p:par>
-                      </p:childTnLst>
-                    </p:cTn>
-                  </p:par>
-                </p:childTnLst>
-              </p:cTn>
-              <p:prevCondLst>
-                <p:cond evt="onPrev" delay="0">
-                  <p:tgtEl>
-                    <p:sldTgt/>
-                  </p:tgtEl>
-                </p:cond>
-              </p:prevCondLst>
-              <p:nextCondLst>
-                <p:cond evt="onNext" delay="0">
-                  <p:tgtEl>
-                    <p:sldTgt/>
-                  </p:tgtEl>
-                </p:cond>
-              </p:nextCondLst>
-            </p:seq>
-          </p:childTnLst>
-        </p:cTn>
-      </p:par>
-    </p:tnLst>
-    <p:bldLst>
-      <p:bldGraphic spid="5" grpId="0">
-        <p:bldAsOne/>
-      </p:bldGraphic>
-    </p:bldLst>
-  </p:timing>
 </p:sld>
 </file>
 

--- a/course_material/week_17/week_17_presentation.pptx
+++ b/course_material/week_17/week_17_presentation.pptx
@@ -4628,7 +4628,7 @@
           <a:p>
             <a:fld id="{5CF9EFDB-215C-4120-ADCB-EAD745B7163E}" type="datetimeFigureOut">
               <a:rPr lang="en-US" smtClean="0"/>
-              <a:t>6/20/2021</a:t>
+              <a:t>6/25/2021</a:t>
             </a:fld>
             <a:endParaRPr lang="en-US"/>
           </a:p>
@@ -5949,7 +5949,7 @@
           <a:p>
             <a:fld id="{ACF1A1B0-862D-4909-A7DB-D8ADA062DFCA}" type="datetimeFigureOut">
               <a:rPr lang="en-US" dirty="0"/>
-              <a:t>6/20/2021</a:t>
+              <a:t>6/25/2021</a:t>
             </a:fld>
             <a:endParaRPr lang="en-US"/>
           </a:p>
@@ -6172,7 +6172,7 @@
           <a:p>
             <a:fld id="{7B156144-9CB7-4E3A-B87E-A382F9BE05EF}" type="datetimeFigureOut">
               <a:rPr lang="en-US" dirty="0"/>
-              <a:t>6/20/2021</a:t>
+              <a:t>6/25/2021</a:t>
             </a:fld>
             <a:endParaRPr lang="en-US"/>
           </a:p>
@@ -6350,7 +6350,7 @@
           <a:p>
             <a:fld id="{2643D55F-46AB-4791-9172-4FA8DD3A6A9C}" type="datetimeFigureOut">
               <a:rPr lang="en-US" dirty="0"/>
-              <a:t>6/20/2021</a:t>
+              <a:t>6/25/2021</a:t>
             </a:fld>
             <a:endParaRPr lang="en-US"/>
           </a:p>
@@ -6518,7 +6518,7 @@
           <a:p>
             <a:fld id="{58026881-8A08-449C-8D73-E5F201F814C1}" type="datetimeFigureOut">
               <a:rPr lang="en-US" dirty="0"/>
-              <a:t>6/20/2021</a:t>
+              <a:t>6/25/2021</a:t>
             </a:fld>
             <a:endParaRPr lang="en-US"/>
           </a:p>
@@ -6808,7 +6808,7 @@
           <a:p>
             <a:fld id="{1BEB5A5E-0C07-4E93-A112-D37B4D166B30}" type="datetimeFigureOut">
               <a:rPr lang="en-US" dirty="0"/>
-              <a:t>6/20/2021</a:t>
+              <a:t>6/25/2021</a:t>
             </a:fld>
             <a:endParaRPr lang="en-US"/>
           </a:p>
@@ -7131,7 +7131,7 @@
           <a:p>
             <a:fld id="{9E1F71C5-DC57-4358-A1EA-30C08AF6E3C5}" type="datetimeFigureOut">
               <a:rPr lang="en-US" dirty="0"/>
-              <a:t>6/20/2021</a:t>
+              <a:t>6/25/2021</a:t>
             </a:fld>
             <a:endParaRPr lang="en-US"/>
           </a:p>
@@ -7540,7 +7540,7 @@
           <a:p>
             <a:fld id="{12571DBA-DE60-4731-B773-47AAA185C143}" type="datetimeFigureOut">
               <a:rPr lang="en-US" dirty="0"/>
-              <a:t>6/20/2021</a:t>
+              <a:t>6/25/2021</a:t>
             </a:fld>
             <a:endParaRPr lang="en-US"/>
           </a:p>
@@ -7657,7 +7657,7 @@
           <a:p>
             <a:fld id="{4F170639-886C-4FCF-9EAB-ABB5DA3F3F4A}" type="datetimeFigureOut">
               <a:rPr lang="en-US" dirty="0"/>
-              <a:t>6/20/2021</a:t>
+              <a:t>6/25/2021</a:t>
             </a:fld>
             <a:endParaRPr lang="en-US"/>
           </a:p>
@@ -7752,7 +7752,7 @@
           <a:p>
             <a:fld id="{34C4A628-C83B-4C66-83F4-1711CE3738FD}" type="datetimeFigureOut">
               <a:rPr lang="en-US" dirty="0"/>
-              <a:t>6/20/2021</a:t>
+              <a:t>6/25/2021</a:t>
             </a:fld>
             <a:endParaRPr lang="en-US"/>
           </a:p>
@@ -8037,7 +8037,7 @@
           <a:p>
             <a:fld id="{B88C1D73-9400-43CA-A37F-F9B7D00DE14C}" type="datetimeFigureOut">
               <a:rPr lang="en-US" dirty="0"/>
-              <a:t>6/20/2021</a:t>
+              <a:t>6/25/2021</a:t>
             </a:fld>
             <a:endParaRPr lang="en-US"/>
           </a:p>
@@ -8309,7 +8309,7 @@
           <a:p>
             <a:fld id="{188B7711-B905-4633-B4D7-6F3A49A2E7D9}" type="datetimeFigureOut">
               <a:rPr lang="en-US" dirty="0"/>
-              <a:t>6/20/2021</a:t>
+              <a:t>6/25/2021</a:t>
             </a:fld>
             <a:endParaRPr lang="en-US"/>
           </a:p>
@@ -8559,7 +8559,7 @@
             <a:fld id="{89C235CF-BDA2-4E7E-8BBD-350479985E74}" type="datetimeFigureOut">
               <a:rPr lang="en-US" dirty="0"/>
               <a:pPr/>
-              <a:t>6/20/2021</a:t>
+              <a:t>6/25/2021</a:t>
             </a:fld>
             <a:endParaRPr lang="en-US"/>
           </a:p>
@@ -9452,13 +9452,13 @@
         </p:spPr>
         <p:txBody>
           <a:bodyPr>
-            <a:normAutofit/>
+            <a:normAutofit fontScale="90000"/>
           </a:bodyPr>
           <a:lstStyle/>
           <a:p>
             <a:r>
-              <a:rPr lang="en-US" sz="3200"/>
-              <a:t>Bagging</a:t>
+              <a:rPr lang="en-US" sz="3200" dirty="0"/>
+              <a:t>Bagging – bootstrap aggregating</a:t>
             </a:r>
           </a:p>
         </p:txBody>
@@ -10687,19 +10687,21 @@
           <a:p>
             <a:r>
               <a:rPr lang="en-US" dirty="0"/>
-              <a:t>Review Decision Tree Improvements (15 mins)</a:t>
+              <a:t>ROC Curve Reading (15 mins)</a:t>
             </a:r>
           </a:p>
           <a:p>
             <a:r>
               <a:rPr lang="en-US" dirty="0"/>
-              <a:t>ROC Curve Reading (10 mins)</a:t>
-            </a:r>
-          </a:p>
-          <a:p>
+              <a:t>Ensemble </a:t>
+            </a:r>
+            <a:r>
+              <a:rPr lang="en-US"/>
+              <a:t>Methods (25 </a:t>
+            </a:r>
             <a:r>
               <a:rPr lang="en-US" dirty="0"/>
-              <a:t>Ensemble Methods (15 mins)</a:t>
+              <a:t>mins)</a:t>
             </a:r>
           </a:p>
           <a:p>

--- a/course_material/week_17/week_17_presentation.pptx
+++ b/course_material/week_17/week_17_presentation.pptx
@@ -4644,7 +4644,7 @@
           <a:p>
             <a:fld id="{5CF9EFDB-215C-4120-ADCB-EAD745B7163E}" type="datetimeFigureOut">
               <a:rPr lang="en-US" smtClean="0"/>
-              <a:t>1/9/2022</a:t>
+              <a:t>1/15/2022</a:t>
             </a:fld>
             <a:endParaRPr lang="en-US"/>
           </a:p>
@@ -5965,7 +5965,7 @@
           <a:p>
             <a:fld id="{ACF1A1B0-862D-4909-A7DB-D8ADA062DFCA}" type="datetimeFigureOut">
               <a:rPr lang="en-US" dirty="0"/>
-              <a:t>1/9/2022</a:t>
+              <a:t>1/15/2022</a:t>
             </a:fld>
             <a:endParaRPr lang="en-US"/>
           </a:p>
@@ -6188,7 +6188,7 @@
           <a:p>
             <a:fld id="{7B156144-9CB7-4E3A-B87E-A382F9BE05EF}" type="datetimeFigureOut">
               <a:rPr lang="en-US" dirty="0"/>
-              <a:t>1/9/2022</a:t>
+              <a:t>1/15/2022</a:t>
             </a:fld>
             <a:endParaRPr lang="en-US"/>
           </a:p>
@@ -6366,7 +6366,7 @@
           <a:p>
             <a:fld id="{2643D55F-46AB-4791-9172-4FA8DD3A6A9C}" type="datetimeFigureOut">
               <a:rPr lang="en-US" dirty="0"/>
-              <a:t>1/9/2022</a:t>
+              <a:t>1/15/2022</a:t>
             </a:fld>
             <a:endParaRPr lang="en-US"/>
           </a:p>
@@ -6534,7 +6534,7 @@
           <a:p>
             <a:fld id="{58026881-8A08-449C-8D73-E5F201F814C1}" type="datetimeFigureOut">
               <a:rPr lang="en-US" dirty="0"/>
-              <a:t>1/9/2022</a:t>
+              <a:t>1/15/2022</a:t>
             </a:fld>
             <a:endParaRPr lang="en-US"/>
           </a:p>
@@ -6824,7 +6824,7 @@
           <a:p>
             <a:fld id="{1BEB5A5E-0C07-4E93-A112-D37B4D166B30}" type="datetimeFigureOut">
               <a:rPr lang="en-US" dirty="0"/>
-              <a:t>1/9/2022</a:t>
+              <a:t>1/15/2022</a:t>
             </a:fld>
             <a:endParaRPr lang="en-US"/>
           </a:p>
@@ -7147,7 +7147,7 @@
           <a:p>
             <a:fld id="{9E1F71C5-DC57-4358-A1EA-30C08AF6E3C5}" type="datetimeFigureOut">
               <a:rPr lang="en-US" dirty="0"/>
-              <a:t>1/9/2022</a:t>
+              <a:t>1/15/2022</a:t>
             </a:fld>
             <a:endParaRPr lang="en-US"/>
           </a:p>
@@ -7556,7 +7556,7 @@
           <a:p>
             <a:fld id="{12571DBA-DE60-4731-B773-47AAA185C143}" type="datetimeFigureOut">
               <a:rPr lang="en-US" dirty="0"/>
-              <a:t>1/9/2022</a:t>
+              <a:t>1/15/2022</a:t>
             </a:fld>
             <a:endParaRPr lang="en-US"/>
           </a:p>
@@ -7673,7 +7673,7 @@
           <a:p>
             <a:fld id="{4F170639-886C-4FCF-9EAB-ABB5DA3F3F4A}" type="datetimeFigureOut">
               <a:rPr lang="en-US" dirty="0"/>
-              <a:t>1/9/2022</a:t>
+              <a:t>1/15/2022</a:t>
             </a:fld>
             <a:endParaRPr lang="en-US"/>
           </a:p>
@@ -7768,7 +7768,7 @@
           <a:p>
             <a:fld id="{34C4A628-C83B-4C66-83F4-1711CE3738FD}" type="datetimeFigureOut">
               <a:rPr lang="en-US" dirty="0"/>
-              <a:t>1/9/2022</a:t>
+              <a:t>1/15/2022</a:t>
             </a:fld>
             <a:endParaRPr lang="en-US"/>
           </a:p>
@@ -8053,7 +8053,7 @@
           <a:p>
             <a:fld id="{B88C1D73-9400-43CA-A37F-F9B7D00DE14C}" type="datetimeFigureOut">
               <a:rPr lang="en-US" dirty="0"/>
-              <a:t>1/9/2022</a:t>
+              <a:t>1/15/2022</a:t>
             </a:fld>
             <a:endParaRPr lang="en-US"/>
           </a:p>
@@ -8325,7 +8325,7 @@
           <a:p>
             <a:fld id="{188B7711-B905-4633-B4D7-6F3A49A2E7D9}" type="datetimeFigureOut">
               <a:rPr lang="en-US" dirty="0"/>
-              <a:t>1/9/2022</a:t>
+              <a:t>1/15/2022</a:t>
             </a:fld>
             <a:endParaRPr lang="en-US"/>
           </a:p>
@@ -8575,7 +8575,7 @@
             <a:fld id="{89C235CF-BDA2-4E7E-8BBD-350479985E74}" type="datetimeFigureOut">
               <a:rPr lang="en-US" dirty="0"/>
               <a:pPr/>
-              <a:t>1/9/2022</a:t>
+              <a:t>1/15/2022</a:t>
             </a:fld>
             <a:endParaRPr lang="en-US"/>
           </a:p>
@@ -10697,7 +10697,15 @@
           <a:p>
             <a:r>
               <a:rPr lang="en-US" dirty="0"/>
-              <a:t>Review Homework (30 mins)</a:t>
+              <a:t>Lingering Presentations </a:t>
+            </a:r>
+            <a:r>
+              <a:rPr lang="en-US"/>
+              <a:t>(25 </a:t>
+            </a:r>
+            <a:r>
+              <a:rPr lang="en-US" dirty="0"/>
+              <a:t>mins)</a:t>
             </a:r>
           </a:p>
           <a:p>
@@ -10709,15 +10717,7 @@
           <a:p>
             <a:r>
               <a:rPr lang="en-US" dirty="0"/>
-              <a:t>Ensemble </a:t>
-            </a:r>
-            <a:r>
-              <a:rPr lang="en-US"/>
-              <a:t>Methods (25 </a:t>
-            </a:r>
-            <a:r>
-              <a:rPr lang="en-US" dirty="0"/>
-              <a:t>mins)</a:t>
+              <a:t>Ensemble Methods (30 mins)</a:t>
             </a:r>
           </a:p>
           <a:p>
@@ -10821,7 +10821,7 @@
           <a:p>
             <a:r>
               <a:rPr lang="en-US" dirty="0"/>
-              <a:t>To continue in this course, you must have completed 17 of the 18 assignments by July 7</a:t>
+              <a:t>To continue in this course, you must have completed 16 of the 17 assignments by January 26</a:t>
             </a:r>
             <a:r>
               <a:rPr lang="en-US" baseline="30000" dirty="0"/>

--- a/course_material/week_17/week_17_presentation.pptx
+++ b/course_material/week_17/week_17_presentation.pptx
@@ -5,7 +5,7 @@
     <p:sldMasterId id="2147483696" r:id="rId1"/>
   </p:sldMasterIdLst>
   <p:notesMasterIdLst>
-    <p:notesMasterId r:id="rId19"/>
+    <p:notesMasterId r:id="rId18"/>
   </p:notesMasterIdLst>
   <p:sldIdLst>
     <p:sldId id="256" r:id="rId2"/>
@@ -13,18 +13,17 @@
     <p:sldId id="259" r:id="rId4"/>
     <p:sldId id="318" r:id="rId5"/>
     <p:sldId id="319" r:id="rId6"/>
-    <p:sldId id="320" r:id="rId7"/>
-    <p:sldId id="329" r:id="rId8"/>
-    <p:sldId id="321" r:id="rId9"/>
-    <p:sldId id="323" r:id="rId10"/>
-    <p:sldId id="324" r:id="rId11"/>
-    <p:sldId id="327" r:id="rId12"/>
-    <p:sldId id="325" r:id="rId13"/>
-    <p:sldId id="326" r:id="rId14"/>
-    <p:sldId id="328" r:id="rId15"/>
-    <p:sldId id="311" r:id="rId16"/>
-    <p:sldId id="322" r:id="rId17"/>
-    <p:sldId id="271" r:id="rId18"/>
+    <p:sldId id="329" r:id="rId7"/>
+    <p:sldId id="321" r:id="rId8"/>
+    <p:sldId id="323" r:id="rId9"/>
+    <p:sldId id="324" r:id="rId10"/>
+    <p:sldId id="327" r:id="rId11"/>
+    <p:sldId id="325" r:id="rId12"/>
+    <p:sldId id="326" r:id="rId13"/>
+    <p:sldId id="328" r:id="rId14"/>
+    <p:sldId id="311" r:id="rId15"/>
+    <p:sldId id="322" r:id="rId16"/>
+    <p:sldId id="271" r:id="rId17"/>
   </p:sldIdLst>
   <p:sldSz cx="12192000" cy="6858000"/>
   <p:notesSz cx="6858000" cy="9144000"/>
@@ -4644,7 +4643,7 @@
           <a:p>
             <a:fld id="{5CF9EFDB-215C-4120-ADCB-EAD745B7163E}" type="datetimeFigureOut">
               <a:rPr lang="en-US" smtClean="0"/>
-              <a:t>1/15/2022</a:t>
+              <a:t>1/19/2022</a:t>
             </a:fld>
             <a:endParaRPr lang="en-US"/>
           </a:p>
@@ -5060,7 +5059,7 @@
           <a:p>
             <a:fld id="{791F1524-C5FD-4370-8A10-5BE52A97A495}" type="slidenum">
               <a:rPr lang="en-US" smtClean="0"/>
-              <a:t>17</a:t>
+              <a:t>16</a:t>
             </a:fld>
             <a:endParaRPr lang="en-US"/>
           </a:p>
@@ -5312,7 +5311,7 @@
           <a:p>
             <a:fld id="{791F1524-C5FD-4370-8A10-5BE52A97A495}" type="slidenum">
               <a:rPr lang="en-US" smtClean="0"/>
-              <a:t>8</a:t>
+              <a:t>7</a:t>
             </a:fld>
             <a:endParaRPr lang="en-US"/>
           </a:p>
@@ -5407,7 +5406,7 @@
           <a:p>
             <a:fld id="{791F1524-C5FD-4370-8A10-5BE52A97A495}" type="slidenum">
               <a:rPr lang="en-US" smtClean="0"/>
-              <a:t>9</a:t>
+              <a:t>8</a:t>
             </a:fld>
             <a:endParaRPr lang="en-US"/>
           </a:p>
@@ -5491,7 +5490,7 @@
           <a:p>
             <a:fld id="{791F1524-C5FD-4370-8A10-5BE52A97A495}" type="slidenum">
               <a:rPr lang="en-US" smtClean="0"/>
-              <a:t>10</a:t>
+              <a:t>9</a:t>
             </a:fld>
             <a:endParaRPr lang="en-US"/>
           </a:p>
@@ -5578,7 +5577,7 @@
           <a:p>
             <a:fld id="{791F1524-C5FD-4370-8A10-5BE52A97A495}" type="slidenum">
               <a:rPr lang="en-US" smtClean="0"/>
-              <a:t>12</a:t>
+              <a:t>11</a:t>
             </a:fld>
             <a:endParaRPr lang="en-US"/>
           </a:p>
@@ -5665,7 +5664,7 @@
           <a:p>
             <a:fld id="{791F1524-C5FD-4370-8A10-5BE52A97A495}" type="slidenum">
               <a:rPr lang="en-US" smtClean="0"/>
-              <a:t>14</a:t>
+              <a:t>13</a:t>
             </a:fld>
             <a:endParaRPr lang="en-US"/>
           </a:p>
@@ -5752,7 +5751,7 @@
           <a:p>
             <a:fld id="{791F1524-C5FD-4370-8A10-5BE52A97A495}" type="slidenum">
               <a:rPr lang="en-US" smtClean="0"/>
-              <a:t>16</a:t>
+              <a:t>15</a:t>
             </a:fld>
             <a:endParaRPr lang="en-US"/>
           </a:p>
@@ -5965,7 +5964,7 @@
           <a:p>
             <a:fld id="{ACF1A1B0-862D-4909-A7DB-D8ADA062DFCA}" type="datetimeFigureOut">
               <a:rPr lang="en-US" dirty="0"/>
-              <a:t>1/15/2022</a:t>
+              <a:t>1/19/2022</a:t>
             </a:fld>
             <a:endParaRPr lang="en-US"/>
           </a:p>
@@ -6188,7 +6187,7 @@
           <a:p>
             <a:fld id="{7B156144-9CB7-4E3A-B87E-A382F9BE05EF}" type="datetimeFigureOut">
               <a:rPr lang="en-US" dirty="0"/>
-              <a:t>1/15/2022</a:t>
+              <a:t>1/19/2022</a:t>
             </a:fld>
             <a:endParaRPr lang="en-US"/>
           </a:p>
@@ -6366,7 +6365,7 @@
           <a:p>
             <a:fld id="{2643D55F-46AB-4791-9172-4FA8DD3A6A9C}" type="datetimeFigureOut">
               <a:rPr lang="en-US" dirty="0"/>
-              <a:t>1/15/2022</a:t>
+              <a:t>1/19/2022</a:t>
             </a:fld>
             <a:endParaRPr lang="en-US"/>
           </a:p>
@@ -6534,7 +6533,7 @@
           <a:p>
             <a:fld id="{58026881-8A08-449C-8D73-E5F201F814C1}" type="datetimeFigureOut">
               <a:rPr lang="en-US" dirty="0"/>
-              <a:t>1/15/2022</a:t>
+              <a:t>1/19/2022</a:t>
             </a:fld>
             <a:endParaRPr lang="en-US"/>
           </a:p>
@@ -6824,7 +6823,7 @@
           <a:p>
             <a:fld id="{1BEB5A5E-0C07-4E93-A112-D37B4D166B30}" type="datetimeFigureOut">
               <a:rPr lang="en-US" dirty="0"/>
-              <a:t>1/15/2022</a:t>
+              <a:t>1/19/2022</a:t>
             </a:fld>
             <a:endParaRPr lang="en-US"/>
           </a:p>
@@ -7147,7 +7146,7 @@
           <a:p>
             <a:fld id="{9E1F71C5-DC57-4358-A1EA-30C08AF6E3C5}" type="datetimeFigureOut">
               <a:rPr lang="en-US" dirty="0"/>
-              <a:t>1/15/2022</a:t>
+              <a:t>1/19/2022</a:t>
             </a:fld>
             <a:endParaRPr lang="en-US"/>
           </a:p>
@@ -7556,7 +7555,7 @@
           <a:p>
             <a:fld id="{12571DBA-DE60-4731-B773-47AAA185C143}" type="datetimeFigureOut">
               <a:rPr lang="en-US" dirty="0"/>
-              <a:t>1/15/2022</a:t>
+              <a:t>1/19/2022</a:t>
             </a:fld>
             <a:endParaRPr lang="en-US"/>
           </a:p>
@@ -7673,7 +7672,7 @@
           <a:p>
             <a:fld id="{4F170639-886C-4FCF-9EAB-ABB5DA3F3F4A}" type="datetimeFigureOut">
               <a:rPr lang="en-US" dirty="0"/>
-              <a:t>1/15/2022</a:t>
+              <a:t>1/19/2022</a:t>
             </a:fld>
             <a:endParaRPr lang="en-US"/>
           </a:p>
@@ -7768,7 +7767,7 @@
           <a:p>
             <a:fld id="{34C4A628-C83B-4C66-83F4-1711CE3738FD}" type="datetimeFigureOut">
               <a:rPr lang="en-US" dirty="0"/>
-              <a:t>1/15/2022</a:t>
+              <a:t>1/19/2022</a:t>
             </a:fld>
             <a:endParaRPr lang="en-US"/>
           </a:p>
@@ -8053,7 +8052,7 @@
           <a:p>
             <a:fld id="{B88C1D73-9400-43CA-A37F-F9B7D00DE14C}" type="datetimeFigureOut">
               <a:rPr lang="en-US" dirty="0"/>
-              <a:t>1/15/2022</a:t>
+              <a:t>1/19/2022</a:t>
             </a:fld>
             <a:endParaRPr lang="en-US"/>
           </a:p>
@@ -8325,7 +8324,7 @@
           <a:p>
             <a:fld id="{188B7711-B905-4633-B4D7-6F3A49A2E7D9}" type="datetimeFigureOut">
               <a:rPr lang="en-US" dirty="0"/>
-              <a:t>1/15/2022</a:t>
+              <a:t>1/19/2022</a:t>
             </a:fld>
             <a:endParaRPr lang="en-US"/>
           </a:p>
@@ -8575,7 +8574,7 @@
             <a:fld id="{89C235CF-BDA2-4E7E-8BBD-350479985E74}" type="datetimeFigureOut">
               <a:rPr lang="en-US" dirty="0"/>
               <a:pPr/>
-              <a:t>1/15/2022</a:t>
+              <a:t>1/19/2022</a:t>
             </a:fld>
             <a:endParaRPr lang="en-US"/>
           </a:p>
@@ -9122,14 +9121,6 @@
 <file path=ppt/slides/slide10.xml><?xml version="1.0" encoding="utf-8"?>
 <p:sld xmlns:a="http://schemas.openxmlformats.org/drawingml/2006/main" xmlns:r="http://schemas.openxmlformats.org/officeDocument/2006/relationships" xmlns:p="http://schemas.openxmlformats.org/presentationml/2006/main">
   <p:cSld>
-    <p:bg>
-      <p:bgPr>
-        <a:solidFill>
-          <a:schemeClr val="bg1"/>
-        </a:solidFill>
-        <a:effectLst/>
-      </p:bgPr>
-    </p:bg>
     <p:spTree>
       <p:nvGrpSpPr>
         <p:cNvPr id="1" name=""/>
@@ -9149,182 +9140,6 @@
           <p:cNvPr id="2" name="Title 1">
             <a:extLst>
               <a:ext uri="{FF2B5EF4-FFF2-40B4-BE49-F238E27FC236}">
-                <a16:creationId xmlns:a16="http://schemas.microsoft.com/office/drawing/2014/main" id="{6D62FF6B-9638-4395-BA5C-D175AFD34E54}"/>
-              </a:ext>
-            </a:extLst>
-          </p:cNvPr>
-          <p:cNvSpPr>
-            <a:spLocks noGrp="1"/>
-          </p:cNvSpPr>
-          <p:nvPr>
-            <p:ph type="title"/>
-          </p:nvPr>
-        </p:nvSpPr>
-        <p:spPr>
-          <a:xfrm>
-            <a:off x="1261872" y="365760"/>
-            <a:ext cx="9692640" cy="1325562"/>
-          </a:xfrm>
-        </p:spPr>
-        <p:txBody>
-          <a:bodyPr>
-            <a:normAutofit/>
-          </a:bodyPr>
-          <a:lstStyle/>
-          <a:p>
-            <a:r>
-              <a:rPr lang="en-US" dirty="0"/>
-              <a:t>How do you reduce variance without increasing bias?</a:t>
-            </a:r>
-          </a:p>
-        </p:txBody>
-      </p:sp>
-      <p:graphicFrame>
-        <p:nvGraphicFramePr>
-          <p:cNvPr id="5" name="Content Placeholder 2">
-            <a:extLst>
-              <a:ext uri="{FF2B5EF4-FFF2-40B4-BE49-F238E27FC236}">
-                <a16:creationId xmlns:a16="http://schemas.microsoft.com/office/drawing/2014/main" id="{C75CE237-8E68-4B25-8640-6B9DBC717C75}"/>
-              </a:ext>
-            </a:extLst>
-          </p:cNvPr>
-          <p:cNvGraphicFramePr>
-            <a:graphicFrameLocks noGrp="1"/>
-          </p:cNvGraphicFramePr>
-          <p:nvPr>
-            <p:ph idx="1"/>
-            <p:extLst>
-              <p:ext uri="{D42A27DB-BD31-4B8C-83A1-F6EECF244321}">
-                <p14:modId xmlns:p14="http://schemas.microsoft.com/office/powerpoint/2010/main" val="3503478258"/>
-              </p:ext>
-            </p:extLst>
-          </p:nvPr>
-        </p:nvGraphicFramePr>
-        <p:xfrm>
-          <a:off x="1262063" y="2013055"/>
-          <a:ext cx="8785735" cy="4201478"/>
-        </p:xfrm>
-        <a:graphic>
-          <a:graphicData uri="http://schemas.openxmlformats.org/drawingml/2006/diagram">
-            <dgm:relIds xmlns:dgm="http://schemas.openxmlformats.org/drawingml/2006/diagram" xmlns:r="http://schemas.openxmlformats.org/officeDocument/2006/relationships" r:dm="rId3" r:lo="rId4" r:qs="rId5" r:cs="rId6"/>
-          </a:graphicData>
-        </a:graphic>
-      </p:graphicFrame>
-    </p:spTree>
-    <p:extLst>
-      <p:ext uri="{BB962C8B-B14F-4D97-AF65-F5344CB8AC3E}">
-        <p14:creationId xmlns:p14="http://schemas.microsoft.com/office/powerpoint/2010/main" val="2343122152"/>
-      </p:ext>
-    </p:extLst>
-  </p:cSld>
-  <p:clrMapOvr>
-    <a:masterClrMapping/>
-  </p:clrMapOvr>
-  <p:timing>
-    <p:tnLst>
-      <p:par>
-        <p:cTn id="1" dur="indefinite" restart="never" nodeType="tmRoot">
-          <p:childTnLst>
-            <p:seq concurrent="1" nextAc="seek">
-              <p:cTn id="2" dur="indefinite" nodeType="mainSeq">
-                <p:childTnLst>
-                  <p:par>
-                    <p:cTn id="3" fill="hold">
-                      <p:stCondLst>
-                        <p:cond delay="indefinite"/>
-                      </p:stCondLst>
-                      <p:childTnLst>
-                        <p:par>
-                          <p:cTn id="4" fill="hold">
-                            <p:stCondLst>
-                              <p:cond delay="0"/>
-                            </p:stCondLst>
-                            <p:childTnLst>
-                              <p:par>
-                                <p:cTn id="5" presetID="1" presetClass="entr" presetSubtype="0" fill="hold" grpId="0" nodeType="clickEffect">
-                                  <p:stCondLst>
-                                    <p:cond delay="0"/>
-                                  </p:stCondLst>
-                                  <p:childTnLst>
-                                    <p:set>
-                                      <p:cBhvr>
-                                        <p:cTn id="6" dur="1" fill="hold">
-                                          <p:stCondLst>
-                                            <p:cond delay="0"/>
-                                          </p:stCondLst>
-                                        </p:cTn>
-                                        <p:tgtEl>
-                                          <p:spTgt spid="5"/>
-                                        </p:tgtEl>
-                                        <p:attrNameLst>
-                                          <p:attrName>style.visibility</p:attrName>
-                                        </p:attrNameLst>
-                                      </p:cBhvr>
-                                      <p:to>
-                                        <p:strVal val="visible"/>
-                                      </p:to>
-                                    </p:set>
-                                  </p:childTnLst>
-                                </p:cTn>
-                              </p:par>
-                            </p:childTnLst>
-                          </p:cTn>
-                        </p:par>
-                      </p:childTnLst>
-                    </p:cTn>
-                  </p:par>
-                </p:childTnLst>
-              </p:cTn>
-              <p:prevCondLst>
-                <p:cond evt="onPrev" delay="0">
-                  <p:tgtEl>
-                    <p:sldTgt/>
-                  </p:tgtEl>
-                </p:cond>
-              </p:prevCondLst>
-              <p:nextCondLst>
-                <p:cond evt="onNext" delay="0">
-                  <p:tgtEl>
-                    <p:sldTgt/>
-                  </p:tgtEl>
-                </p:cond>
-              </p:nextCondLst>
-            </p:seq>
-          </p:childTnLst>
-        </p:cTn>
-      </p:par>
-    </p:tnLst>
-    <p:bldLst>
-      <p:bldGraphic spid="5" grpId="0">
-        <p:bldAsOne/>
-      </p:bldGraphic>
-    </p:bldLst>
-  </p:timing>
-</p:sld>
-</file>
-
-<file path=ppt/slides/slide11.xml><?xml version="1.0" encoding="utf-8"?>
-<p:sld xmlns:a="http://schemas.openxmlformats.org/drawingml/2006/main" xmlns:r="http://schemas.openxmlformats.org/officeDocument/2006/relationships" xmlns:p="http://schemas.openxmlformats.org/presentationml/2006/main">
-  <p:cSld>
-    <p:spTree>
-      <p:nvGrpSpPr>
-        <p:cNvPr id="1" name=""/>
-        <p:cNvGrpSpPr/>
-        <p:nvPr/>
-      </p:nvGrpSpPr>
-      <p:grpSpPr>
-        <a:xfrm>
-          <a:off x="0" y="0"/>
-          <a:ext cx="0" cy="0"/>
-          <a:chOff x="0" y="0"/>
-          <a:chExt cx="0" cy="0"/>
-        </a:xfrm>
-      </p:grpSpPr>
-      <p:sp>
-        <p:nvSpPr>
-          <p:cNvPr id="2" name="Title 1">
-            <a:extLst>
-              <a:ext uri="{FF2B5EF4-FFF2-40B4-BE49-F238E27FC236}">
                 <a16:creationId xmlns:a16="http://schemas.microsoft.com/office/drawing/2014/main" id="{3B2C3158-93AC-42EB-925B-0A36661D757B}"/>
               </a:ext>
             </a:extLst>
@@ -9419,7 +9234,7 @@
 </p:sld>
 </file>
 
-<file path=ppt/slides/slide12.xml><?xml version="1.0" encoding="utf-8"?>
+<file path=ppt/slides/slide11.xml><?xml version="1.0" encoding="utf-8"?>
 <p:sld xmlns:a="http://schemas.openxmlformats.org/drawingml/2006/main" xmlns:r="http://schemas.openxmlformats.org/officeDocument/2006/relationships" xmlns:p="http://schemas.openxmlformats.org/presentationml/2006/main">
   <p:cSld>
     <p:bg>
@@ -9573,7 +9388,7 @@
 </p:sld>
 </file>
 
-<file path=ppt/slides/slide13.xml><?xml version="1.0" encoding="utf-8"?>
+<file path=ppt/slides/slide12.xml><?xml version="1.0" encoding="utf-8"?>
 <p:sld xmlns:a="http://schemas.openxmlformats.org/drawingml/2006/main" xmlns:r="http://schemas.openxmlformats.org/officeDocument/2006/relationships" xmlns:p="http://schemas.openxmlformats.org/presentationml/2006/main">
   <p:cSld>
     <p:spTree>
@@ -9835,7 +9650,7 @@
 </p:sld>
 </file>
 
-<file path=ppt/slides/slide14.xml><?xml version="1.0" encoding="utf-8"?>
+<file path=ppt/slides/slide13.xml><?xml version="1.0" encoding="utf-8"?>
 <p:sld xmlns:a="http://schemas.openxmlformats.org/drawingml/2006/main" xmlns:r="http://schemas.openxmlformats.org/officeDocument/2006/relationships" xmlns:p="http://schemas.openxmlformats.org/presentationml/2006/main">
   <p:cSld>
     <p:spTree>
@@ -9962,7 +9777,7 @@
 </p:sld>
 </file>
 
-<file path=ppt/slides/slide15.xml><?xml version="1.0" encoding="utf-8"?>
+<file path=ppt/slides/slide14.xml><?xml version="1.0" encoding="utf-8"?>
 <p:sld xmlns:a="http://schemas.openxmlformats.org/drawingml/2006/main" xmlns:r="http://schemas.openxmlformats.org/officeDocument/2006/relationships" xmlns:p="http://schemas.openxmlformats.org/presentationml/2006/main">
   <p:cSld>
     <p:spTree>
@@ -10079,7 +9894,7 @@
 </p:sld>
 </file>
 
-<file path=ppt/slides/slide16.xml><?xml version="1.0" encoding="utf-8"?>
+<file path=ppt/slides/slide15.xml><?xml version="1.0" encoding="utf-8"?>
 <p:sld xmlns:a="http://schemas.openxmlformats.org/drawingml/2006/main" xmlns:r="http://schemas.openxmlformats.org/officeDocument/2006/relationships" xmlns:p="http://schemas.openxmlformats.org/presentationml/2006/main">
   <p:cSld>
     <p:bg>
@@ -10381,7 +10196,7 @@
 </p:sld>
 </file>
 
-<file path=ppt/slides/slide17.xml><?xml version="1.0" encoding="utf-8"?>
+<file path=ppt/slides/slide16.xml><?xml version="1.0" encoding="utf-8"?>
 <p:sld xmlns:a="http://schemas.openxmlformats.org/drawingml/2006/main" xmlns:r="http://schemas.openxmlformats.org/officeDocument/2006/relationships" xmlns:p="http://schemas.openxmlformats.org/presentationml/2006/main">
   <p:cSld>
     <p:spTree>
@@ -11113,296 +10928,6 @@
     <p:bg>
       <p:bgPr>
         <a:solidFill>
-          <a:schemeClr val="bg1"/>
-        </a:solidFill>
-        <a:effectLst/>
-      </p:bgPr>
-    </p:bg>
-    <p:spTree>
-      <p:nvGrpSpPr>
-        <p:cNvPr id="1" name=""/>
-        <p:cNvGrpSpPr/>
-        <p:nvPr/>
-      </p:nvGrpSpPr>
-      <p:grpSpPr>
-        <a:xfrm>
-          <a:off x="0" y="0"/>
-          <a:ext cx="0" cy="0"/>
-          <a:chOff x="0" y="0"/>
-          <a:chExt cx="0" cy="0"/>
-        </a:xfrm>
-      </p:grpSpPr>
-      <p:sp>
-        <p:nvSpPr>
-          <p:cNvPr id="10" name="Rectangle 9">
-            <a:extLst>
-              <a:ext uri="{FF2B5EF4-FFF2-40B4-BE49-F238E27FC236}">
-                <a16:creationId xmlns:a16="http://schemas.microsoft.com/office/drawing/2014/main" id="{F0FD769F-BDEE-4149-8C98-A92F1F8A145F}"/>
-              </a:ext>
-              <a:ext uri="{C183D7F6-B498-43B3-948B-1728B52AA6E4}">
-                <adec:decorative xmlns:adec="http://schemas.microsoft.com/office/drawing/2017/decorative" val="1"/>
-              </a:ext>
-            </a:extLst>
-          </p:cNvPr>
-          <p:cNvSpPr>
-            <a:spLocks noGrp="1" noRot="1" noChangeAspect="1" noMove="1" noResize="1" noEditPoints="1" noAdjustHandles="1" noChangeArrowheads="1" noChangeShapeType="1" noTextEdit="1"/>
-          </p:cNvSpPr>
-          <p:nvPr>
-            <p:extLst>
-              <p:ext uri="{386F3935-93C4-4BCD-93E2-E3B085C9AB24}">
-                <p16:designElem xmlns:p16="http://schemas.microsoft.com/office/powerpoint/2015/main" val="1"/>
-              </p:ext>
-            </p:extLst>
-          </p:nvPr>
-        </p:nvSpPr>
-        <p:spPr>
-          <a:xfrm>
-            <a:off x="11292840" y="0"/>
-            <a:ext cx="914400" cy="6858000"/>
-          </a:xfrm>
-          <a:prstGeom prst="rect">
-            <a:avLst/>
-          </a:prstGeom>
-          <a:solidFill>
-            <a:srgbClr val="303030"/>
-          </a:solidFill>
-          <a:ln>
-            <a:noFill/>
-          </a:ln>
-        </p:spPr>
-        <p:style>
-          <a:lnRef idx="2">
-            <a:schemeClr val="accent1">
-              <a:shade val="50000"/>
-            </a:schemeClr>
-          </a:lnRef>
-          <a:fillRef idx="1">
-            <a:schemeClr val="accent1"/>
-          </a:fillRef>
-          <a:effectRef idx="0">
-            <a:schemeClr val="accent1"/>
-          </a:effectRef>
-          <a:fontRef idx="minor">
-            <a:schemeClr val="lt1"/>
-          </a:fontRef>
-        </p:style>
-      </p:sp>
-      <p:sp>
-        <p:nvSpPr>
-          <p:cNvPr id="12" name="Rectangle 11">
-            <a:extLst>
-              <a:ext uri="{FF2B5EF4-FFF2-40B4-BE49-F238E27FC236}">
-                <a16:creationId xmlns:a16="http://schemas.microsoft.com/office/drawing/2014/main" id="{DC00EF3B-797F-4060-9460-6EEF08B1B150}"/>
-              </a:ext>
-              <a:ext uri="{C183D7F6-B498-43B3-948B-1728B52AA6E4}">
-                <adec:decorative xmlns:adec="http://schemas.microsoft.com/office/drawing/2017/decorative" val="1"/>
-              </a:ext>
-            </a:extLst>
-          </p:cNvPr>
-          <p:cNvSpPr>
-            <a:spLocks noGrp="1" noRot="1" noChangeAspect="1" noMove="1" noResize="1" noEditPoints="1" noAdjustHandles="1" noChangeArrowheads="1" noChangeShapeType="1" noTextEdit="1"/>
-          </p:cNvSpPr>
-          <p:nvPr>
-            <p:extLst>
-              <p:ext uri="{386F3935-93C4-4BCD-93E2-E3B085C9AB24}">
-                <p16:designElem xmlns:p16="http://schemas.microsoft.com/office/powerpoint/2015/main" val="1"/>
-              </p:ext>
-            </p:extLst>
-          </p:nvPr>
-        </p:nvSpPr>
-        <p:spPr>
-          <a:xfrm>
-            <a:off x="0" y="0"/>
-            <a:ext cx="457200" cy="6858000"/>
-          </a:xfrm>
-          <a:prstGeom prst="rect">
-            <a:avLst/>
-          </a:prstGeom>
-          <a:solidFill>
-            <a:srgbClr val="303030"/>
-          </a:solidFill>
-          <a:ln>
-            <a:noFill/>
-          </a:ln>
-        </p:spPr>
-        <p:style>
-          <a:lnRef idx="2">
-            <a:schemeClr val="accent1">
-              <a:shade val="50000"/>
-            </a:schemeClr>
-          </a:lnRef>
-          <a:fillRef idx="1">
-            <a:schemeClr val="accent1"/>
-          </a:fillRef>
-          <a:effectRef idx="0">
-            <a:schemeClr val="accent1"/>
-          </a:effectRef>
-          <a:fontRef idx="minor">
-            <a:schemeClr val="lt1"/>
-          </a:fontRef>
-        </p:style>
-      </p:sp>
-      <p:sp>
-        <p:nvSpPr>
-          <p:cNvPr id="2" name="Title 1">
-            <a:extLst>
-              <a:ext uri="{FF2B5EF4-FFF2-40B4-BE49-F238E27FC236}">
-                <a16:creationId xmlns:a16="http://schemas.microsoft.com/office/drawing/2014/main" id="{A15E1278-DD9B-4E35-8DD3-4189000C55DE}"/>
-              </a:ext>
-            </a:extLst>
-          </p:cNvPr>
-          <p:cNvSpPr>
-            <a:spLocks noGrp="1"/>
-          </p:cNvSpPr>
-          <p:nvPr>
-            <p:ph type="title"/>
-          </p:nvPr>
-        </p:nvSpPr>
-        <p:spPr>
-          <a:xfrm>
-            <a:off x="961786" y="758952"/>
-            <a:ext cx="6271117" cy="4041648"/>
-          </a:xfrm>
-        </p:spPr>
-        <p:txBody>
-          <a:bodyPr vert="horz" lIns="91440" tIns="45720" rIns="91440" bIns="45720" rtlCol="0" anchor="b">
-            <a:normAutofit/>
-          </a:bodyPr>
-          <a:lstStyle/>
-          <a:p>
-            <a:pPr>
-              <a:lnSpc>
-                <a:spcPct val="85000"/>
-              </a:lnSpc>
-            </a:pPr>
-            <a:r>
-              <a:rPr lang="en-US" sz="7200"/>
-              <a:t>Review Decision Tree Optimizations</a:t>
-            </a:r>
-          </a:p>
-        </p:txBody>
-      </p:sp>
-      <p:sp>
-        <p:nvSpPr>
-          <p:cNvPr id="14" name="Rectangle 13">
-            <a:extLst>
-              <a:ext uri="{FF2B5EF4-FFF2-40B4-BE49-F238E27FC236}">
-                <a16:creationId xmlns:a16="http://schemas.microsoft.com/office/drawing/2014/main" id="{3A61A9DA-15A4-4F42-877E-D7285E6F7920}"/>
-              </a:ext>
-              <a:ext uri="{C183D7F6-B498-43B3-948B-1728B52AA6E4}">
-                <adec:decorative xmlns:adec="http://schemas.microsoft.com/office/drawing/2017/decorative" val="1"/>
-              </a:ext>
-            </a:extLst>
-          </p:cNvPr>
-          <p:cNvSpPr>
-            <a:spLocks noGrp="1" noRot="1" noChangeAspect="1" noMove="1" noResize="1" noEditPoints="1" noAdjustHandles="1" noChangeArrowheads="1" noChangeShapeType="1" noTextEdit="1"/>
-          </p:cNvSpPr>
-          <p:nvPr>
-            <p:extLst>
-              <p:ext uri="{386F3935-93C4-4BCD-93E2-E3B085C9AB24}">
-                <p16:designElem xmlns:p16="http://schemas.microsoft.com/office/powerpoint/2015/main" val="1"/>
-              </p:ext>
-            </p:extLst>
-          </p:nvPr>
-        </p:nvSpPr>
-        <p:spPr>
-          <a:xfrm flipV="1">
-            <a:off x="10652759" y="-3484712"/>
-            <a:ext cx="320040" cy="320040"/>
-          </a:xfrm>
-          <a:prstGeom prst="rect">
-            <a:avLst/>
-          </a:prstGeom>
-          <a:solidFill>
-            <a:srgbClr val="FF0000"/>
-          </a:solidFill>
-          <a:ln>
-            <a:noFill/>
-          </a:ln>
-        </p:spPr>
-        <p:style>
-          <a:lnRef idx="2">
-            <a:schemeClr val="accent1">
-              <a:shade val="50000"/>
-            </a:schemeClr>
-          </a:lnRef>
-          <a:fillRef idx="1">
-            <a:schemeClr val="accent1"/>
-          </a:fillRef>
-          <a:effectRef idx="0">
-            <a:schemeClr val="accent1"/>
-          </a:effectRef>
-          <a:fontRef idx="minor">
-            <a:schemeClr val="lt1"/>
-          </a:fontRef>
-        </p:style>
-        <p:txBody>
-          <a:bodyPr rtlCol="0" anchor="ctr"/>
-          <a:lstStyle/>
-          <a:p>
-            <a:pPr algn="ctr"/>
-            <a:endParaRPr lang="en-US"/>
-          </a:p>
-        </p:txBody>
-      </p:sp>
-      <p:pic>
-        <p:nvPicPr>
-          <p:cNvPr id="7" name="Graphic 6" descr="Edit">
-            <a:extLst>
-              <a:ext uri="{FF2B5EF4-FFF2-40B4-BE49-F238E27FC236}">
-                <a16:creationId xmlns:a16="http://schemas.microsoft.com/office/drawing/2014/main" id="{EC9D5787-4496-49A5-A0DB-345E4822DBB3}"/>
-              </a:ext>
-            </a:extLst>
-          </p:cNvPr>
-          <p:cNvPicPr>
-            <a:picLocks noChangeAspect="1"/>
-          </p:cNvPicPr>
-          <p:nvPr/>
-        </p:nvPicPr>
-        <p:blipFill>
-          <a:blip r:embed="rId2">
-            <a:extLst>
-              <a:ext uri="{28A0092B-C50C-407E-A947-70E740481C1C}">
-                <a14:useLocalDpi xmlns:a14="http://schemas.microsoft.com/office/drawing/2010/main" val="0"/>
-              </a:ext>
-              <a:ext uri="{96DAC541-7B7A-43D3-8B79-37D633B846F1}">
-                <asvg:svgBlip xmlns:asvg="http://schemas.microsoft.com/office/drawing/2016/SVG/main" r:embed="rId3"/>
-              </a:ext>
-            </a:extLst>
-          </a:blip>
-          <a:stretch>
-            <a:fillRect/>
-          </a:stretch>
-        </p:blipFill>
-        <p:spPr>
-          <a:xfrm>
-            <a:off x="7552944" y="1772849"/>
-            <a:ext cx="3307276" cy="3307276"/>
-          </a:xfrm>
-          <a:prstGeom prst="rect">
-            <a:avLst/>
-          </a:prstGeom>
-        </p:spPr>
-      </p:pic>
-    </p:spTree>
-    <p:extLst>
-      <p:ext uri="{BB962C8B-B14F-4D97-AF65-F5344CB8AC3E}">
-        <p14:creationId xmlns:p14="http://schemas.microsoft.com/office/powerpoint/2010/main" val="1109663728"/>
-      </p:ext>
-    </p:extLst>
-  </p:cSld>
-  <p:clrMapOvr>
-    <a:masterClrMapping/>
-  </p:clrMapOvr>
-</p:sld>
-</file>
-
-<file path=ppt/slides/slide7.xml><?xml version="1.0" encoding="utf-8"?>
-<p:sld xmlns:a="http://schemas.openxmlformats.org/drawingml/2006/main" xmlns:r="http://schemas.openxmlformats.org/officeDocument/2006/relationships" xmlns:p="http://schemas.openxmlformats.org/presentationml/2006/main">
-  <p:cSld>
-    <p:bg>
-      <p:bgPr>
-        <a:solidFill>
           <a:schemeClr val="bg1">
             <a:tint val="95000"/>
             <a:satMod val="170000"/>
@@ -11646,7 +11171,7 @@
 </p:sld>
 </file>
 
-<file path=ppt/slides/slide8.xml><?xml version="1.0" encoding="utf-8"?>
+<file path=ppt/slides/slide7.xml><?xml version="1.0" encoding="utf-8"?>
 <p:sld xmlns:a="http://schemas.openxmlformats.org/drawingml/2006/main" xmlns:r="http://schemas.openxmlformats.org/officeDocument/2006/relationships" xmlns:p="http://schemas.openxmlformats.org/presentationml/2006/main">
   <p:cSld>
     <p:spTree>
@@ -11886,7 +11411,7 @@
 </p:sld>
 </file>
 
-<file path=ppt/slides/slide9.xml><?xml version="1.0" encoding="utf-8"?>
+<file path=ppt/slides/slide8.xml><?xml version="1.0" encoding="utf-8"?>
 <p:sld xmlns:a="http://schemas.openxmlformats.org/drawingml/2006/main" xmlns:r="http://schemas.openxmlformats.org/officeDocument/2006/relationships" xmlns:p="http://schemas.openxmlformats.org/presentationml/2006/main">
   <p:cSld>
     <p:spTree>
@@ -11971,6 +11496,190 @@
   <p:clrMapOvr>
     <a:masterClrMapping/>
   </p:clrMapOvr>
+</p:sld>
+</file>
+
+<file path=ppt/slides/slide9.xml><?xml version="1.0" encoding="utf-8"?>
+<p:sld xmlns:a="http://schemas.openxmlformats.org/drawingml/2006/main" xmlns:r="http://schemas.openxmlformats.org/officeDocument/2006/relationships" xmlns:p="http://schemas.openxmlformats.org/presentationml/2006/main">
+  <p:cSld>
+    <p:bg>
+      <p:bgPr>
+        <a:solidFill>
+          <a:schemeClr val="bg1"/>
+        </a:solidFill>
+        <a:effectLst/>
+      </p:bgPr>
+    </p:bg>
+    <p:spTree>
+      <p:nvGrpSpPr>
+        <p:cNvPr id="1" name=""/>
+        <p:cNvGrpSpPr/>
+        <p:nvPr/>
+      </p:nvGrpSpPr>
+      <p:grpSpPr>
+        <a:xfrm>
+          <a:off x="0" y="0"/>
+          <a:ext cx="0" cy="0"/>
+          <a:chOff x="0" y="0"/>
+          <a:chExt cx="0" cy="0"/>
+        </a:xfrm>
+      </p:grpSpPr>
+      <p:sp>
+        <p:nvSpPr>
+          <p:cNvPr id="2" name="Title 1">
+            <a:extLst>
+              <a:ext uri="{FF2B5EF4-FFF2-40B4-BE49-F238E27FC236}">
+                <a16:creationId xmlns:a16="http://schemas.microsoft.com/office/drawing/2014/main" id="{6D62FF6B-9638-4395-BA5C-D175AFD34E54}"/>
+              </a:ext>
+            </a:extLst>
+          </p:cNvPr>
+          <p:cNvSpPr>
+            <a:spLocks noGrp="1"/>
+          </p:cNvSpPr>
+          <p:nvPr>
+            <p:ph type="title"/>
+          </p:nvPr>
+        </p:nvSpPr>
+        <p:spPr>
+          <a:xfrm>
+            <a:off x="1261872" y="365760"/>
+            <a:ext cx="9692640" cy="1325562"/>
+          </a:xfrm>
+        </p:spPr>
+        <p:txBody>
+          <a:bodyPr>
+            <a:normAutofit/>
+          </a:bodyPr>
+          <a:lstStyle/>
+          <a:p>
+            <a:r>
+              <a:rPr lang="en-US" dirty="0"/>
+              <a:t>How do you reduce variance without increasing bias?</a:t>
+            </a:r>
+          </a:p>
+        </p:txBody>
+      </p:sp>
+      <p:graphicFrame>
+        <p:nvGraphicFramePr>
+          <p:cNvPr id="5" name="Content Placeholder 2">
+            <a:extLst>
+              <a:ext uri="{FF2B5EF4-FFF2-40B4-BE49-F238E27FC236}">
+                <a16:creationId xmlns:a16="http://schemas.microsoft.com/office/drawing/2014/main" id="{C75CE237-8E68-4B25-8640-6B9DBC717C75}"/>
+              </a:ext>
+            </a:extLst>
+          </p:cNvPr>
+          <p:cNvGraphicFramePr>
+            <a:graphicFrameLocks noGrp="1"/>
+          </p:cNvGraphicFramePr>
+          <p:nvPr>
+            <p:ph idx="1"/>
+            <p:extLst>
+              <p:ext uri="{D42A27DB-BD31-4B8C-83A1-F6EECF244321}">
+                <p14:modId xmlns:p14="http://schemas.microsoft.com/office/powerpoint/2010/main" val="3503478258"/>
+              </p:ext>
+            </p:extLst>
+          </p:nvPr>
+        </p:nvGraphicFramePr>
+        <p:xfrm>
+          <a:off x="1262063" y="2013055"/>
+          <a:ext cx="8785735" cy="4201478"/>
+        </p:xfrm>
+        <a:graphic>
+          <a:graphicData uri="http://schemas.openxmlformats.org/drawingml/2006/diagram">
+            <dgm:relIds xmlns:dgm="http://schemas.openxmlformats.org/drawingml/2006/diagram" xmlns:r="http://schemas.openxmlformats.org/officeDocument/2006/relationships" r:dm="rId3" r:lo="rId4" r:qs="rId5" r:cs="rId6"/>
+          </a:graphicData>
+        </a:graphic>
+      </p:graphicFrame>
+    </p:spTree>
+    <p:extLst>
+      <p:ext uri="{BB962C8B-B14F-4D97-AF65-F5344CB8AC3E}">
+        <p14:creationId xmlns:p14="http://schemas.microsoft.com/office/powerpoint/2010/main" val="2343122152"/>
+      </p:ext>
+    </p:extLst>
+  </p:cSld>
+  <p:clrMapOvr>
+    <a:masterClrMapping/>
+  </p:clrMapOvr>
+  <p:timing>
+    <p:tnLst>
+      <p:par>
+        <p:cTn id="1" dur="indefinite" restart="never" nodeType="tmRoot">
+          <p:childTnLst>
+            <p:seq concurrent="1" nextAc="seek">
+              <p:cTn id="2" dur="indefinite" nodeType="mainSeq">
+                <p:childTnLst>
+                  <p:par>
+                    <p:cTn id="3" fill="hold">
+                      <p:stCondLst>
+                        <p:cond delay="indefinite"/>
+                      </p:stCondLst>
+                      <p:childTnLst>
+                        <p:par>
+                          <p:cTn id="4" fill="hold">
+                            <p:stCondLst>
+                              <p:cond delay="0"/>
+                            </p:stCondLst>
+                            <p:childTnLst>
+                              <p:par>
+                                <p:cTn id="5" presetID="1" presetClass="entr" presetSubtype="0" fill="hold" grpId="0" nodeType="clickEffect">
+                                  <p:stCondLst>
+                                    <p:cond delay="0"/>
+                                  </p:stCondLst>
+                                  <p:childTnLst>
+                                    <p:set>
+                                      <p:cBhvr>
+                                        <p:cTn id="6" dur="1" fill="hold">
+                                          <p:stCondLst>
+                                            <p:cond delay="0"/>
+                                          </p:stCondLst>
+                                        </p:cTn>
+                                        <p:tgtEl>
+                                          <p:spTgt spid="5"/>
+                                        </p:tgtEl>
+                                        <p:attrNameLst>
+                                          <p:attrName>style.visibility</p:attrName>
+                                        </p:attrNameLst>
+                                      </p:cBhvr>
+                                      <p:to>
+                                        <p:strVal val="visible"/>
+                                      </p:to>
+                                    </p:set>
+                                  </p:childTnLst>
+                                </p:cTn>
+                              </p:par>
+                            </p:childTnLst>
+                          </p:cTn>
+                        </p:par>
+                      </p:childTnLst>
+                    </p:cTn>
+                  </p:par>
+                </p:childTnLst>
+              </p:cTn>
+              <p:prevCondLst>
+                <p:cond evt="onPrev" delay="0">
+                  <p:tgtEl>
+                    <p:sldTgt/>
+                  </p:tgtEl>
+                </p:cond>
+              </p:prevCondLst>
+              <p:nextCondLst>
+                <p:cond evt="onNext" delay="0">
+                  <p:tgtEl>
+                    <p:sldTgt/>
+                  </p:tgtEl>
+                </p:cond>
+              </p:nextCondLst>
+            </p:seq>
+          </p:childTnLst>
+        </p:cTn>
+      </p:par>
+    </p:tnLst>
+    <p:bldLst>
+      <p:bldGraphic spid="5" grpId="0">
+        <p:bldAsOne/>
+      </p:bldGraphic>
+    </p:bldLst>
+  </p:timing>
 </p:sld>
 </file>
 
